--- a/(fasoo)강지윤_프토플리오_멀티캠퍼스.pptx
+++ b/(fasoo)강지윤_프토플리오_멀티캠퍼스.pptx
@@ -2,7 +2,7 @@
 <file path=ppt/presentation.xml><?xml version="1.0" encoding="utf-8"?>
 <p:presentation xmlns:r="http://schemas.openxmlformats.org/officeDocument/2006/relationships" xmlns:c="http://schemas.openxmlformats.org/drawingml/2006/chart" xmlns:a="http://schemas.openxmlformats.org/drawingml/2006/main" xmlns:dgm="http://schemas.openxmlformats.org/drawingml/2006/diagram" xmlns:dsp="http://schemas.microsoft.com/office/drawing/2008/diagram" xmlns:p="http://schemas.openxmlformats.org/presentationml/2006/main" strictFirstAndLastChars="0" embedTrueTypeFonts="1" saveSubsetFonts="1" autoCompressPictures="0">
   <p:sldMasterIdLst>
-    <p:sldMasterId id="2147483674" r:id="rId1"/>
+    <p:sldMasterId id="2147483672" r:id="rId1"/>
   </p:sldMasterIdLst>
   <p:notesMasterIdLst>
     <p:notesMasterId r:id="rId2"/>
@@ -22984,7 +22984,7 @@
         </p:nvSpPr>
         <p:spPr>
           <a:xfrm>
-            <a:off x="9140535" y="2012764"/>
+            <a:off x="9140535" y="3988846"/>
             <a:ext cx="6840000" cy="400069"/>
           </a:xfrm>
           <a:prstGeom prst="rect">
@@ -23157,8 +23157,8 @@
         </p:nvSpPr>
         <p:spPr>
           <a:xfrm>
-            <a:off x="1047750" y="2816597"/>
-            <a:ext cx="6834188" cy="8630528"/>
+            <a:off x="1047750" y="2816594"/>
+            <a:ext cx="6834188" cy="8630531"/>
           </a:xfrm>
           <a:prstGeom prst="rect">
             <a:avLst/>
@@ -23192,395 +23192,9 @@
                 <a:latin typeface="맑은 고딕"/>
                 <a:ea typeface="맑은 고딕"/>
               </a:rPr>
-              <a:t>부트 캠프에서 수행한 프로젝트에 대하여 말씀드리겠습니다</a:t>
+              <a:t>저는 멀티캠퍼스 AI 백엔드 엔지니어링 캠프에서 ''온라인 수강 모니터링 시스템'' 이라는 주제로 4월부터 6월까지 5명에서 프로젝트를 수행한 적이 있습니다.</a:t>
             </a:r>
-            <a:r>
-              <a:rPr lang="en-US" altLang="ko-KR" sz="1600" b="1">
-                <a:solidFill>
-                  <a:schemeClr val="tx1"/>
-                </a:solidFill>
-                <a:latin typeface="맑은 고딕"/>
-                <a:ea typeface="맑은 고딕"/>
-              </a:rPr>
-              <a:t>.</a:t>
-            </a:r>
-            <a:endParaRPr lang="en-US" altLang="ko-KR" sz="1600" b="1">
-              <a:solidFill>
-                <a:schemeClr val="tx1"/>
-              </a:solidFill>
-              <a:latin typeface="맑은 고딕"/>
-              <a:ea typeface="맑은 고딕"/>
-            </a:endParaRPr>
-          </a:p>
-          <a:p>
-            <a:pPr marL="0" marR="0" indent="0" algn="l" rtl="0">
-              <a:spcBef>
-                <a:spcPts val="0"/>
-              </a:spcBef>
-              <a:spcAft>
-                <a:spcPts val="0"/>
-              </a:spcAft>
-              <a:buNone/>
-              <a:defRPr/>
-            </a:pPr>
-            <a:r>
-              <a:rPr lang="ko-KR" altLang="en-US" sz="1600" b="1">
-                <a:solidFill>
-                  <a:schemeClr val="tx1"/>
-                </a:solidFill>
-                <a:latin typeface="맑은 고딕"/>
-                <a:ea typeface="맑은 고딕"/>
-              </a:rPr>
-              <a:t>저희 조는 </a:t>
-            </a:r>
-            <a:r>
-              <a:rPr lang="en-US" altLang="ko-KR" sz="1600" b="1">
-                <a:solidFill>
-                  <a:schemeClr val="tx1"/>
-                </a:solidFill>
-                <a:latin typeface="맑은 고딕"/>
-                <a:ea typeface="맑은 고딕"/>
-              </a:rPr>
-              <a:t>20</a:t>
-            </a:r>
-            <a:r>
-              <a:rPr lang="ko-KR" altLang="en-US" sz="1600" b="1">
-                <a:solidFill>
-                  <a:schemeClr val="tx1"/>
-                </a:solidFill>
-                <a:latin typeface="맑은 고딕"/>
-                <a:ea typeface="맑은 고딕"/>
-              </a:rPr>
-              <a:t>대 </a:t>
-            </a:r>
-            <a:r>
-              <a:rPr lang="en-US" altLang="ko-KR" sz="1600" b="1">
-                <a:solidFill>
-                  <a:schemeClr val="tx1"/>
-                </a:solidFill>
-                <a:latin typeface="맑은 고딕"/>
-                <a:ea typeface="맑은 고딕"/>
-              </a:rPr>
-              <a:t>3</a:t>
-            </a:r>
-            <a:r>
-              <a:rPr lang="ko-KR" altLang="en-US" sz="1600" b="1">
-                <a:solidFill>
-                  <a:schemeClr val="tx1"/>
-                </a:solidFill>
-                <a:latin typeface="맑은 고딕"/>
-                <a:ea typeface="맑은 고딕"/>
-              </a:rPr>
-              <a:t>명</a:t>
-            </a:r>
-            <a:r>
-              <a:rPr lang="en-US" altLang="ko-KR" sz="1600" b="1">
-                <a:solidFill>
-                  <a:schemeClr val="tx1"/>
-                </a:solidFill>
-                <a:latin typeface="맑은 고딕"/>
-                <a:ea typeface="맑은 고딕"/>
-              </a:rPr>
-              <a:t>,</a:t>
-            </a:r>
-            <a:r>
-              <a:rPr lang="ko-KR" altLang="en-US" sz="1600" b="1">
-                <a:solidFill>
-                  <a:schemeClr val="tx1"/>
-                </a:solidFill>
-                <a:latin typeface="맑은 고딕"/>
-                <a:ea typeface="맑은 고딕"/>
-              </a:rPr>
-              <a:t> </a:t>
-            </a:r>
-            <a:r>
-              <a:rPr lang="en-US" altLang="ko-KR" sz="1600" b="1">
-                <a:solidFill>
-                  <a:schemeClr val="tx1"/>
-                </a:solidFill>
-                <a:latin typeface="맑은 고딕"/>
-                <a:ea typeface="맑은 고딕"/>
-              </a:rPr>
-              <a:t>50</a:t>
-            </a:r>
-            <a:r>
-              <a:rPr lang="ko-KR" altLang="en-US" sz="1600" b="1">
-                <a:solidFill>
-                  <a:schemeClr val="tx1"/>
-                </a:solidFill>
-                <a:latin typeface="맑은 고딕"/>
-                <a:ea typeface="맑은 고딕"/>
-              </a:rPr>
-              <a:t>대 </a:t>
-            </a:r>
-            <a:r>
-              <a:rPr lang="en-US" altLang="ko-KR" sz="1600" b="1">
-                <a:solidFill>
-                  <a:schemeClr val="tx1"/>
-                </a:solidFill>
-                <a:latin typeface="맑은 고딕"/>
-                <a:ea typeface="맑은 고딕"/>
-              </a:rPr>
-              <a:t>2</a:t>
-            </a:r>
-            <a:r>
-              <a:rPr lang="ko-KR" altLang="en-US" sz="1600" b="1">
-                <a:solidFill>
-                  <a:schemeClr val="tx1"/>
-                </a:solidFill>
-                <a:latin typeface="맑은 고딕"/>
-                <a:ea typeface="맑은 고딕"/>
-              </a:rPr>
-              <a:t>명으로 이루어져 있었습니다</a:t>
-            </a:r>
-            <a:r>
-              <a:rPr lang="en-US" altLang="ko-KR" sz="1600" b="1">
-                <a:solidFill>
-                  <a:schemeClr val="tx1"/>
-                </a:solidFill>
-                <a:latin typeface="맑은 고딕"/>
-                <a:ea typeface="맑은 고딕"/>
-              </a:rPr>
-              <a:t>.</a:t>
-            </a:r>
-            <a:endParaRPr lang="en-US" altLang="ko-KR" sz="1600" b="1">
-              <a:solidFill>
-                <a:schemeClr val="tx1"/>
-              </a:solidFill>
-              <a:latin typeface="맑은 고딕"/>
-              <a:ea typeface="맑은 고딕"/>
-            </a:endParaRPr>
-          </a:p>
-          <a:p>
-            <a:pPr marL="0" marR="0" indent="0" algn="l" rtl="0">
-              <a:spcBef>
-                <a:spcPts val="0"/>
-              </a:spcBef>
-              <a:spcAft>
-                <a:spcPts val="0"/>
-              </a:spcAft>
-              <a:buNone/>
-              <a:defRPr/>
-            </a:pPr>
-            <a:r>
-              <a:rPr lang="ko-KR" altLang="en-US" sz="1600" b="1">
-                <a:solidFill>
-                  <a:schemeClr val="tx1"/>
-                </a:solidFill>
-                <a:latin typeface="맑은 고딕"/>
-                <a:ea typeface="맑은 고딕"/>
-              </a:rPr>
-              <a:t>그리고 </a:t>
-            </a:r>
-            <a:r>
-              <a:rPr lang="en-US" altLang="ko-KR" sz="1600" b="1">
-                <a:solidFill>
-                  <a:schemeClr val="tx1"/>
-                </a:solidFill>
-                <a:latin typeface="맑은 고딕"/>
-                <a:ea typeface="맑은 고딕"/>
-              </a:rPr>
-              <a:t>20</a:t>
-            </a:r>
-            <a:r>
-              <a:rPr lang="ko-KR" altLang="en-US" sz="1600" b="1">
-                <a:solidFill>
-                  <a:schemeClr val="tx1"/>
-                </a:solidFill>
-                <a:latin typeface="맑은 고딕"/>
-                <a:ea typeface="맑은 고딕"/>
-              </a:rPr>
-              <a:t>대 </a:t>
-            </a:r>
-            <a:r>
-              <a:rPr lang="en-US" altLang="ko-KR" sz="1600" b="1">
-                <a:solidFill>
-                  <a:schemeClr val="tx1"/>
-                </a:solidFill>
-                <a:latin typeface="맑은 고딕"/>
-                <a:ea typeface="맑은 고딕"/>
-              </a:rPr>
-              <a:t>3</a:t>
-            </a:r>
-            <a:r>
-              <a:rPr lang="ko-KR" altLang="en-US" sz="1600" b="1">
-                <a:solidFill>
-                  <a:schemeClr val="tx1"/>
-                </a:solidFill>
-                <a:latin typeface="맑은 고딕"/>
-                <a:ea typeface="맑은 고딕"/>
-              </a:rPr>
-              <a:t>명과 </a:t>
-            </a:r>
-            <a:r>
-              <a:rPr lang="en-US" altLang="ko-KR" sz="1600" b="1">
-                <a:solidFill>
-                  <a:schemeClr val="tx1"/>
-                </a:solidFill>
-                <a:latin typeface="맑은 고딕"/>
-                <a:ea typeface="맑은 고딕"/>
-              </a:rPr>
-              <a:t>50</a:t>
-            </a:r>
-            <a:r>
-              <a:rPr lang="ko-KR" altLang="en-US" sz="1600" b="1">
-                <a:solidFill>
-                  <a:schemeClr val="tx1"/>
-                </a:solidFill>
-                <a:latin typeface="맑은 고딕"/>
-                <a:ea typeface="맑은 고딕"/>
-              </a:rPr>
-              <a:t>대 </a:t>
-            </a:r>
-            <a:r>
-              <a:rPr lang="en-US" altLang="ko-KR" sz="1600" b="1">
-                <a:solidFill>
-                  <a:schemeClr val="tx1"/>
-                </a:solidFill>
-                <a:latin typeface="맑은 고딕"/>
-                <a:ea typeface="맑은 고딕"/>
-              </a:rPr>
-              <a:t>2</a:t>
-            </a:r>
-            <a:r>
-              <a:rPr lang="ko-KR" altLang="en-US" sz="1600" b="1">
-                <a:solidFill>
-                  <a:schemeClr val="tx1"/>
-                </a:solidFill>
-                <a:latin typeface="맑은 고딕"/>
-                <a:ea typeface="맑은 고딕"/>
-              </a:rPr>
-              <a:t>명에서 잘 어우러져 프로젝트를 완성하자는 의미로 팀 이름은 </a:t>
-            </a:r>
-            <a:r>
-              <a:rPr lang="en-US" altLang="ko-KR" sz="1600" b="1">
-                <a:solidFill>
-                  <a:schemeClr val="tx1"/>
-                </a:solidFill>
-                <a:latin typeface="맑은 고딕"/>
-                <a:ea typeface="맑은 고딕"/>
-              </a:rPr>
-              <a:t>2050</a:t>
-            </a:r>
-            <a:r>
-              <a:rPr lang="ko-KR" altLang="en-US" sz="1600" b="1">
-                <a:solidFill>
-                  <a:schemeClr val="tx1"/>
-                </a:solidFill>
-                <a:latin typeface="맑은 고딕"/>
-                <a:ea typeface="맑은 고딕"/>
-              </a:rPr>
-              <a:t>이었습니다</a:t>
-            </a:r>
-            <a:r>
-              <a:rPr lang="en-US" altLang="ko-KR" sz="1600" b="1">
-                <a:solidFill>
-                  <a:schemeClr val="tx1"/>
-                </a:solidFill>
-                <a:latin typeface="맑은 고딕"/>
-                <a:ea typeface="맑은 고딕"/>
-              </a:rPr>
-              <a:t>.</a:t>
-            </a:r>
-            <a:endParaRPr lang="en-US" altLang="ko-KR" sz="1600" b="1">
-              <a:solidFill>
-                <a:schemeClr val="tx1"/>
-              </a:solidFill>
-              <a:latin typeface="맑은 고딕"/>
-              <a:ea typeface="맑은 고딕"/>
-            </a:endParaRPr>
-          </a:p>
-          <a:p>
-            <a:pPr marL="0" marR="0" indent="0" algn="l" rtl="0">
-              <a:spcBef>
-                <a:spcPts val="0"/>
-              </a:spcBef>
-              <a:spcAft>
-                <a:spcPts val="0"/>
-              </a:spcAft>
-              <a:buNone/>
-              <a:defRPr/>
-            </a:pPr>
-            <a:endParaRPr lang="en-US" altLang="ko-KR" sz="1600" b="1">
-              <a:solidFill>
-                <a:schemeClr val="tx1"/>
-              </a:solidFill>
-              <a:latin typeface="맑은 고딕"/>
-              <a:ea typeface="맑은 고딕"/>
-            </a:endParaRPr>
-          </a:p>
-          <a:p>
-            <a:pPr marL="0" marR="0" indent="0" algn="l" rtl="0">
-              <a:spcBef>
-                <a:spcPts val="0"/>
-              </a:spcBef>
-              <a:spcAft>
-                <a:spcPts val="0"/>
-              </a:spcAft>
-              <a:buNone/>
-              <a:defRPr/>
-            </a:pPr>
-            <a:r>
-              <a:rPr lang="ko-KR" altLang="en-US" sz="1600" b="1">
-                <a:solidFill>
-                  <a:schemeClr val="tx1"/>
-                </a:solidFill>
-                <a:latin typeface="맑은 고딕"/>
-                <a:ea typeface="맑은 고딕"/>
-              </a:rPr>
-              <a:t>프로젝트 주제는 </a:t>
-            </a:r>
-            <a:r>
-              <a:rPr lang="en-US" altLang="ko-KR" sz="1600" b="1">
-                <a:solidFill>
-                  <a:schemeClr val="tx1"/>
-                </a:solidFill>
-                <a:latin typeface="맑은 고딕"/>
-                <a:ea typeface="맑은 고딕"/>
-              </a:rPr>
-              <a:t>‘</a:t>
-            </a:r>
-            <a:r>
-              <a:rPr lang="ko-KR" altLang="en-US" sz="1600" b="1">
-                <a:solidFill>
-                  <a:schemeClr val="tx1"/>
-                </a:solidFill>
-                <a:latin typeface="맑은 고딕"/>
-                <a:ea typeface="맑은 고딕"/>
-              </a:rPr>
-              <a:t>온라인 수강 모니터링 시스템</a:t>
-            </a:r>
-            <a:r>
-              <a:rPr lang="en-US" altLang="ko-KR" sz="1600" b="1">
-                <a:solidFill>
-                  <a:schemeClr val="tx1"/>
-                </a:solidFill>
-                <a:latin typeface="맑은 고딕"/>
-                <a:ea typeface="맑은 고딕"/>
-              </a:rPr>
-              <a:t>’</a:t>
-            </a:r>
-            <a:r>
-              <a:rPr lang="ko-KR" altLang="en-US" sz="1600" b="1">
-                <a:solidFill>
-                  <a:schemeClr val="tx1"/>
-                </a:solidFill>
-                <a:latin typeface="맑은 고딕"/>
-                <a:ea typeface="맑은 고딕"/>
-              </a:rPr>
-              <a:t> 이었으며 수강자가 강의를 수강하면 수강자의 집중도를 계산하고 최종적으로 집중도 그래프를 그려주어 수강자는 그래프를 통해 자가 평가를 할 수 있고 강사는 차트를 통해 강의 개선 피드백으로 활용할 수 있게하는 프로젝트 였습니다</a:t>
-            </a:r>
-            <a:r>
-              <a:rPr lang="en-US" altLang="ko-KR" sz="1600" b="1">
-                <a:solidFill>
-                  <a:schemeClr val="tx1"/>
-                </a:solidFill>
-                <a:latin typeface="맑은 고딕"/>
-                <a:ea typeface="맑은 고딕"/>
-              </a:rPr>
-              <a:t>.</a:t>
-            </a:r>
-            <a:endParaRPr lang="en-US" altLang="ko-KR" sz="1600" b="1">
+            <a:endParaRPr lang="ko-KR" altLang="en-US" sz="1600" b="1">
               <a:solidFill>
                 <a:schemeClr val="tx1"/>
               </a:solidFill>
@@ -23619,16 +23233,6 @@
               <a:defRPr/>
             </a:pPr>
             <a:r>
-              <a:rPr lang="en-US" altLang="ko-KR" sz="1600" b="1">
-                <a:solidFill>
-                  <a:schemeClr val="tx1"/>
-                </a:solidFill>
-                <a:latin typeface="맑은 고딕"/>
-                <a:ea typeface="맑은 고딕"/>
-              </a:rPr>
-              <a:t>git</a:t>
-            </a:r>
-            <a:r>
               <a:rPr lang="ko-KR" altLang="en-US" sz="1600" b="1">
                 <a:solidFill>
                   <a:schemeClr val="tx1"/>
@@ -23636,7 +23240,7 @@
                 <a:latin typeface="맑은 고딕"/>
                 <a:ea typeface="맑은 고딕"/>
               </a:rPr>
-              <a:t>과 구글 드라이브를 이용하여 형상관리를 하였으며 각자의 역할은 </a:t>
+              <a:t>우리 조는 20대 3명, 50대 2명으로 이루어져 있었습니다.</a:t>
             </a:r>
             <a:endParaRPr lang="ko-KR" altLang="en-US" sz="1600" b="1">
               <a:solidFill>
@@ -23665,225 +23269,7 @@
                 <a:latin typeface="맑은 고딕"/>
                 <a:ea typeface="맑은 고딕"/>
               </a:rPr>
-              <a:t>프론트엔드</a:t>
-            </a:r>
-            <a:r>
-              <a:rPr lang="en-US" altLang="ko-KR" sz="1600" b="1">
-                <a:solidFill>
-                  <a:schemeClr val="tx1"/>
-                </a:solidFill>
-                <a:latin typeface="맑은 고딕"/>
-                <a:ea typeface="맑은 고딕"/>
-              </a:rPr>
-              <a:t>/</a:t>
-            </a:r>
-            <a:r>
-              <a:rPr lang="ko-KR" altLang="en-US" sz="1600" b="1">
-                <a:solidFill>
-                  <a:schemeClr val="tx1"/>
-                </a:solidFill>
-                <a:latin typeface="맑은 고딕"/>
-                <a:ea typeface="맑은 고딕"/>
-              </a:rPr>
-              <a:t>백엔드 </a:t>
-            </a:r>
-            <a:r>
-              <a:rPr lang="en-US" altLang="ko-KR" sz="1600" b="1">
-                <a:solidFill>
-                  <a:schemeClr val="tx1"/>
-                </a:solidFill>
-                <a:latin typeface="맑은 고딕"/>
-                <a:ea typeface="맑은 고딕"/>
-              </a:rPr>
-              <a:t>2</a:t>
-            </a:r>
-            <a:r>
-              <a:rPr lang="ko-KR" altLang="en-US" sz="1600" b="1">
-                <a:solidFill>
-                  <a:schemeClr val="tx1"/>
-                </a:solidFill>
-                <a:latin typeface="맑은 고딕"/>
-                <a:ea typeface="맑은 고딕"/>
-              </a:rPr>
-              <a:t>명 모델링 </a:t>
-            </a:r>
-            <a:r>
-              <a:rPr lang="en-US" altLang="ko-KR" sz="1600" b="1">
-                <a:solidFill>
-                  <a:schemeClr val="tx1"/>
-                </a:solidFill>
-                <a:latin typeface="맑은 고딕"/>
-                <a:ea typeface="맑은 고딕"/>
-              </a:rPr>
-              <a:t>2</a:t>
-            </a:r>
-            <a:r>
-              <a:rPr lang="ko-KR" altLang="en-US" sz="1600" b="1">
-                <a:solidFill>
-                  <a:schemeClr val="tx1"/>
-                </a:solidFill>
-                <a:latin typeface="맑은 고딕"/>
-                <a:ea typeface="맑은 고딕"/>
-              </a:rPr>
-              <a:t>명 프로젝트 관리 </a:t>
-            </a:r>
-            <a:r>
-              <a:rPr lang="en-US" altLang="ko-KR" sz="1600" b="1">
-                <a:solidFill>
-                  <a:schemeClr val="tx1"/>
-                </a:solidFill>
-                <a:latin typeface="맑은 고딕"/>
-                <a:ea typeface="맑은 고딕"/>
-              </a:rPr>
-              <a:t>1</a:t>
-            </a:r>
-            <a:r>
-              <a:rPr lang="ko-KR" altLang="en-US" sz="1600" b="1">
-                <a:solidFill>
-                  <a:schemeClr val="tx1"/>
-                </a:solidFill>
-                <a:latin typeface="맑은 고딕"/>
-                <a:ea typeface="맑은 고딕"/>
-              </a:rPr>
-              <a:t>명으로 이루어져 있었습니다</a:t>
-            </a:r>
-            <a:r>
-              <a:rPr lang="en-US" altLang="ko-KR" sz="1600" b="1">
-                <a:solidFill>
-                  <a:schemeClr val="tx1"/>
-                </a:solidFill>
-                <a:latin typeface="맑은 고딕"/>
-                <a:ea typeface="맑은 고딕"/>
-              </a:rPr>
-              <a:t>.</a:t>
-            </a:r>
-            <a:endParaRPr lang="en-US" altLang="ko-KR" sz="1600" b="1">
-              <a:solidFill>
-                <a:schemeClr val="tx1"/>
-              </a:solidFill>
-              <a:latin typeface="맑은 고딕"/>
-              <a:ea typeface="맑은 고딕"/>
-            </a:endParaRPr>
-          </a:p>
-          <a:p>
-            <a:pPr marL="0" marR="0" indent="0" algn="l" rtl="0">
-              <a:spcBef>
-                <a:spcPts val="0"/>
-              </a:spcBef>
-              <a:spcAft>
-                <a:spcPts val="0"/>
-              </a:spcAft>
-              <a:buNone/>
-              <a:defRPr/>
-            </a:pPr>
-            <a:endParaRPr lang="en-US" altLang="ko-KR" sz="1600" b="1">
-              <a:solidFill>
-                <a:schemeClr val="tx1"/>
-              </a:solidFill>
-              <a:latin typeface="맑은 고딕"/>
-              <a:ea typeface="맑은 고딕"/>
-            </a:endParaRPr>
-          </a:p>
-          <a:p>
-            <a:pPr marL="0" marR="0" indent="0" algn="l" rtl="0">
-              <a:spcBef>
-                <a:spcPts val="0"/>
-              </a:spcBef>
-              <a:spcAft>
-                <a:spcPts val="0"/>
-              </a:spcAft>
-              <a:buNone/>
-              <a:defRPr/>
-            </a:pPr>
-            <a:r>
-              <a:rPr lang="ko-KR" altLang="en-US" sz="1600" b="1">
-                <a:solidFill>
-                  <a:schemeClr val="tx1"/>
-                </a:solidFill>
-                <a:latin typeface="맑은 고딕"/>
-                <a:ea typeface="맑은 고딕"/>
-              </a:rPr>
-              <a:t>저는 저의 역할인 데이터 수집</a:t>
-            </a:r>
-            <a:r>
-              <a:rPr lang="en-US" altLang="ko-KR" sz="1600" b="1">
-                <a:solidFill>
-                  <a:schemeClr val="tx1"/>
-                </a:solidFill>
-                <a:latin typeface="맑은 고딕"/>
-                <a:ea typeface="맑은 고딕"/>
-              </a:rPr>
-              <a:t>/</a:t>
-            </a:r>
-            <a:r>
-              <a:rPr lang="ko-KR" altLang="en-US" sz="1600" b="1">
-                <a:solidFill>
-                  <a:schemeClr val="tx1"/>
-                </a:solidFill>
-                <a:latin typeface="맑은 고딕"/>
-                <a:ea typeface="맑은 고딕"/>
-              </a:rPr>
-              <a:t> 데이터 전처리</a:t>
-            </a:r>
-            <a:r>
-              <a:rPr lang="en-US" altLang="ko-KR" sz="1600" b="1">
-                <a:solidFill>
-                  <a:schemeClr val="tx1"/>
-                </a:solidFill>
-                <a:latin typeface="맑은 고딕"/>
-                <a:ea typeface="맑은 고딕"/>
-              </a:rPr>
-              <a:t>/</a:t>
-            </a:r>
-            <a:r>
-              <a:rPr lang="ko-KR" altLang="en-US" sz="1600" b="1">
-                <a:solidFill>
-                  <a:schemeClr val="tx1"/>
-                </a:solidFill>
-                <a:latin typeface="맑은 고딕"/>
-                <a:ea typeface="맑은 고딕"/>
-              </a:rPr>
-              <a:t> 모델 생성</a:t>
-            </a:r>
-            <a:r>
-              <a:rPr lang="en-US" altLang="ko-KR" sz="1600" b="1">
-                <a:solidFill>
-                  <a:schemeClr val="tx1"/>
-                </a:solidFill>
-                <a:latin typeface="맑은 고딕"/>
-                <a:ea typeface="맑은 고딕"/>
-              </a:rPr>
-              <a:t>/</a:t>
-            </a:r>
-            <a:r>
-              <a:rPr lang="ko-KR" altLang="en-US" sz="1600" b="1">
-                <a:solidFill>
-                  <a:schemeClr val="tx1"/>
-                </a:solidFill>
-                <a:latin typeface="맑은 고딕"/>
-                <a:ea typeface="맑은 고딕"/>
-              </a:rPr>
-              <a:t> 모델 성능 개선 등을 수행하였습니다</a:t>
-            </a:r>
-            <a:r>
-              <a:rPr lang="en-US" altLang="ko-KR" sz="1600" b="1">
-                <a:solidFill>
-                  <a:schemeClr val="tx1"/>
-                </a:solidFill>
-                <a:latin typeface="맑은 고딕"/>
-                <a:ea typeface="맑은 고딕"/>
-              </a:rPr>
-              <a:t>.</a:t>
-            </a:r>
-            <a:r>
-              <a:rPr lang="ko-KR" altLang="en-US" sz="1600" b="1">
-                <a:solidFill>
-                  <a:schemeClr val="tx1"/>
-                </a:solidFill>
-                <a:latin typeface="맑은 고딕"/>
-                <a:ea typeface="맑은 고딕"/>
-              </a:rPr>
-              <a:t> </a:t>
+              <a:t>20대와 50대가  잘 어우러져 프로젝트를 완성하자는 의미로 팀 이름은 2050이었습니다.</a:t>
             </a:r>
             <a:endParaRPr lang="ko-KR" altLang="en-US" sz="1600" b="1">
               <a:solidFill>
@@ -23904,167 +23290,7 @@
               <a:buNone/>
               <a:defRPr/>
             </a:pPr>
-            <a:r>
-              <a:rPr lang="ko-KR" altLang="en-US" sz="1600" b="1">
-                <a:solidFill>
-                  <a:schemeClr val="tx1"/>
-                </a:solidFill>
-                <a:latin typeface="맑은 고딕"/>
-                <a:ea typeface="맑은 고딕"/>
-              </a:rPr>
-              <a:t>하지만 기간안에 마무리하기에는 백엔드</a:t>
-            </a:r>
-            <a:r>
-              <a:rPr lang="en-US" altLang="ko-KR" sz="1600" b="1">
-                <a:solidFill>
-                  <a:schemeClr val="tx1"/>
-                </a:solidFill>
-                <a:latin typeface="맑은 고딕"/>
-                <a:ea typeface="맑은 고딕"/>
-              </a:rPr>
-              <a:t>/</a:t>
-            </a:r>
-            <a:r>
-              <a:rPr lang="ko-KR" altLang="en-US" sz="1600" b="1">
-                <a:solidFill>
-                  <a:schemeClr val="tx1"/>
-                </a:solidFill>
-                <a:latin typeface="맑은 고딕"/>
-                <a:ea typeface="맑은 고딕"/>
-              </a:rPr>
-              <a:t>프론트엔드 팀의 진도가 나가지 않아 백엔드</a:t>
-            </a:r>
-            <a:r>
-              <a:rPr lang="en-US" altLang="ko-KR" sz="1600" b="1">
-                <a:solidFill>
-                  <a:schemeClr val="tx1"/>
-                </a:solidFill>
-                <a:latin typeface="맑은 고딕"/>
-                <a:ea typeface="맑은 고딕"/>
-              </a:rPr>
-              <a:t>/</a:t>
-            </a:r>
-            <a:r>
-              <a:rPr lang="ko-KR" altLang="en-US" sz="1600" b="1">
-                <a:solidFill>
-                  <a:schemeClr val="tx1"/>
-                </a:solidFill>
-                <a:latin typeface="맑은 고딕"/>
-                <a:ea typeface="맑은 고딕"/>
-              </a:rPr>
-              <a:t>프론트엔드의 작업을 추가로 맡았으며</a:t>
-            </a:r>
-            <a:r>
-              <a:rPr lang="en-US" altLang="ko-KR" sz="1600" b="1">
-                <a:solidFill>
-                  <a:schemeClr val="tx1"/>
-                </a:solidFill>
-                <a:latin typeface="맑은 고딕"/>
-                <a:ea typeface="맑은 고딕"/>
-              </a:rPr>
-              <a:t>,</a:t>
-            </a:r>
-            <a:r>
-              <a:rPr lang="ko-KR" altLang="en-US" sz="1600" b="1">
-                <a:solidFill>
-                  <a:schemeClr val="tx1"/>
-                </a:solidFill>
-                <a:latin typeface="맑은 고딕"/>
-                <a:ea typeface="맑은 고딕"/>
-              </a:rPr>
-              <a:t> </a:t>
-            </a:r>
-            <a:r>
-              <a:rPr lang="en-US" altLang="ko-KR" sz="1600" b="1">
-                <a:solidFill>
-                  <a:schemeClr val="tx1"/>
-                </a:solidFill>
-                <a:latin typeface="맑은 고딕"/>
-                <a:ea typeface="맑은 고딕"/>
-              </a:rPr>
-              <a:t>Django</a:t>
-            </a:r>
-            <a:r>
-              <a:rPr lang="ko-KR" altLang="en-US" sz="1600" b="1">
-                <a:solidFill>
-                  <a:schemeClr val="tx1"/>
-                </a:solidFill>
-                <a:latin typeface="맑은 고딕"/>
-                <a:ea typeface="맑은 고딕"/>
-              </a:rPr>
-              <a:t>에서 </a:t>
-            </a:r>
-            <a:r>
-              <a:rPr lang="en-US" altLang="ko-KR" sz="1600" b="1">
-                <a:solidFill>
-                  <a:schemeClr val="tx1"/>
-                </a:solidFill>
-                <a:latin typeface="맑은 고딕"/>
-                <a:ea typeface="맑은 고딕"/>
-              </a:rPr>
-              <a:t>orm</a:t>
-            </a:r>
-            <a:r>
-              <a:rPr lang="ko-KR" altLang="en-US" sz="1600" b="1">
-                <a:solidFill>
-                  <a:schemeClr val="tx1"/>
-                </a:solidFill>
-                <a:latin typeface="맑은 고딕"/>
-                <a:ea typeface="맑은 고딕"/>
-              </a:rPr>
-              <a:t>을 통해</a:t>
-            </a:r>
-            <a:r>
-              <a:rPr lang="en-US" altLang="ko-KR" sz="1600" b="1">
-                <a:solidFill>
-                  <a:schemeClr val="tx1"/>
-                </a:solidFill>
-                <a:latin typeface="맑은 고딕"/>
-                <a:ea typeface="맑은 고딕"/>
-              </a:rPr>
-              <a:t> DB</a:t>
-            </a:r>
-            <a:r>
-              <a:rPr lang="ko-KR" altLang="en-US" sz="1600" b="1">
-                <a:solidFill>
-                  <a:schemeClr val="tx1"/>
-                </a:solidFill>
-                <a:latin typeface="맑은 고딕"/>
-                <a:ea typeface="맑은 고딕"/>
-              </a:rPr>
-              <a:t>로부터 데이터를 받아 </a:t>
-            </a:r>
-            <a:r>
-              <a:rPr lang="en-US" altLang="ko-KR" sz="1600" b="1">
-                <a:solidFill>
-                  <a:schemeClr val="tx1"/>
-                </a:solidFill>
-                <a:latin typeface="맑은 고딕"/>
-                <a:ea typeface="맑은 고딕"/>
-              </a:rPr>
-              <a:t>template</a:t>
-            </a:r>
-            <a:r>
-              <a:rPr lang="ko-KR" altLang="en-US" sz="1600" b="1">
-                <a:solidFill>
-                  <a:schemeClr val="tx1"/>
-                </a:solidFill>
-                <a:latin typeface="맑은 고딕"/>
-                <a:ea typeface="맑은 고딕"/>
-              </a:rPr>
-              <a:t>에 넘겨주어 차트를 그려주는 기능을 구현하였습니다</a:t>
-            </a:r>
-            <a:r>
-              <a:rPr lang="en-US" altLang="ko-KR" sz="1600" b="1">
-                <a:solidFill>
-                  <a:schemeClr val="tx1"/>
-                </a:solidFill>
-                <a:latin typeface="맑은 고딕"/>
-                <a:ea typeface="맑은 고딕"/>
-              </a:rPr>
-              <a:t>.</a:t>
-            </a:r>
-            <a:endParaRPr lang="en-US" altLang="ko-KR" sz="1600" b="1">
+            <a:endParaRPr lang="ko-KR" altLang="en-US" sz="1600" b="1">
               <a:solidFill>
                 <a:schemeClr val="tx1"/>
               </a:solidFill>
@@ -24083,25 +23309,6 @@
               <a:buNone/>
               <a:defRPr/>
             </a:pPr>
-            <a:endParaRPr lang="en-US" altLang="ko-KR" sz="1600" b="1">
-              <a:solidFill>
-                <a:schemeClr val="tx1"/>
-              </a:solidFill>
-              <a:latin typeface="맑은 고딕"/>
-              <a:ea typeface="맑은 고딕"/>
-            </a:endParaRPr>
-          </a:p>
-          <a:p>
-            <a:pPr marL="0" marR="0" indent="0" algn="l" rtl="0">
-              <a:spcBef>
-                <a:spcPts val="0"/>
-              </a:spcBef>
-              <a:spcAft>
-                <a:spcPts val="0"/>
-              </a:spcAft>
-              <a:buNone/>
-              <a:defRPr/>
-            </a:pPr>
             <a:r>
               <a:rPr lang="ko-KR" altLang="en-US" sz="1600" b="1">
                 <a:solidFill>
@@ -24110,99 +23317,9 @@
                 <a:latin typeface="맑은 고딕"/>
                 <a:ea typeface="맑은 고딕"/>
               </a:rPr>
-              <a:t>또한 제가 만든 모델의 경우 튜닝시간이 부족해 눈에 대한 인식이 잘 되지 않았으나</a:t>
+              <a:t>‘온라인 수강 모니터링 시스템’ 은  수강자가 강의를 들을 때 강의시간 동안의 집중도를 계산하고 최종적으로 집중도 그래프를 그려주어 수강자는 그래프를 통해 자가 평가를 할 수 있고 강사는 그래프를 통해 강의 개선 피드백으로 활용할 수 있게 하는 프로젝트였습니다.</a:t>
             </a:r>
-            <a:r>
-              <a:rPr lang="en-US" altLang="ko-KR" sz="1600" b="1">
-                <a:solidFill>
-                  <a:schemeClr val="tx1"/>
-                </a:solidFill>
-                <a:latin typeface="맑은 고딕"/>
-                <a:ea typeface="맑은 고딕"/>
-              </a:rPr>
-              <a:t>,</a:t>
-            </a:r>
-            <a:r>
-              <a:rPr lang="ko-KR" altLang="en-US" sz="1600" b="1">
-                <a:solidFill>
-                  <a:schemeClr val="tx1"/>
-                </a:solidFill>
-                <a:latin typeface="맑은 고딕"/>
-                <a:ea typeface="맑은 고딕"/>
-              </a:rPr>
-              <a:t> 학습하는 대신 </a:t>
-            </a:r>
-            <a:r>
-              <a:rPr lang="en-US" altLang="ko-KR" sz="1600" b="1">
-                <a:solidFill>
-                  <a:schemeClr val="tx1"/>
-                </a:solidFill>
-                <a:latin typeface="맑은 고딕"/>
-                <a:ea typeface="맑은 고딕"/>
-              </a:rPr>
-              <a:t>dlib</a:t>
-            </a:r>
-            <a:r>
-              <a:rPr lang="ko-KR" altLang="en-US" sz="1600" b="1">
-                <a:solidFill>
-                  <a:schemeClr val="tx1"/>
-                </a:solidFill>
-                <a:latin typeface="맑은 고딕"/>
-                <a:ea typeface="맑은 고딕"/>
-              </a:rPr>
-              <a:t>의 라이브러리를 이용해 눈의 </a:t>
-            </a:r>
-            <a:r>
-              <a:rPr lang="en-US" altLang="ko-KR" sz="1600" b="1">
-                <a:solidFill>
-                  <a:schemeClr val="tx1"/>
-                </a:solidFill>
-                <a:latin typeface="맑은 고딕"/>
-                <a:ea typeface="맑은 고딕"/>
-              </a:rPr>
-              <a:t>landmark </a:t>
-            </a:r>
-            <a:r>
-              <a:rPr lang="ko-KR" altLang="en-US" sz="1600" b="1">
-                <a:solidFill>
-                  <a:schemeClr val="tx1"/>
-                </a:solidFill>
-                <a:latin typeface="맑은 고딕"/>
-                <a:ea typeface="맑은 고딕"/>
-              </a:rPr>
-              <a:t>점 사이의 거리를 이용하여 눈이 감았는지 떴는지를 탐지하는 </a:t>
-            </a:r>
-            <a:r>
-              <a:rPr lang="en-US" altLang="ko-KR" sz="1600" b="1">
-                <a:solidFill>
-                  <a:schemeClr val="tx1"/>
-                </a:solidFill>
-                <a:latin typeface="맑은 고딕"/>
-                <a:ea typeface="맑은 고딕"/>
-              </a:rPr>
-              <a:t>EAR</a:t>
-            </a:r>
-            <a:r>
-              <a:rPr lang="ko-KR" altLang="en-US" sz="1600" b="1">
-                <a:solidFill>
-                  <a:schemeClr val="tx1"/>
-                </a:solidFill>
-                <a:latin typeface="맑은 고딕"/>
-                <a:ea typeface="맑은 고딕"/>
-              </a:rPr>
-              <a:t>알고리즘을 사용하여 부족한 성능을 보충하였습니다</a:t>
-            </a:r>
-            <a:r>
-              <a:rPr lang="en-US" altLang="ko-KR" sz="1600" b="1">
-                <a:solidFill>
-                  <a:schemeClr val="tx1"/>
-                </a:solidFill>
-                <a:latin typeface="맑은 고딕"/>
-                <a:ea typeface="맑은 고딕"/>
-              </a:rPr>
-              <a:t>.</a:t>
-            </a:r>
-            <a:endParaRPr lang="en-US" altLang="ko-KR" sz="1600" b="1">
+            <a:endParaRPr lang="ko-KR" altLang="en-US" sz="1600" b="1">
               <a:solidFill>
                 <a:schemeClr val="tx1"/>
               </a:solidFill>
@@ -24248,19 +23365,143 @@
                 <a:latin typeface="맑은 고딕"/>
                 <a:ea typeface="맑은 고딕"/>
               </a:rPr>
-              <a:t>결과적으로 기간안에 프로젝트를 마무리할 수 있었습니다</a:t>
+              <a:t>git과 구글 드라이브를 이용하여 형상 관리를 하였으며 각자의 역할은 프론트엔드/백엔드 2명 모델링 2명 프로젝트 관리 1명으로 이루어져 있었습니다.</a:t>
             </a:r>
+            <a:endParaRPr lang="ko-KR" altLang="en-US" sz="1600" b="1">
+              <a:solidFill>
+                <a:schemeClr val="tx1"/>
+              </a:solidFill>
+              <a:latin typeface="맑은 고딕"/>
+              <a:ea typeface="맑은 고딕"/>
+            </a:endParaRPr>
+          </a:p>
+          <a:p>
+            <a:pPr marL="0" marR="0" indent="0" algn="l" rtl="0">
+              <a:spcBef>
+                <a:spcPts val="0"/>
+              </a:spcBef>
+              <a:spcAft>
+                <a:spcPts val="0"/>
+              </a:spcAft>
+              <a:buNone/>
+              <a:defRPr/>
+            </a:pPr>
+            <a:endParaRPr lang="ko-KR" altLang="en-US" sz="1600" b="1">
+              <a:solidFill>
+                <a:schemeClr val="tx1"/>
+              </a:solidFill>
+              <a:latin typeface="맑은 고딕"/>
+              <a:ea typeface="맑은 고딕"/>
+            </a:endParaRPr>
+          </a:p>
+          <a:p>
+            <a:pPr marL="0" marR="0" indent="0" algn="l" rtl="0">
+              <a:spcBef>
+                <a:spcPts val="0"/>
+              </a:spcBef>
+              <a:spcAft>
+                <a:spcPts val="0"/>
+              </a:spcAft>
+              <a:buNone/>
+              <a:defRPr/>
+            </a:pPr>
             <a:r>
-              <a:rPr lang="en-US" altLang="ko-KR" sz="1600" b="1">
+              <a:rPr lang="ko-KR" altLang="en-US" sz="1600" b="1">
                 <a:solidFill>
                   <a:schemeClr val="tx1"/>
                 </a:solidFill>
                 <a:latin typeface="맑은 고딕"/>
                 <a:ea typeface="맑은 고딕"/>
               </a:rPr>
-              <a:t>.</a:t>
+              <a:t>저는  데이터 수집/ 데이터 전처리/ 모델 생성/ 모델 튜닝 등의 역할을 맡았습니다. 모델의 경우 이미지가 들어가면 수강자의 얼굴을 관측하여 수강자가 졸린 지 깨어 있는지를 판단하고  얼굴에 bonding box를 그려주는 multi ouput 모델을 만들었습니다.</a:t>
             </a:r>
-            <a:endParaRPr lang="en-US" altLang="ko-KR" sz="1600" b="1">
+            <a:endParaRPr lang="ko-KR" altLang="en-US" sz="1600" b="1">
+              <a:solidFill>
+                <a:schemeClr val="tx1"/>
+              </a:solidFill>
+              <a:latin typeface="맑은 고딕"/>
+              <a:ea typeface="맑은 고딕"/>
+            </a:endParaRPr>
+          </a:p>
+          <a:p>
+            <a:pPr marL="0" marR="0" indent="0" algn="l" rtl="0">
+              <a:spcBef>
+                <a:spcPts val="0"/>
+              </a:spcBef>
+              <a:spcAft>
+                <a:spcPts val="0"/>
+              </a:spcAft>
+              <a:buNone/>
+              <a:defRPr/>
+            </a:pPr>
+            <a:endParaRPr lang="ko-KR" altLang="en-US" sz="1600" b="1">
+              <a:solidFill>
+                <a:schemeClr val="tx1"/>
+              </a:solidFill>
+              <a:latin typeface="맑은 고딕"/>
+              <a:ea typeface="맑은 고딕"/>
+            </a:endParaRPr>
+          </a:p>
+          <a:p>
+            <a:pPr marL="0" marR="0" indent="0" algn="l" rtl="0">
+              <a:spcBef>
+                <a:spcPts val="0"/>
+              </a:spcBef>
+              <a:spcAft>
+                <a:spcPts val="0"/>
+              </a:spcAft>
+              <a:buNone/>
+              <a:defRPr/>
+            </a:pPr>
+            <a:r>
+              <a:rPr lang="ko-KR" altLang="en-US" sz="1600" b="1">
+                <a:solidFill>
+                  <a:schemeClr val="tx1"/>
+                </a:solidFill>
+                <a:latin typeface="맑은 고딕"/>
+                <a:ea typeface="맑은 고딕"/>
+              </a:rPr>
+              <a:t>하지만 제가 만든 AI 모델의 경우 튜닝 시간이 부족해 눈에 대한 인식이 잘 되지 않았으나, 다시 학습을 하는 대신 dlib의 라이브러리를 이용해 눈의 landmark 점 사이의 거리를 이용하여 눈을 감았는지 떴는지 탐지하는 EAR알고리즘을 사용하여 부족한 성능을 보충하였습니다</a:t>
+            </a:r>
+            <a:endParaRPr lang="ko-KR" altLang="en-US" sz="1600" b="1">
+              <a:solidFill>
+                <a:schemeClr val="tx1"/>
+              </a:solidFill>
+              <a:latin typeface="맑은 고딕"/>
+              <a:ea typeface="맑은 고딕"/>
+            </a:endParaRPr>
+          </a:p>
+          <a:p>
+            <a:pPr marL="0" marR="0" indent="0" algn="l" rtl="0">
+              <a:spcBef>
+                <a:spcPts val="0"/>
+              </a:spcBef>
+              <a:spcAft>
+                <a:spcPts val="0"/>
+              </a:spcAft>
+              <a:buNone/>
+              <a:defRPr/>
+            </a:pPr>
+            <a:endParaRPr lang="ko-KR" altLang="en-US" sz="1600" b="1">
+              <a:solidFill>
+                <a:schemeClr val="tx1"/>
+              </a:solidFill>
+              <a:latin typeface="맑은 고딕"/>
+              <a:ea typeface="맑은 고딕"/>
+            </a:endParaRPr>
+          </a:p>
+          <a:p>
+            <a:pPr marL="0" marR="0" indent="0" algn="l" rtl="0">
+              <a:spcBef>
+                <a:spcPts val="0"/>
+              </a:spcBef>
+              <a:spcAft>
+                <a:spcPts val="0"/>
+              </a:spcAft>
+              <a:buNone/>
+              <a:defRPr/>
+            </a:pPr>
+            <a:endParaRPr lang="ko-KR" altLang="en-US" sz="1600" b="1">
               <a:solidFill>
                 <a:schemeClr val="tx1"/>
               </a:solidFill>
@@ -24425,8 +23666,8 @@
         </p:nvSpPr>
         <p:spPr>
           <a:xfrm>
-            <a:off x="9144000" y="2820054"/>
-            <a:ext cx="6834188" cy="5941021"/>
+            <a:off x="9144000" y="4796135"/>
+            <a:ext cx="6834188" cy="5947846"/>
           </a:xfrm>
           <a:prstGeom prst="rect">
             <a:avLst/>
@@ -24867,7 +24108,7 @@
             </a:r>
             <a:endParaRPr lang="en-US" altLang="ko-KR" sz="1600" b="1">
               <a:solidFill>
-                <a:srgbClr val="ff6b00"/>
+                <a:schemeClr val="tx1"/>
               </a:solidFill>
               <a:latin typeface="맑은 고딕"/>
               <a:ea typeface="맑은 고딕"/>
@@ -25039,6 +24280,125 @@
               <a:ea typeface="Arial"/>
               <a:cs typeface="Arial"/>
               <a:sym typeface="Arial"/>
+            </a:endParaRPr>
+          </a:p>
+        </p:txBody>
+      </p:sp>
+      <p:sp>
+        <p:nvSpPr>
+          <p:cNvPr id="304" name=""/>
+          <p:cNvSpPr txBox="1"/>
+          <p:nvPr/>
+        </p:nvSpPr>
+        <p:spPr>
+          <a:xfrm>
+            <a:off x="9144000" y="494731"/>
+            <a:ext cx="7079776" cy="338416"/>
+          </a:xfrm>
+          <a:prstGeom prst="rect">
+            <a:avLst/>
+          </a:prstGeom>
+          <a:noFill/>
+          <a:ln>
+            <a:noFill/>
+          </a:ln>
+        </p:spPr>
+        <p:txBody>
+          <a:bodyPr wrap="square" lIns="91424" tIns="45700" rIns="91424" bIns="45700" anchor="t" anchorCtr="0">
+            <a:spAutoFit/>
+          </a:bodyPr>
+          <a:p>
+            <a:pPr marL="0" marR="0" indent="0" algn="l" rtl="0">
+              <a:spcBef>
+                <a:spcPts val="0"/>
+              </a:spcBef>
+              <a:spcAft>
+                <a:spcPts val="0"/>
+              </a:spcAft>
+              <a:buNone/>
+              <a:defRPr/>
+            </a:pPr>
+            <a:endParaRPr sz="1600" b="1">
+              <a:solidFill>
+                <a:srgbClr val="ff6b00"/>
+              </a:solidFill>
+              <a:latin typeface="Arial"/>
+              <a:ea typeface="Arial"/>
+              <a:cs typeface="Arial"/>
+              <a:sym typeface="Arial"/>
+            </a:endParaRPr>
+          </a:p>
+        </p:txBody>
+      </p:sp>
+      <p:sp>
+        <p:nvSpPr>
+          <p:cNvPr id="305" name=""/>
+          <p:cNvSpPr txBox="1"/>
+          <p:nvPr/>
+        </p:nvSpPr>
+        <p:spPr>
+          <a:xfrm>
+            <a:off x="9343028" y="1987455"/>
+            <a:ext cx="6624851" cy="1553920"/>
+          </a:xfrm>
+          <a:prstGeom prst="rect">
+            <a:avLst/>
+          </a:prstGeom>
+          <a:noFill/>
+          <a:ln>
+            <a:noFill/>
+          </a:ln>
+        </p:spPr>
+        <p:txBody>
+          <a:bodyPr wrap="square" lIns="91424" tIns="45700" rIns="91424" bIns="45700" anchor="t" anchorCtr="0">
+            <a:spAutoFit/>
+          </a:bodyPr>
+          <a:p>
+            <a:pPr marL="0" marR="0" indent="0" algn="l" rtl="0">
+              <a:spcBef>
+                <a:spcPts val="0"/>
+              </a:spcBef>
+              <a:spcAft>
+                <a:spcPts val="0"/>
+              </a:spcAft>
+              <a:buNone/>
+              <a:defRPr/>
+            </a:pPr>
+            <a:r>
+              <a:rPr lang="ko-KR" altLang="en-US" sz="1600" b="1">
+                <a:solidFill>
+                  <a:schemeClr val="tx1"/>
+                </a:solidFill>
+                <a:latin typeface="맑은 고딕"/>
+                <a:ea typeface="맑은 고딕"/>
+              </a:rPr>
+              <a:t>우리 조에서는 아직 코딩에 익숙하지 않고 프로젝트에 익숙하지 않은 분들이 있어 기간 안에 끝내기에는 진행 속도가 느렸던 문제가 있었습니다. 이에 매일 아침 스크럼을 진행하여 각 조원들의 진행 상황을 공유하고 코드 설명 및 일의 재분배를 통해 해결해나갔으며 기간 안에 프로젝트를 마무리할 수 있었습니다.</a:t>
+            </a:r>
+            <a:endParaRPr lang="ko-KR" altLang="en-US" sz="1600" b="1">
+              <a:solidFill>
+                <a:schemeClr val="tx1"/>
+              </a:solidFill>
+              <a:latin typeface="맑은 고딕"/>
+              <a:ea typeface="맑은 고딕"/>
+            </a:endParaRPr>
+          </a:p>
+          <a:p>
+            <a:pPr marL="0" marR="0" indent="0" algn="l" rtl="0">
+              <a:spcBef>
+                <a:spcPts val="0"/>
+              </a:spcBef>
+              <a:spcAft>
+                <a:spcPts val="0"/>
+              </a:spcAft>
+              <a:buNone/>
+              <a:defRPr/>
+            </a:pPr>
+            <a:endParaRPr lang="ko-KR" altLang="en-US" sz="1600" b="1">
+              <a:solidFill>
+                <a:schemeClr val="tx1"/>
+              </a:solidFill>
+              <a:latin typeface="맑은 고딕"/>
+              <a:ea typeface="맑은 고딕"/>
             </a:endParaRPr>
           </a:p>
         </p:txBody>

--- a/(fasoo)강지윤_프토플리오_멀티캠퍼스.pptx
+++ b/(fasoo)강지윤_프토플리오_멀티캠퍼스.pptx
@@ -2,7 +2,7 @@
 <file path=ppt/presentation.xml><?xml version="1.0" encoding="utf-8"?>
 <p:presentation xmlns:r="http://schemas.openxmlformats.org/officeDocument/2006/relationships" xmlns:c="http://schemas.openxmlformats.org/drawingml/2006/chart" xmlns:a="http://schemas.openxmlformats.org/drawingml/2006/main" xmlns:dgm="http://schemas.openxmlformats.org/drawingml/2006/diagram" xmlns:dsp="http://schemas.microsoft.com/office/drawing/2008/diagram" xmlns:p="http://schemas.openxmlformats.org/presentationml/2006/main" strictFirstAndLastChars="0" embedTrueTypeFonts="1" saveSubsetFonts="1" autoCompressPictures="0">
   <p:sldMasterIdLst>
-    <p:sldMasterId id="2147483672" r:id="rId1"/>
+    <p:sldMasterId id="2147483671" r:id="rId1"/>
   </p:sldMasterIdLst>
   <p:notesMasterIdLst>
     <p:notesMasterId r:id="rId2"/>
@@ -12382,45 +12382,6 @@
           </p:txBody>
         </p:sp>
       </p:grpSp>
-      <p:grpSp>
-        <p:nvGrpSpPr>
-          <p:cNvPr id="1004" name="그룹 1004"/>
-          <p:cNvGrpSpPr/>
-          <p:nvPr/>
-        </p:nvGrpSpPr>
-        <p:grpSpPr>
-          <a:xfrm rot="0">
-            <a:off x="495940" y="415943"/>
-            <a:ext cx="2686314" cy="488909"/>
-            <a:chOff x="495940" y="415943"/>
-            <a:chExt cx="2686314" cy="488909"/>
-          </a:xfrm>
-        </p:grpSpPr>
-        <p:pic>
-          <p:nvPicPr>
-            <p:cNvPr id="14" name="Object 13"/>
-            <p:cNvPicPr>
-              <a:picLocks noChangeAspect="1"/>
-            </p:cNvPicPr>
-            <p:nvPr/>
-          </p:nvPicPr>
-          <p:blipFill rotWithShape="1">
-            <a:blip r:embed="rId3"/>
-            <a:stretch>
-              <a:fillRect/>
-            </a:stretch>
-          </p:blipFill>
-          <p:spPr>
-            <a:xfrm>
-              <a:off x="495940" y="415943"/>
-              <a:ext cx="2686314" cy="488909"/>
-            </a:xfrm>
-            <a:prstGeom prst="rect">
-              <a:avLst/>
-            </a:prstGeom>
-          </p:spPr>
-        </p:pic>
-      </p:grpSp>
     </p:spTree>
   </p:cSld>
   <p:clrMapOvr>
@@ -13661,7 +13622,7 @@
         <p:spPr>
           <a:xfrm>
             <a:off x="9515795" y="1624488"/>
-            <a:ext cx="7531353" cy="369291"/>
+            <a:ext cx="7531352" cy="369291"/>
           </a:xfrm>
           <a:prstGeom prst="rect">
             <a:avLst/>
@@ -13725,7 +13686,7 @@
         <p:spPr>
           <a:xfrm>
             <a:off x="9531637" y="4943487"/>
-            <a:ext cx="7531216" cy="380975"/>
+            <a:ext cx="7531215" cy="380975"/>
           </a:xfrm>
           <a:prstGeom prst="rect">
             <a:avLst/>
@@ -14308,7 +14269,7 @@
                         <a:defRPr/>
                       </a:pPr>
                       <a:r>
-                        <a:rPr lang="en-US" sz="1600" b="0" u="none" strike="noStrike" cap="none">
+                        <a:rPr lang="en-US" sz="1600" b="0" i="0" u="none" strike="noStrike" cap="none">
                           <a:solidFill>
                             <a:schemeClr val="dk1"/>
                           </a:solidFill>
@@ -14320,7 +14281,7 @@
                         <a:t>20</a:t>
                       </a:r>
                       <a:r>
-                        <a:rPr lang="en-US" altLang="ko-KR" sz="1600" b="0" u="none" strike="noStrike" cap="none">
+                        <a:rPr lang="en-US" altLang="ko-KR" sz="1600" b="0" i="0" u="none" strike="noStrike" cap="none">
                           <a:solidFill>
                             <a:schemeClr val="dk1"/>
                           </a:solidFill>
@@ -14332,7 +14293,7 @@
                         <a:t>16</a:t>
                       </a:r>
                       <a:r>
-                        <a:rPr lang="en-US" sz="1600" b="0" u="none" strike="noStrike" cap="none">
+                        <a:rPr lang="en-US" sz="1600" b="0" i="0" u="none" strike="noStrike" cap="none">
                           <a:solidFill>
                             <a:schemeClr val="dk1"/>
                           </a:solidFill>
@@ -14344,7 +14305,7 @@
                         <a:t>.01~ 20</a:t>
                       </a:r>
                       <a:r>
-                        <a:rPr lang="en-US" altLang="ko-KR" sz="1600" b="0" u="none" strike="noStrike" cap="none">
+                        <a:rPr lang="en-US" altLang="ko-KR" sz="1600" b="0" i="0" u="none" strike="noStrike" cap="none">
                           <a:solidFill>
                             <a:schemeClr val="dk1"/>
                           </a:solidFill>
@@ -14356,7 +14317,7 @@
                         <a:t>22</a:t>
                       </a:r>
                       <a:r>
-                        <a:rPr lang="en-US" sz="1600" b="0" u="none" strike="noStrike" cap="none">
+                        <a:rPr lang="en-US" sz="1600" b="0" i="0" u="none" strike="noStrike" cap="none">
                           <a:solidFill>
                             <a:schemeClr val="dk1"/>
                           </a:solidFill>
@@ -14368,7 +14329,7 @@
                         <a:t>.</a:t>
                       </a:r>
                       <a:r>
-                        <a:rPr lang="en-US" altLang="ko-KR" sz="1600" b="0" u="none" strike="noStrike" cap="none">
+                        <a:rPr lang="en-US" altLang="ko-KR" sz="1600" b="0" i="0" u="none" strike="noStrike" cap="none">
                           <a:solidFill>
                             <a:schemeClr val="dk1"/>
                           </a:solidFill>
@@ -14379,7 +14340,7 @@
                         </a:rPr>
                         <a:t>12</a:t>
                       </a:r>
-                      <a:endParaRPr lang="en-US" altLang="ko-KR" sz="1600" b="0" u="none" strike="noStrike" cap="none">
+                      <a:endParaRPr lang="en-US" altLang="ko-KR" sz="1600" b="0" i="0" u="none" strike="noStrike" cap="none">
                         <a:solidFill>
                           <a:schemeClr val="dk1"/>
                         </a:solidFill>
@@ -14419,9 +14380,9 @@
                         <a:defRPr/>
                       </a:pPr>
                       <a:r>
-                        <a:rPr lang="ko-KR" altLang="en-US" sz="1600" b="0" u="none" strike="noStrike" cap="none">
+                        <a:rPr lang="ko-KR" altLang="en-US" sz="1600" b="0" i="0" u="none" strike="noStrike" cap="none">
                           <a:solidFill>
-                            <a:srgbClr val="bfbfbf"/>
+                            <a:schemeClr val="tx1"/>
                           </a:solidFill>
                           <a:latin typeface="Calibri"/>
                           <a:ea typeface="Calibri"/>
@@ -14431,9 +14392,9 @@
                         <a:t>창원대학교</a:t>
                       </a:r>
                       <a:r>
-                        <a:rPr lang="en-US" sz="1600" b="0" u="none" strike="noStrike" cap="none">
+                        <a:rPr lang="en-US" sz="1600" b="0" i="0" u="none" strike="noStrike" cap="none">
                           <a:solidFill>
-                            <a:srgbClr val="bfbfbf"/>
+                            <a:schemeClr val="tx1"/>
                           </a:solidFill>
                           <a:latin typeface="Calibri"/>
                           <a:ea typeface="Calibri"/>
@@ -14442,9 +14403,9 @@
                         </a:rPr>
                         <a:t> </a:t>
                       </a:r>
-                      <a:endParaRPr lang="en-US" sz="1600" b="0" u="none" strike="noStrike" cap="none">
+                      <a:endParaRPr lang="en-US" sz="1600" b="0" i="0" u="none" strike="noStrike" cap="none">
                         <a:solidFill>
-                          <a:srgbClr val="bfbfbf"/>
+                          <a:schemeClr val="tx1"/>
                         </a:solidFill>
                         <a:latin typeface="Calibri"/>
                         <a:ea typeface="Calibri"/>
@@ -14477,9 +14438,9 @@
                         <a:defRPr/>
                       </a:pPr>
                       <a:r>
-                        <a:rPr lang="ko-KR" altLang="en-US" sz="1600" b="0" u="none" strike="noStrike" cap="none">
+                        <a:rPr lang="ko-KR" altLang="en-US" sz="1600" b="0" i="0" u="none" strike="noStrike" cap="none">
                           <a:solidFill>
-                            <a:srgbClr val="bfbfbf"/>
+                            <a:schemeClr val="tx1"/>
                           </a:solidFill>
                           <a:latin typeface="Calibri"/>
                           <a:ea typeface="Calibri"/>
@@ -14488,9 +14449,9 @@
                         </a:rPr>
                         <a:t>컴퓨터공학과</a:t>
                       </a:r>
-                      <a:endParaRPr lang="ko-KR" altLang="en-US" sz="1600" b="0" u="none" strike="noStrike" cap="none">
+                      <a:endParaRPr lang="ko-KR" altLang="en-US" sz="1600" b="0" i="0" u="none" strike="noStrike" cap="none">
                         <a:solidFill>
-                          <a:srgbClr val="bfbfbf"/>
+                          <a:schemeClr val="tx1"/>
                         </a:solidFill>
                         <a:latin typeface="Calibri"/>
                         <a:ea typeface="Calibri"/>
@@ -14523,9 +14484,9 @@
                         <a:defRPr/>
                       </a:pPr>
                       <a:r>
-                        <a:rPr lang="en-US" sz="1600" b="0" u="none" strike="noStrike" cap="none">
+                        <a:rPr lang="en-US" sz="1600" b="0" i="0" u="none" strike="noStrike" cap="none">
                           <a:solidFill>
-                            <a:srgbClr val="bfbfbf"/>
+                            <a:schemeClr val="tx1"/>
                           </a:solidFill>
                           <a:latin typeface="Calibri"/>
                           <a:ea typeface="Calibri"/>
@@ -14535,9 +14496,9 @@
                         <a:t>졸업</a:t>
                       </a:r>
                       <a:r>
-                        <a:rPr lang="en-US" altLang="ko-KR" sz="1600" b="0" u="none" strike="noStrike" cap="none">
+                        <a:rPr lang="en-US" altLang="ko-KR" sz="1600" b="0" i="0" u="none" strike="noStrike" cap="none">
                           <a:solidFill>
-                            <a:srgbClr val="bfbfbf"/>
+                            <a:schemeClr val="tx1"/>
                           </a:solidFill>
                           <a:latin typeface="Calibri"/>
                           <a:ea typeface="Calibri"/>
@@ -14546,9 +14507,9 @@
                         </a:rPr>
                         <a:t>(3.19/4.5)</a:t>
                       </a:r>
-                      <a:endParaRPr lang="en-US" altLang="ko-KR" sz="1600" b="0" u="none" strike="noStrike" cap="none">
+                      <a:endParaRPr lang="en-US" altLang="ko-KR" sz="1600" b="0" i="0" u="none" strike="noStrike" cap="none">
                         <a:solidFill>
-                          <a:srgbClr val="bfbfbf"/>
+                          <a:schemeClr val="tx1"/>
                         </a:solidFill>
                         <a:latin typeface="Calibri"/>
                         <a:ea typeface="Calibri"/>
@@ -14753,7 +14714,7 @@
                         <a:defRPr/>
                       </a:pPr>
                       <a:r>
-                        <a:rPr lang="en-US" sz="1600" b="0" u="none" strike="noStrike" cap="none">
+                        <a:rPr lang="en-US" sz="1600" b="0" i="0" u="none" strike="noStrike" cap="none">
                           <a:solidFill>
                             <a:schemeClr val="dk1"/>
                           </a:solidFill>
@@ -14765,7 +14726,7 @@
                         <a:t>20</a:t>
                       </a:r>
                       <a:r>
-                        <a:rPr lang="en-US" altLang="ko-KR" sz="1600" b="0" u="none" strike="noStrike" cap="none">
+                        <a:rPr lang="en-US" altLang="ko-KR" sz="1600" b="0" i="0" u="none" strike="noStrike" cap="none">
                           <a:solidFill>
                             <a:schemeClr val="dk1"/>
                           </a:solidFill>
@@ -14777,7 +14738,7 @@
                         <a:t>22</a:t>
                       </a:r>
                       <a:r>
-                        <a:rPr lang="en-US" sz="1600" b="0" u="none" strike="noStrike" cap="none">
+                        <a:rPr lang="en-US" sz="1600" b="0" i="0" u="none" strike="noStrike" cap="none">
                           <a:solidFill>
                             <a:schemeClr val="dk1"/>
                           </a:solidFill>
@@ -14789,7 +14750,7 @@
                         <a:t>.</a:t>
                       </a:r>
                       <a:r>
-                        <a:rPr lang="en-US" altLang="ko-KR" sz="1600" b="0" u="none" strike="noStrike" cap="none">
+                        <a:rPr lang="en-US" altLang="ko-KR" sz="1600" b="0" i="0" u="none" strike="noStrike" cap="none">
                           <a:solidFill>
                             <a:schemeClr val="dk1"/>
                           </a:solidFill>
@@ -14801,7 +14762,7 @@
                         <a:t>12</a:t>
                       </a:r>
                       <a:r>
-                        <a:rPr lang="en-US" sz="1600" b="0" u="none" strike="noStrike" cap="none">
+                        <a:rPr lang="en-US" sz="1600" b="0" i="0" u="none" strike="noStrike" cap="none">
                           <a:solidFill>
                             <a:schemeClr val="dk1"/>
                           </a:solidFill>
@@ -14813,7 +14774,7 @@
                         <a:t>~ 20</a:t>
                       </a:r>
                       <a:r>
-                        <a:rPr lang="en-US" altLang="ko-KR" sz="1600" b="0" u="none" strike="noStrike" cap="none">
+                        <a:rPr lang="en-US" altLang="ko-KR" sz="1600" b="0" i="0" u="none" strike="noStrike" cap="none">
                           <a:solidFill>
                             <a:schemeClr val="dk1"/>
                           </a:solidFill>
@@ -14825,7 +14786,7 @@
                         <a:t>23</a:t>
                       </a:r>
                       <a:r>
-                        <a:rPr lang="en-US" sz="1600" b="0" u="none" strike="noStrike" cap="none">
+                        <a:rPr lang="en-US" sz="1600" b="0" i="0" u="none" strike="noStrike" cap="none">
                           <a:solidFill>
                             <a:schemeClr val="dk1"/>
                           </a:solidFill>
@@ -14837,7 +14798,7 @@
                         <a:t>.0</a:t>
                       </a:r>
                       <a:r>
-                        <a:rPr lang="en-US" altLang="ko-KR" sz="1600" b="0" u="none" strike="noStrike" cap="none">
+                        <a:rPr lang="en-US" altLang="ko-KR" sz="1600" b="0" i="0" u="none" strike="noStrike" cap="none">
                           <a:solidFill>
                             <a:schemeClr val="dk1"/>
                           </a:solidFill>
@@ -14848,7 +14809,7 @@
                         </a:rPr>
                         <a:t>6</a:t>
                       </a:r>
-                      <a:endParaRPr lang="en-US" altLang="ko-KR" sz="1600" b="0" u="none" strike="noStrike" cap="none">
+                      <a:endParaRPr lang="en-US" altLang="ko-KR" sz="1600" b="0" i="0" u="none" strike="noStrike" cap="none">
                         <a:solidFill>
                           <a:schemeClr val="dk1"/>
                         </a:solidFill>
@@ -14888,9 +14849,9 @@
                         <a:defRPr/>
                       </a:pPr>
                       <a:r>
-                        <a:rPr lang="en-US" altLang="ko-KR" sz="1600" b="0" u="none" strike="noStrike" cap="none">
+                        <a:rPr lang="en-US" altLang="ko-KR" sz="1600" b="0" i="0" u="none" strike="noStrike" cap="none">
                           <a:solidFill>
-                            <a:srgbClr val="bfbfbf"/>
+                            <a:schemeClr val="tx1"/>
                           </a:solidFill>
                           <a:latin typeface="Calibri"/>
                           <a:ea typeface="Calibri"/>
@@ -14900,9 +14861,9 @@
                         <a:t>AI </a:t>
                       </a:r>
                       <a:r>
-                        <a:rPr lang="ko-KR" altLang="en-US" sz="1600" b="0" u="none" strike="noStrike" cap="none">
+                        <a:rPr lang="ko-KR" altLang="en-US" sz="1600" b="0" i="0" u="none" strike="noStrike" cap="none">
                           <a:solidFill>
-                            <a:srgbClr val="bfbfbf"/>
+                            <a:schemeClr val="tx1"/>
                           </a:solidFill>
                           <a:latin typeface="Calibri"/>
                           <a:ea typeface="Calibri"/>
@@ -14911,9 +14872,9 @@
                         </a:rPr>
                         <a:t>백엔드 개발자 캠프</a:t>
                       </a:r>
-                      <a:endParaRPr lang="ko-KR" altLang="en-US" sz="1600" b="0" u="none" strike="noStrike" cap="none">
+                      <a:endParaRPr lang="ko-KR" altLang="en-US" sz="1600" b="0" i="0" u="none" strike="noStrike" cap="none">
                         <a:solidFill>
-                          <a:srgbClr val="bfbfbf"/>
+                          <a:schemeClr val="tx1"/>
                         </a:solidFill>
                         <a:latin typeface="Calibri"/>
                         <a:ea typeface="Calibri"/>
@@ -14946,9 +14907,9 @@
                         <a:defRPr/>
                       </a:pPr>
                       <a:r>
-                        <a:rPr lang="ko-KR" altLang="en-US" sz="1600" b="0" u="none" strike="noStrike" cap="none">
+                        <a:rPr lang="ko-KR" altLang="en-US" sz="1600" b="0" i="0" u="none" strike="noStrike" cap="none">
                           <a:solidFill>
-                            <a:srgbClr val="bfbfbf"/>
+                            <a:schemeClr val="tx1"/>
                           </a:solidFill>
                           <a:latin typeface="Calibri"/>
                           <a:ea typeface="Calibri"/>
@@ -14957,9 +14918,9 @@
                         </a:rPr>
                         <a:t>멀티캠퍼스</a:t>
                       </a:r>
-                      <a:endParaRPr lang="ko-KR" altLang="en-US" sz="1600" b="0" u="none" strike="noStrike" cap="none">
+                      <a:endParaRPr lang="ko-KR" altLang="en-US" sz="1600" b="0" i="0" u="none" strike="noStrike" cap="none">
                         <a:solidFill>
-                          <a:srgbClr val="bfbfbf"/>
+                          <a:schemeClr val="tx1"/>
                         </a:solidFill>
                         <a:latin typeface="Calibri"/>
                         <a:ea typeface="Calibri"/>
@@ -14992,9 +14953,9 @@
                         <a:defRPr/>
                       </a:pPr>
                       <a:r>
-                        <a:rPr lang="en-US" altLang="ko-KR" sz="1600" b="0" u="none" strike="noStrike" cap="none">
+                        <a:rPr lang="en-US" altLang="ko-KR" sz="1600" b="0" i="0" u="none" strike="noStrike" cap="none">
                           <a:solidFill>
-                            <a:srgbClr val="bfbfbf"/>
+                            <a:schemeClr val="tx1"/>
                           </a:solidFill>
                           <a:latin typeface="Calibri"/>
                           <a:ea typeface="Calibri"/>
@@ -15003,9 +14964,9 @@
                         </a:rPr>
                         <a:t>python/django/ML/DL</a:t>
                       </a:r>
-                      <a:endParaRPr lang="en-US" altLang="ko-KR" sz="1600" b="0" u="none" strike="noStrike" cap="none">
+                      <a:endParaRPr lang="en-US" altLang="ko-KR" sz="1600" b="0" i="0" u="none" strike="noStrike" cap="none">
                         <a:solidFill>
-                          <a:srgbClr val="bfbfbf"/>
+                          <a:schemeClr val="tx1"/>
                         </a:solidFill>
                         <a:latin typeface="Calibri"/>
                         <a:ea typeface="Calibri"/>
@@ -15210,9 +15171,9 @@
                         <a:defRPr/>
                       </a:pPr>
                       <a:r>
-                        <a:rPr lang="en-US" sz="1600" b="0" u="none" strike="noStrike" cap="none">
+                        <a:rPr lang="en-US" sz="1600" b="0" i="0" u="none" strike="noStrike" cap="none">
                           <a:solidFill>
-                            <a:schemeClr val="dk1"/>
+                            <a:schemeClr val="tx1"/>
                           </a:solidFill>
                           <a:latin typeface="Calibri"/>
                           <a:ea typeface="Calibri"/>
@@ -15222,9 +15183,9 @@
                         <a:t>20</a:t>
                       </a:r>
                       <a:r>
-                        <a:rPr lang="en-US" altLang="ko-KR" sz="1600" b="0" u="none" strike="noStrike" cap="none">
+                        <a:rPr lang="en-US" altLang="ko-KR" sz="1600" b="0" i="0" u="none" strike="noStrike" cap="none">
                           <a:solidFill>
-                            <a:schemeClr val="dk1"/>
+                            <a:schemeClr val="tx1"/>
                           </a:solidFill>
                           <a:latin typeface="Calibri"/>
                           <a:ea typeface="Calibri"/>
@@ -15234,9 +15195,9 @@
                         <a:t>22</a:t>
                       </a:r>
                       <a:r>
-                        <a:rPr lang="en-US" sz="1600" b="0" u="none" strike="noStrike" cap="none">
+                        <a:rPr lang="en-US" sz="1600" b="0" i="0" u="none" strike="noStrike" cap="none">
                           <a:solidFill>
-                            <a:schemeClr val="dk1"/>
+                            <a:schemeClr val="tx1"/>
                           </a:solidFill>
                           <a:latin typeface="Calibri"/>
                           <a:ea typeface="Calibri"/>
@@ -15246,9 +15207,9 @@
                         <a:t>.0</a:t>
                       </a:r>
                       <a:r>
-                        <a:rPr lang="en-US" altLang="ko-KR" sz="1600" b="0" u="none" strike="noStrike" cap="none">
+                        <a:rPr lang="en-US" altLang="ko-KR" sz="1600" b="0" i="0" u="none" strike="noStrike" cap="none">
                           <a:solidFill>
-                            <a:schemeClr val="dk1"/>
+                            <a:schemeClr val="tx1"/>
                           </a:solidFill>
                           <a:latin typeface="Calibri"/>
                           <a:ea typeface="Calibri"/>
@@ -15257,9 +15218,9 @@
                         </a:rPr>
                         <a:t>9.02</a:t>
                       </a:r>
-                      <a:endParaRPr lang="en-US" altLang="ko-KR" sz="1600" b="0" u="none" strike="noStrike" cap="none">
+                      <a:endParaRPr lang="en-US" altLang="ko-KR" sz="1600" b="0" i="0" u="none" strike="noStrike" cap="none">
                         <a:solidFill>
-                          <a:schemeClr val="dk1"/>
+                          <a:schemeClr val="tx1"/>
                         </a:solidFill>
                         <a:latin typeface="Calibri"/>
                         <a:ea typeface="Calibri"/>
@@ -15297,9 +15258,9 @@
                         <a:defRPr/>
                       </a:pPr>
                       <a:r>
-                        <a:rPr lang="ko-KR" altLang="en-US" sz="1600" b="0" u="none" strike="noStrike" cap="none">
+                        <a:rPr lang="ko-KR" altLang="en-US" sz="1600" b="0" i="0" u="none" strike="noStrike" cap="none">
                           <a:solidFill>
-                            <a:srgbClr val="bfbfbf"/>
+                            <a:schemeClr val="tx1"/>
                           </a:solidFill>
                           <a:latin typeface="Calibri"/>
                           <a:ea typeface="Calibri"/>
@@ -15308,9 +15269,9 @@
                         </a:rPr>
                         <a:t>정보처리가사</a:t>
                       </a:r>
-                      <a:endParaRPr lang="ko-KR" altLang="en-US" sz="1600" b="0" u="none" strike="noStrike" cap="none">
+                      <a:endParaRPr lang="ko-KR" altLang="en-US" sz="1600" b="0" i="0" u="none" strike="noStrike" cap="none">
                         <a:solidFill>
-                          <a:srgbClr val="bfbfbf"/>
+                          <a:schemeClr val="tx1"/>
                         </a:solidFill>
                         <a:latin typeface="Calibri"/>
                         <a:ea typeface="Calibri"/>
@@ -15343,9 +15304,9 @@
                         <a:defRPr/>
                       </a:pPr>
                       <a:r>
-                        <a:rPr lang="ko-KR" altLang="en-US" sz="1600" b="0" u="none" strike="noStrike" cap="none">
+                        <a:rPr lang="ko-KR" altLang="en-US" sz="1600" b="0" i="0" u="none" strike="noStrike" cap="none">
                           <a:solidFill>
-                            <a:srgbClr val="bfbfbf"/>
+                            <a:schemeClr val="tx1"/>
                           </a:solidFill>
                           <a:latin typeface="Calibri"/>
                           <a:ea typeface="Calibri"/>
@@ -15354,9 +15315,9 @@
                         </a:rPr>
                         <a:t>한국산업인력공단</a:t>
                       </a:r>
-                      <a:endParaRPr lang="ko-KR" altLang="en-US" sz="1600" b="0" u="none" strike="noStrike" cap="none">
+                      <a:endParaRPr lang="ko-KR" altLang="en-US" sz="1600" b="0" i="0" u="none" strike="noStrike" cap="none">
                         <a:solidFill>
-                          <a:srgbClr val="bfbfbf"/>
+                          <a:schemeClr val="tx1"/>
                         </a:solidFill>
                         <a:latin typeface="Calibri"/>
                         <a:ea typeface="Calibri"/>
@@ -15388,9 +15349,9 @@
                         <a:buNone/>
                         <a:defRPr/>
                       </a:pPr>
-                      <a:endParaRPr sz="1600" b="0" u="none" strike="noStrike" cap="none">
+                      <a:endParaRPr sz="1600" b="0" i="0" u="none" strike="noStrike" cap="none">
                         <a:solidFill>
-                          <a:srgbClr val="bfbfbf"/>
+                          <a:schemeClr val="tx1"/>
                         </a:solidFill>
                         <a:latin typeface="Calibri"/>
                         <a:ea typeface="Calibri"/>
@@ -15425,9 +15386,9 @@
                         <a:defRPr/>
                       </a:pPr>
                       <a:r>
-                        <a:rPr lang="en-US" sz="1600" b="0" u="none" strike="noStrike" cap="none">
+                        <a:rPr lang="en-US" sz="1600" b="0" i="0" u="none" strike="noStrike" cap="none">
                           <a:solidFill>
-                            <a:schemeClr val="dk1"/>
+                            <a:schemeClr val="tx1"/>
                           </a:solidFill>
                           <a:latin typeface="Calibri"/>
                           <a:ea typeface="Calibri"/>
@@ -15437,9 +15398,9 @@
                         <a:t>20</a:t>
                       </a:r>
                       <a:r>
-                        <a:rPr lang="en-US" altLang="ko-KR" sz="1600" b="0" u="none" strike="noStrike" cap="none">
+                        <a:rPr lang="en-US" altLang="ko-KR" sz="1600" b="0" i="0" u="none" strike="noStrike" cap="none">
                           <a:solidFill>
-                            <a:schemeClr val="dk1"/>
+                            <a:schemeClr val="tx1"/>
                           </a:solidFill>
                           <a:latin typeface="Calibri"/>
                           <a:ea typeface="Calibri"/>
@@ -15449,9 +15410,9 @@
                         <a:t>23</a:t>
                       </a:r>
                       <a:r>
-                        <a:rPr lang="en-US" sz="1600" b="0" u="none" strike="noStrike" cap="none">
+                        <a:rPr lang="en-US" sz="1600" b="0" i="0" u="none" strike="noStrike" cap="none">
                           <a:solidFill>
-                            <a:schemeClr val="dk1"/>
+                            <a:schemeClr val="tx1"/>
                           </a:solidFill>
                           <a:latin typeface="Calibri"/>
                           <a:ea typeface="Calibri"/>
@@ -15461,9 +15422,9 @@
                         <a:t>.0</a:t>
                       </a:r>
                       <a:r>
-                        <a:rPr lang="en-US" altLang="ko-KR" sz="1600" b="0" u="none" strike="noStrike" cap="none">
+                        <a:rPr lang="en-US" altLang="ko-KR" sz="1600" b="0" i="0" u="none" strike="noStrike" cap="none">
                           <a:solidFill>
-                            <a:schemeClr val="dk1"/>
+                            <a:schemeClr val="tx1"/>
                           </a:solidFill>
                           <a:latin typeface="Calibri"/>
                           <a:ea typeface="Calibri"/>
@@ -15472,9 +15433,9 @@
                         </a:rPr>
                         <a:t>6.16</a:t>
                       </a:r>
-                      <a:endParaRPr lang="en-US" altLang="ko-KR" sz="1600" b="0" u="none" strike="noStrike" cap="none">
+                      <a:endParaRPr lang="en-US" altLang="ko-KR" sz="1600" b="0" i="0" u="none" strike="noStrike" cap="none">
                         <a:solidFill>
-                          <a:schemeClr val="dk1"/>
+                          <a:schemeClr val="tx1"/>
                         </a:solidFill>
                         <a:latin typeface="Calibri"/>
                         <a:ea typeface="Calibri"/>
@@ -15497,9 +15458,9 @@
                         <a:defRPr/>
                       </a:pPr>
                       <a:r>
-                        <a:rPr lang="en-US" altLang="ko-KR" sz="1600" b="0" u="none" strike="noStrike" cap="none">
+                        <a:rPr lang="en-US" altLang="ko-KR" sz="1600" b="0" i="0" u="none" strike="noStrike" cap="none">
                           <a:solidFill>
-                            <a:schemeClr val="dk1"/>
+                            <a:schemeClr val="tx1"/>
                           </a:solidFill>
                           <a:latin typeface="Calibri"/>
                           <a:ea typeface="Calibri"/>
@@ -15508,9 +15469,9 @@
                         </a:rPr>
                         <a:t>2023.03.25</a:t>
                       </a:r>
-                      <a:endParaRPr lang="en-US" altLang="ko-KR" sz="1600" b="0" u="none" strike="noStrike" cap="none">
+                      <a:endParaRPr lang="en-US" altLang="ko-KR" sz="1600" b="0" i="0" u="none" strike="noStrike" cap="none">
                         <a:solidFill>
-                          <a:schemeClr val="dk1"/>
+                          <a:schemeClr val="tx1"/>
                         </a:solidFill>
                         <a:latin typeface="Calibri"/>
                         <a:ea typeface="Calibri"/>
@@ -15533,9 +15494,9 @@
                         <a:defRPr/>
                       </a:pPr>
                       <a:r>
-                        <a:rPr lang="en-US" altLang="ko-KR" sz="1600" b="0" u="none" strike="noStrike" cap="none">
+                        <a:rPr lang="en-US" altLang="ko-KR" sz="1600" b="0" i="0" u="none" strike="noStrike" cap="none">
                           <a:solidFill>
-                            <a:schemeClr val="dk1"/>
+                            <a:schemeClr val="tx1"/>
                           </a:solidFill>
                           <a:latin typeface="Calibri"/>
                           <a:ea typeface="Calibri"/>
@@ -15544,9 +15505,9 @@
                         </a:rPr>
                         <a:t>2023.01.14</a:t>
                       </a:r>
-                      <a:endParaRPr lang="en-US" altLang="ko-KR" sz="1600" b="0" u="none" strike="noStrike" cap="none">
+                      <a:endParaRPr lang="en-US" altLang="ko-KR" sz="1600" b="0" i="0" u="none" strike="noStrike" cap="none">
                         <a:solidFill>
-                          <a:schemeClr val="dk1"/>
+                          <a:schemeClr val="tx1"/>
                         </a:solidFill>
                         <a:latin typeface="Calibri"/>
                         <a:ea typeface="Calibri"/>
@@ -15569,9 +15530,9 @@
                         <a:defRPr/>
                       </a:pPr>
                       <a:r>
-                        <a:rPr lang="en-US" altLang="ko-KR" sz="1600" b="0" u="none" strike="noStrike" cap="none">
+                        <a:rPr lang="en-US" altLang="ko-KR" sz="1600" b="0" i="0" u="none" strike="noStrike" cap="none">
                           <a:solidFill>
-                            <a:schemeClr val="dk1"/>
+                            <a:schemeClr val="tx1"/>
                           </a:solidFill>
                           <a:latin typeface="Calibri"/>
                           <a:ea typeface="Calibri"/>
@@ -15580,9 +15541,9 @@
                         </a:rPr>
                         <a:t>2023.02.12</a:t>
                       </a:r>
-                      <a:endParaRPr lang="en-US" altLang="ko-KR" sz="1600" b="0" u="none" strike="noStrike" cap="none">
+                      <a:endParaRPr lang="en-US" altLang="ko-KR" sz="1600" b="0" i="0" u="none" strike="noStrike" cap="none">
                         <a:solidFill>
-                          <a:schemeClr val="dk1"/>
+                          <a:schemeClr val="tx1"/>
                         </a:solidFill>
                         <a:latin typeface="Calibri"/>
                         <a:ea typeface="Calibri"/>
@@ -15605,9 +15566,9 @@
                         <a:defRPr/>
                       </a:pPr>
                       <a:r>
-                        <a:rPr lang="en-US" altLang="ko-KR" sz="1600" b="0" u="none" strike="noStrike" cap="none">
+                        <a:rPr lang="en-US" altLang="ko-KR" sz="1600" b="0" i="0" u="none" strike="noStrike" cap="none">
                           <a:solidFill>
-                            <a:schemeClr val="dk1"/>
+                            <a:schemeClr val="tx1"/>
                           </a:solidFill>
                           <a:latin typeface="Calibri"/>
                           <a:ea typeface="Calibri"/>
@@ -15616,9 +15577,9 @@
                         </a:rPr>
                         <a:t>2017.08.20</a:t>
                       </a:r>
-                      <a:endParaRPr lang="en-US" altLang="ko-KR" sz="1600" b="0" u="none" strike="noStrike" cap="none">
+                      <a:endParaRPr lang="en-US" altLang="ko-KR" sz="1600" b="0" i="0" u="none" strike="noStrike" cap="none">
                         <a:solidFill>
-                          <a:schemeClr val="dk1"/>
+                          <a:schemeClr val="tx1"/>
                         </a:solidFill>
                         <a:latin typeface="Calibri"/>
                         <a:ea typeface="Calibri"/>
@@ -15656,9 +15617,9 @@
                         <a:defRPr/>
                       </a:pPr>
                       <a:r>
-                        <a:rPr lang="en-US" altLang="ko-KR" sz="1600" b="0" u="none" strike="noStrike" cap="none">
+                        <a:rPr lang="en-US" altLang="ko-KR" sz="1600" b="0" i="0" u="none" strike="noStrike" cap="none">
                           <a:solidFill>
-                            <a:srgbClr val="bfbfbf"/>
+                            <a:schemeClr val="tx1"/>
                           </a:solidFill>
                           <a:latin typeface="Calibri"/>
                           <a:ea typeface="Calibri"/>
@@ -15667,9 +15628,9 @@
                         </a:rPr>
                         <a:t>Adsp</a:t>
                       </a:r>
-                      <a:endParaRPr lang="en-US" altLang="ko-KR" sz="1600" b="0" u="none" strike="noStrike" cap="none">
+                      <a:endParaRPr lang="en-US" altLang="ko-KR" sz="1600" b="0" i="0" u="none" strike="noStrike" cap="none">
                         <a:solidFill>
-                          <a:srgbClr val="bfbfbf"/>
+                          <a:schemeClr val="tx1"/>
                         </a:solidFill>
                         <a:latin typeface="Calibri"/>
                         <a:ea typeface="Calibri"/>
@@ -15697,9 +15658,9 @@
                         <a:defRPr/>
                       </a:pPr>
                       <a:r>
-                        <a:rPr lang="en-US" altLang="ko-KR" sz="1600" b="0" u="none" strike="noStrike" cap="none">
+                        <a:rPr lang="en-US" altLang="ko-KR" sz="1600" b="0" i="0" u="none" strike="noStrike" cap="none">
                           <a:solidFill>
-                            <a:srgbClr val="bfbfbf"/>
+                            <a:schemeClr val="tx1"/>
                           </a:solidFill>
                           <a:latin typeface="Calibri"/>
                           <a:ea typeface="Calibri"/>
@@ -15708,9 +15669,9 @@
                         </a:rPr>
                         <a:t>Prods Associate</a:t>
                       </a:r>
-                      <a:endParaRPr lang="en-US" altLang="ko-KR" sz="1600" b="0" u="none" strike="noStrike" cap="none">
+                      <a:endParaRPr lang="en-US" altLang="ko-KR" sz="1600" b="0" i="0" u="none" strike="noStrike" cap="none">
                         <a:solidFill>
-                          <a:srgbClr val="bfbfbf"/>
+                          <a:schemeClr val="tx1"/>
                         </a:solidFill>
                         <a:latin typeface="Calibri"/>
                         <a:ea typeface="Calibri"/>
@@ -15738,9 +15699,9 @@
                         <a:defRPr/>
                       </a:pPr>
                       <a:r>
-                        <a:rPr lang="en-US" altLang="ko-KR" sz="1600" b="0" u="none" strike="noStrike" cap="none">
+                        <a:rPr lang="en-US" altLang="ko-KR" sz="1600" b="0" i="0" u="none" strike="noStrike" cap="none">
                           <a:solidFill>
-                            <a:srgbClr val="bfbfbf"/>
+                            <a:schemeClr val="tx1"/>
                           </a:solidFill>
                           <a:latin typeface="Calibri"/>
                           <a:ea typeface="Calibri"/>
@@ -15750,9 +15711,9 @@
                         <a:t>Toeic</a:t>
                       </a:r>
                       <a:r>
-                        <a:rPr lang="ko-KR" altLang="en-US" sz="1600" b="0" u="none" strike="noStrike" cap="none">
+                        <a:rPr lang="ko-KR" altLang="en-US" sz="1600" b="0" i="0" u="none" strike="noStrike" cap="none">
                           <a:solidFill>
-                            <a:srgbClr val="bfbfbf"/>
+                            <a:schemeClr val="tx1"/>
                           </a:solidFill>
                           <a:latin typeface="Calibri"/>
                           <a:ea typeface="Calibri"/>
@@ -15762,9 +15723,9 @@
                         <a:t> </a:t>
                       </a:r>
                       <a:r>
-                        <a:rPr lang="en-US" altLang="ko-KR" sz="1600" b="0" u="none" strike="noStrike" cap="none">
+                        <a:rPr lang="en-US" altLang="ko-KR" sz="1600" b="0" i="0" u="none" strike="noStrike" cap="none">
                           <a:solidFill>
-                            <a:srgbClr val="bfbfbf"/>
+                            <a:schemeClr val="tx1"/>
                           </a:solidFill>
                           <a:latin typeface="Calibri"/>
                           <a:ea typeface="Calibri"/>
@@ -15773,9 +15734,9 @@
                         </a:rPr>
                         <a:t>775</a:t>
                       </a:r>
-                      <a:endParaRPr lang="en-US" altLang="ko-KR" sz="1600" b="0" u="none" strike="noStrike" cap="none">
+                      <a:endParaRPr lang="en-US" altLang="ko-KR" sz="1600" b="0" i="0" u="none" strike="noStrike" cap="none">
                         <a:solidFill>
-                          <a:srgbClr val="bfbfbf"/>
+                          <a:schemeClr val="tx1"/>
                         </a:solidFill>
                         <a:latin typeface="Calibri"/>
                         <a:ea typeface="Calibri"/>
@@ -15803,9 +15764,9 @@
                         <a:defRPr/>
                       </a:pPr>
                       <a:r>
-                        <a:rPr lang="en-US" altLang="ko-KR" sz="1600" b="0" u="none" strike="noStrike" cap="none">
+                        <a:rPr lang="en-US" altLang="ko-KR" sz="1600" b="0" i="0" u="none" strike="noStrike" cap="none">
                           <a:solidFill>
-                            <a:srgbClr val="bfbfbf"/>
+                            <a:schemeClr val="tx1"/>
                           </a:solidFill>
                           <a:latin typeface="Calibri"/>
                           <a:ea typeface="Calibri"/>
@@ -15815,9 +15776,9 @@
                         <a:t>Opic</a:t>
                       </a:r>
                       <a:r>
-                        <a:rPr lang="ko-KR" altLang="en-US" sz="1600" b="0" u="none" strike="noStrike" cap="none">
+                        <a:rPr lang="ko-KR" altLang="en-US" sz="1600" b="0" i="0" u="none" strike="noStrike" cap="none">
                           <a:solidFill>
-                            <a:srgbClr val="bfbfbf"/>
+                            <a:schemeClr val="tx1"/>
                           </a:solidFill>
                           <a:latin typeface="Calibri"/>
                           <a:ea typeface="Calibri"/>
@@ -15827,9 +15788,9 @@
                         <a:t> </a:t>
                       </a:r>
                       <a:r>
-                        <a:rPr lang="en-US" altLang="ko-KR" sz="1600" b="0" u="none" strike="noStrike" cap="none">
+                        <a:rPr lang="en-US" altLang="ko-KR" sz="1600" b="0" i="0" u="none" strike="noStrike" cap="none">
                           <a:solidFill>
-                            <a:srgbClr val="bfbfbf"/>
+                            <a:schemeClr val="tx1"/>
                           </a:solidFill>
                           <a:latin typeface="Calibri"/>
                           <a:ea typeface="Calibri"/>
@@ -15838,9 +15799,9 @@
                         </a:rPr>
                         <a:t>IM2</a:t>
                       </a:r>
-                      <a:endParaRPr lang="en-US" altLang="ko-KR" sz="1600" b="0" u="none" strike="noStrike" cap="none">
+                      <a:endParaRPr lang="en-US" altLang="ko-KR" sz="1600" b="0" i="0" u="none" strike="noStrike" cap="none">
                         <a:solidFill>
-                          <a:srgbClr val="bfbfbf"/>
+                          <a:schemeClr val="tx1"/>
                         </a:solidFill>
                         <a:latin typeface="Calibri"/>
                         <a:ea typeface="Calibri"/>
@@ -15868,9 +15829,9 @@
                         <a:defRPr/>
                       </a:pPr>
                       <a:r>
-                        <a:rPr lang="en-US" altLang="ko-KR" sz="1600" b="0" u="none" strike="noStrike" cap="none">
+                        <a:rPr lang="en-US" altLang="ko-KR" sz="1600" b="0" i="0" u="none" strike="noStrike" cap="none">
                           <a:solidFill>
-                            <a:srgbClr val="bfbfbf"/>
+                            <a:schemeClr val="tx1"/>
                           </a:solidFill>
                           <a:latin typeface="Calibri"/>
                           <a:ea typeface="Calibri"/>
@@ -15879,9 +15840,9 @@
                         </a:rPr>
                         <a:t>JLPT N2</a:t>
                       </a:r>
-                      <a:endParaRPr lang="en-US" altLang="ko-KR" sz="1600" b="0" u="none" strike="noStrike" cap="none">
+                      <a:endParaRPr lang="en-US" altLang="ko-KR" sz="1600" b="0" i="0" u="none" strike="noStrike" cap="none">
                         <a:solidFill>
-                          <a:srgbClr val="bfbfbf"/>
+                          <a:schemeClr val="tx1"/>
                         </a:solidFill>
                         <a:latin typeface="Calibri"/>
                         <a:ea typeface="Calibri"/>
@@ -15914,9 +15875,9 @@
                         <a:defRPr/>
                       </a:pPr>
                       <a:r>
-                        <a:rPr lang="ko-KR" altLang="en-US" sz="1600" b="0" u="none" strike="noStrike" cap="none">
+                        <a:rPr lang="ko-KR" altLang="en-US" sz="1600" b="0" i="0" u="none" strike="noStrike" cap="none">
                           <a:solidFill>
-                            <a:srgbClr val="bfbfbf"/>
+                            <a:schemeClr val="tx1"/>
                           </a:solidFill>
                           <a:latin typeface="Calibri"/>
                           <a:ea typeface="Calibri"/>
@@ -15925,9 +15886,9 @@
                         </a:rPr>
                         <a:t>한국데이터산업진흥원</a:t>
                       </a:r>
-                      <a:endParaRPr lang="ko-KR" altLang="en-US" sz="1600" b="0" u="none" strike="noStrike" cap="none">
+                      <a:endParaRPr lang="ko-KR" altLang="en-US" sz="1600" b="0" i="0" u="none" strike="noStrike" cap="none">
                         <a:solidFill>
-                          <a:srgbClr val="bfbfbf"/>
+                          <a:schemeClr val="tx1"/>
                         </a:solidFill>
                         <a:latin typeface="Calibri"/>
                         <a:ea typeface="Calibri"/>
@@ -15950,9 +15911,9 @@
                         <a:defRPr/>
                       </a:pPr>
                       <a:r>
-                        <a:rPr lang="ko-KR" altLang="en-US" sz="1600" b="0" u="none" strike="noStrike" cap="none">
+                        <a:rPr lang="ko-KR" altLang="en-US" sz="1600" b="0" i="0" u="none" strike="noStrike" cap="none">
                           <a:solidFill>
-                            <a:srgbClr val="bfbfbf"/>
+                            <a:schemeClr val="tx1"/>
                           </a:solidFill>
                           <a:latin typeface="Calibri"/>
                           <a:ea typeface="Calibri"/>
@@ -15962,9 +15923,9 @@
                         <a:t>삼성</a:t>
                       </a:r>
                       <a:r>
-                        <a:rPr lang="en-US" altLang="ko-KR" sz="1600" b="0" u="none" strike="noStrike" cap="none">
+                        <a:rPr lang="en-US" altLang="ko-KR" sz="1600" b="0" i="0" u="none" strike="noStrike" cap="none">
                           <a:solidFill>
-                            <a:srgbClr val="bfbfbf"/>
+                            <a:schemeClr val="tx1"/>
                           </a:solidFill>
                           <a:latin typeface="Calibri"/>
                           <a:ea typeface="Calibri"/>
@@ -15973,9 +15934,9 @@
                         </a:rPr>
                         <a:t>SDS</a:t>
                       </a:r>
-                      <a:endParaRPr lang="en-US" altLang="ko-KR" sz="1600" b="0" u="none" strike="noStrike" cap="none">
+                      <a:endParaRPr lang="en-US" altLang="ko-KR" sz="1600" b="0" i="0" u="none" strike="noStrike" cap="none">
                         <a:solidFill>
-                          <a:srgbClr val="bfbfbf"/>
+                          <a:schemeClr val="tx1"/>
                         </a:solidFill>
                         <a:latin typeface="Calibri"/>
                         <a:ea typeface="Calibri"/>
@@ -15998,9 +15959,9 @@
                         <a:defRPr/>
                       </a:pPr>
                       <a:r>
-                        <a:rPr lang="en-US" altLang="ko-KR" sz="1600" b="0" u="none" strike="noStrike" cap="none">
+                        <a:rPr lang="en-US" altLang="ko-KR" sz="1600" b="0" i="0" u="none" strike="noStrike" cap="none">
                           <a:solidFill>
-                            <a:srgbClr val="bfbfbf"/>
+                            <a:schemeClr val="tx1"/>
                           </a:solidFill>
                           <a:latin typeface="Calibri"/>
                           <a:ea typeface="Calibri"/>
@@ -16009,9 +15970,9 @@
                         </a:rPr>
                         <a:t>ETS</a:t>
                       </a:r>
-                      <a:endParaRPr lang="en-US" altLang="ko-KR" sz="1600" b="0" u="none" strike="noStrike" cap="none">
+                      <a:endParaRPr lang="en-US" altLang="ko-KR" sz="1600" b="0" i="0" u="none" strike="noStrike" cap="none">
                         <a:solidFill>
-                          <a:srgbClr val="bfbfbf"/>
+                          <a:schemeClr val="tx1"/>
                         </a:solidFill>
                         <a:latin typeface="Calibri"/>
                         <a:ea typeface="Calibri"/>
@@ -16034,20 +15995,20 @@
                         <a:defRPr/>
                       </a:pPr>
                       <a:r>
-                        <a:rPr lang="en-US" altLang="ko-KR" sz="1600" b="0" u="none" strike="noStrike" cap="none">
+                        <a:rPr lang="en-US" altLang="ko-KR" sz="1600" b="0" i="0" u="none" strike="noStrike" cap="none">
                           <a:solidFill>
-                            <a:srgbClr val="bfbfbf"/>
+                            <a:schemeClr val="tx1"/>
                           </a:solidFill>
                           <a:latin typeface="Calibri"/>
                           <a:ea typeface="Calibri"/>
                           <a:cs typeface="Calibri"/>
                           <a:sym typeface="Calibri"/>
                         </a:rPr>
-                        <a:t>Ia</a:t>
+                        <a:t>ACTFL</a:t>
                       </a:r>
-                      <a:endParaRPr lang="en-US" altLang="ko-KR" sz="1600" b="0" u="none" strike="noStrike" cap="none">
+                      <a:endParaRPr lang="en-US" altLang="ko-KR" sz="1600" b="0" i="0" u="none" strike="noStrike" cap="none">
                         <a:solidFill>
-                          <a:srgbClr val="bfbfbf"/>
+                          <a:schemeClr val="tx1"/>
                         </a:solidFill>
                         <a:latin typeface="Calibri"/>
                         <a:ea typeface="Calibri"/>
@@ -16070,9 +16031,9 @@
                         <a:defRPr/>
                       </a:pPr>
                       <a:r>
-                        <a:rPr lang="ko-KR" altLang="en-US" sz="1600" b="0" u="none" strike="noStrike" cap="none">
+                        <a:rPr lang="ko-KR" altLang="en-US" sz="1600" b="0" i="0" u="none" strike="noStrike" cap="none">
                           <a:solidFill>
-                            <a:srgbClr val="bfbfbf"/>
+                            <a:schemeClr val="tx1"/>
                           </a:solidFill>
                           <a:latin typeface="Calibri"/>
                           <a:ea typeface="Calibri"/>
@@ -16081,9 +16042,9 @@
                         </a:rPr>
                         <a:t>일본국제 교류기금</a:t>
                       </a:r>
-                      <a:endParaRPr lang="ko-KR" altLang="en-US" sz="1600" b="0" u="none" strike="noStrike" cap="none">
+                      <a:endParaRPr lang="ko-KR" altLang="en-US" sz="1600" b="0" i="0" u="none" strike="noStrike" cap="none">
                         <a:solidFill>
-                          <a:srgbClr val="bfbfbf"/>
+                          <a:schemeClr val="tx1"/>
                         </a:solidFill>
                         <a:latin typeface="Calibri"/>
                         <a:ea typeface="Calibri"/>
@@ -16115,9 +16076,9 @@
                         <a:buNone/>
                         <a:defRPr/>
                       </a:pPr>
-                      <a:endParaRPr sz="1600" b="0" u="none" strike="noStrike" cap="none">
+                      <a:endParaRPr sz="1600" b="0" i="0" u="none" strike="noStrike" cap="none">
                         <a:solidFill>
-                          <a:srgbClr val="bfbfbf"/>
+                          <a:schemeClr val="tx1"/>
                         </a:solidFill>
                         <a:latin typeface="Calibri"/>
                         <a:ea typeface="Calibri"/>
@@ -16328,20 +16289,43 @@
                         <a:defRPr/>
                       </a:pPr>
                       <a:r>
-                        <a:rPr lang="en-US" sz="1800" b="1" u="none" strike="noStrike" cap="none">
+                        <a:rPr lang="en-US" sz="1800" b="1" i="0" u="none" strike="noStrike" cap="none">
                           <a:solidFill>
-                            <a:srgbClr val="000000"/>
+                            <a:schemeClr val="tx1"/>
                           </a:solidFill>
                           <a:latin typeface="Arial"/>
                           <a:ea typeface="Arial"/>
                           <a:cs typeface="Arial"/>
                           <a:sym typeface="Arial"/>
                         </a:rPr>
-                        <a:t>성    명</a:t>
+                        <a:t>성   </a:t>
                       </a:r>
-                      <a:endParaRPr sz="1800" b="1" u="none" strike="noStrike" cap="none">
+                      <a:r>
+                        <a:rPr lang="en-US" sz="1800" b="1" i="0" u="none" strike="noStrike" cap="none">
+                          <a:solidFill>
+                            <a:schemeClr val="tx1"/>
+                          </a:solidFill>
+                          <a:latin typeface="Arial"/>
+                          <a:cs typeface="Arial"/>
+                          <a:sym typeface="Arial"/>
+                        </a:rPr>
+                        <a:t> </a:t>
+                      </a:r>
+                      <a:r>
+                        <a:rPr lang="en-US" sz="1800" b="1" i="0" u="none" strike="noStrike" cap="none">
+                          <a:solidFill>
+                            <a:schemeClr val="tx1"/>
+                          </a:solidFill>
+                          <a:latin typeface="Arial"/>
+                          <a:ea typeface="Arial"/>
+                          <a:cs typeface="Arial"/>
+                          <a:sym typeface="Arial"/>
+                        </a:rPr>
+                        <a:t>명</a:t>
+                      </a:r>
+                      <a:endParaRPr sz="1800" b="1" i="0" u="none" strike="noStrike" cap="none">
                         <a:solidFill>
-                          <a:srgbClr val="000000"/>
+                          <a:schemeClr val="tx1"/>
                         </a:solidFill>
                         <a:latin typeface="Arial"/>
                         <a:ea typeface="Arial"/>
@@ -16402,9 +16386,9 @@
                         <a:defRPr/>
                       </a:pPr>
                       <a:r>
-                        <a:rPr lang="ko-KR" altLang="en-US" sz="1800" b="0" u="none" strike="noStrike" cap="none">
+                        <a:rPr lang="ko-KR" altLang="en-US" sz="1800" b="0" i="0" u="none" strike="noStrike" cap="none">
                           <a:solidFill>
-                            <a:srgbClr val="bfbfbf"/>
+                            <a:schemeClr val="tx1"/>
                           </a:solidFill>
                           <a:latin typeface="Arial"/>
                           <a:ea typeface="Arial"/>
@@ -16413,9 +16397,9 @@
                         </a:rPr>
                         <a:t>강지윤</a:t>
                       </a:r>
-                      <a:endParaRPr lang="ko-KR" altLang="en-US" sz="1800" b="0" u="none" strike="noStrike" cap="none">
+                      <a:endParaRPr lang="ko-KR" altLang="en-US" sz="1800" b="0" i="0" u="none" strike="noStrike" cap="none">
                         <a:solidFill>
-                          <a:srgbClr val="bfbfbf"/>
+                          <a:schemeClr val="tx1"/>
                         </a:solidFill>
                         <a:latin typeface="Arial"/>
                         <a:ea typeface="Arial"/>
@@ -16476,9 +16460,9 @@
                         <a:defRPr/>
                       </a:pPr>
                       <a:r>
-                        <a:rPr lang="en-US" sz="1800" b="1" u="none" strike="noStrike" cap="none">
+                        <a:rPr lang="en-US" sz="1800" b="1" i="0" u="none" strike="noStrike" cap="none">
                           <a:solidFill>
-                            <a:srgbClr val="000000"/>
+                            <a:schemeClr val="tx1"/>
                           </a:solidFill>
                           <a:latin typeface="Arial"/>
                           <a:ea typeface="Arial"/>
@@ -16488,9 +16472,9 @@
                         <a:t>생년월일</a:t>
                       </a:r>
                       <a:r>
-                        <a:rPr lang="en-US" sz="1800" b="0" u="none" strike="noStrike" cap="none">
+                        <a:rPr lang="en-US" sz="1800" b="0" i="0" u="none" strike="noStrike" cap="none">
                           <a:solidFill>
-                            <a:srgbClr val="000000"/>
+                            <a:schemeClr val="tx1"/>
                           </a:solidFill>
                           <a:latin typeface="Arial"/>
                           <a:ea typeface="Arial"/>
@@ -16499,9 +16483,9 @@
                         </a:rPr>
                         <a:t> </a:t>
                       </a:r>
-                      <a:endParaRPr sz="1800" b="0" u="none" strike="noStrike" cap="none">
+                      <a:endParaRPr sz="1800" b="0" i="0" u="none" strike="noStrike" cap="none">
                         <a:solidFill>
-                          <a:srgbClr val="000000"/>
+                          <a:schemeClr val="tx1"/>
                         </a:solidFill>
                         <a:latin typeface="Arial"/>
                         <a:ea typeface="Arial"/>
@@ -16567,9 +16551,9 @@
                         <a:defRPr/>
                       </a:pPr>
                       <a:r>
-                        <a:rPr lang="en-US" sz="1800" b="0" u="none" strike="noStrike" cap="none">
+                        <a:rPr lang="en-US" sz="1800" b="0" i="0" u="none" strike="noStrike" cap="none">
                           <a:solidFill>
-                            <a:srgbClr val="bfbfbf"/>
+                            <a:schemeClr val="tx1"/>
                           </a:solidFill>
                           <a:latin typeface="Arial"/>
                           <a:ea typeface="Arial"/>
@@ -16579,9 +16563,9 @@
                         <a:t>199</a:t>
                       </a:r>
                       <a:r>
-                        <a:rPr lang="en-US" altLang="ko-KR" sz="1800" b="0" u="none" strike="noStrike" cap="none">
+                        <a:rPr lang="en-US" altLang="ko-KR" sz="1800" b="0" i="0" u="none" strike="noStrike" cap="none">
                           <a:solidFill>
-                            <a:srgbClr val="bfbfbf"/>
+                            <a:schemeClr val="tx1"/>
                           </a:solidFill>
                           <a:latin typeface="Arial"/>
                           <a:ea typeface="Arial"/>
@@ -16591,9 +16575,9 @@
                         <a:t>6</a:t>
                       </a:r>
                       <a:r>
-                        <a:rPr lang="en-US" sz="1800" b="0" u="none" strike="noStrike" cap="none">
+                        <a:rPr lang="en-US" sz="1800" b="0" i="0" u="none" strike="noStrike" cap="none">
                           <a:solidFill>
-                            <a:srgbClr val="bfbfbf"/>
+                            <a:schemeClr val="tx1"/>
                           </a:solidFill>
                           <a:latin typeface="Arial"/>
                           <a:ea typeface="Arial"/>
@@ -16603,9 +16587,9 @@
                         <a:t>.0</a:t>
                       </a:r>
                       <a:r>
-                        <a:rPr lang="en-US" altLang="ko-KR" sz="1800" b="0" u="none" strike="noStrike" cap="none">
+                        <a:rPr lang="en-US" altLang="ko-KR" sz="1800" b="0" i="0" u="none" strike="noStrike" cap="none">
                           <a:solidFill>
-                            <a:srgbClr val="bfbfbf"/>
+                            <a:schemeClr val="tx1"/>
                           </a:solidFill>
                           <a:latin typeface="Arial"/>
                           <a:ea typeface="Arial"/>
@@ -16615,9 +16599,9 @@
                         <a:t>5</a:t>
                       </a:r>
                       <a:r>
-                        <a:rPr lang="en-US" sz="1800" b="0" u="none" strike="noStrike" cap="none">
+                        <a:rPr lang="en-US" sz="1800" b="0" i="0" u="none" strike="noStrike" cap="none">
                           <a:solidFill>
-                            <a:srgbClr val="bfbfbf"/>
+                            <a:schemeClr val="tx1"/>
                           </a:solidFill>
                           <a:latin typeface="Arial"/>
                           <a:ea typeface="Arial"/>
@@ -16627,9 +16611,9 @@
                         <a:t>.</a:t>
                       </a:r>
                       <a:r>
-                        <a:rPr lang="en-US" altLang="ko-KR" sz="1800" b="0" u="none" strike="noStrike" cap="none">
+                        <a:rPr lang="en-US" altLang="ko-KR" sz="1800" b="0" i="0" u="none" strike="noStrike" cap="none">
                           <a:solidFill>
-                            <a:srgbClr val="bfbfbf"/>
+                            <a:schemeClr val="tx1"/>
                           </a:solidFill>
                           <a:latin typeface="Arial"/>
                           <a:ea typeface="Arial"/>
@@ -16639,9 +16623,9 @@
                         <a:t>22</a:t>
                       </a:r>
                       <a:r>
-                        <a:rPr lang="en-US" sz="1800" b="0" u="none" strike="noStrike" cap="none">
+                        <a:rPr lang="en-US" sz="1800" b="0" i="0" u="none" strike="noStrike" cap="none">
                           <a:solidFill>
-                            <a:srgbClr val="bfbfbf"/>
+                            <a:schemeClr val="tx1"/>
                           </a:solidFill>
                           <a:latin typeface="Arial"/>
                           <a:ea typeface="Arial"/>
@@ -16651,9 +16635,9 @@
                         <a:t> (만 2</a:t>
                       </a:r>
                       <a:r>
-                        <a:rPr lang="en-US" altLang="ko-KR" sz="1800" b="0" u="none" strike="noStrike" cap="none">
+                        <a:rPr lang="en-US" altLang="ko-KR" sz="1800" b="0" i="0" u="none" strike="noStrike" cap="none">
                           <a:solidFill>
-                            <a:srgbClr val="bfbfbf"/>
+                            <a:schemeClr val="tx1"/>
                           </a:solidFill>
                           <a:latin typeface="Arial"/>
                           <a:ea typeface="Arial"/>
@@ -16663,9 +16647,9 @@
                         <a:t>7</a:t>
                       </a:r>
                       <a:r>
-                        <a:rPr lang="en-US" sz="1800" b="0" u="none" strike="noStrike" cap="none">
+                        <a:rPr lang="en-US" sz="1800" b="0" i="0" u="none" strike="noStrike" cap="none">
                           <a:solidFill>
-                            <a:srgbClr val="bfbfbf"/>
+                            <a:schemeClr val="tx1"/>
                           </a:solidFill>
                           <a:latin typeface="Arial"/>
                           <a:ea typeface="Arial"/>
@@ -16674,9 +16658,9 @@
                         </a:rPr>
                         <a:t>세)</a:t>
                       </a:r>
-                      <a:endParaRPr lang="en-US" sz="1800" b="0" u="none" strike="noStrike" cap="none">
+                      <a:endParaRPr lang="en-US" sz="1800" b="0" i="0" u="none" strike="noStrike" cap="none">
                         <a:solidFill>
-                          <a:srgbClr val="bfbfbf"/>
+                          <a:schemeClr val="tx1"/>
                         </a:solidFill>
                         <a:latin typeface="Arial"/>
                         <a:ea typeface="Arial"/>
@@ -16739,9 +16723,9 @@
                         <a:defRPr/>
                       </a:pPr>
                       <a:r>
-                        <a:rPr lang="en-US" sz="1800" b="1" u="none" strike="noStrike" cap="none">
+                        <a:rPr lang="en-US" sz="1800" b="1" i="0" u="none" strike="noStrike" cap="none">
                           <a:solidFill>
-                            <a:srgbClr val="000000"/>
+                            <a:schemeClr val="tx1"/>
                           </a:solidFill>
                           <a:latin typeface="Arial"/>
                           <a:ea typeface="Arial"/>
@@ -16750,9 +16734,9 @@
                         </a:rPr>
                         <a:t>연락처</a:t>
                       </a:r>
-                      <a:endParaRPr sz="1800" b="1" u="none" strike="noStrike" cap="none">
+                      <a:endParaRPr sz="1800" b="1" i="0" u="none" strike="noStrike" cap="none">
                         <a:solidFill>
-                          <a:srgbClr val="000000"/>
+                          <a:schemeClr val="tx1"/>
                         </a:solidFill>
                         <a:latin typeface="Arial"/>
                         <a:ea typeface="Arial"/>
@@ -16818,9 +16802,9 @@
                         <a:defRPr/>
                       </a:pPr>
                       <a:r>
-                        <a:rPr lang="en-US" altLang="ko-KR" sz="1800" b="0" u="none" strike="noStrike" cap="none">
+                        <a:rPr lang="en-US" altLang="ko-KR" sz="1800" b="0" i="0" u="none" strike="noStrike" cap="none">
                           <a:solidFill>
-                            <a:srgbClr val="bfbfbf"/>
+                            <a:schemeClr val="tx1"/>
                           </a:solidFill>
                           <a:latin typeface="Arial"/>
                           <a:ea typeface="Arial"/>
@@ -16830,9 +16814,9 @@
                         <a:t>010</a:t>
                       </a:r>
                       <a:r>
-                        <a:rPr lang="ko-KR" altLang="en-US" sz="1800" b="0" u="none" strike="noStrike" cap="none">
+                        <a:rPr lang="ko-KR" altLang="en-US" sz="1800" b="0" i="0" u="none" strike="noStrike" cap="none">
                           <a:solidFill>
-                            <a:srgbClr val="bfbfbf"/>
+                            <a:schemeClr val="tx1"/>
                           </a:solidFill>
                           <a:latin typeface="Arial"/>
                           <a:ea typeface="Arial"/>
@@ -16842,9 +16826,9 @@
                         <a:t> </a:t>
                       </a:r>
                       <a:r>
-                        <a:rPr lang="en-US" altLang="ko-KR" sz="1800" b="0" u="none" strike="noStrike" cap="none">
+                        <a:rPr lang="en-US" altLang="ko-KR" sz="1800" b="0" i="0" u="none" strike="noStrike" cap="none">
                           <a:solidFill>
-                            <a:srgbClr val="bfbfbf"/>
+                            <a:schemeClr val="tx1"/>
                           </a:solidFill>
                           <a:latin typeface="Arial"/>
                           <a:ea typeface="Arial"/>
@@ -16854,9 +16838,9 @@
                         <a:t>5620</a:t>
                       </a:r>
                       <a:r>
-                        <a:rPr lang="ko-KR" altLang="en-US" sz="1800" b="0" u="none" strike="noStrike" cap="none">
+                        <a:rPr lang="ko-KR" altLang="en-US" sz="1800" b="0" i="0" u="none" strike="noStrike" cap="none">
                           <a:solidFill>
-                            <a:srgbClr val="bfbfbf"/>
+                            <a:schemeClr val="tx1"/>
                           </a:solidFill>
                           <a:latin typeface="Arial"/>
                           <a:ea typeface="Arial"/>
@@ -16866,9 +16850,9 @@
                         <a:t> </a:t>
                       </a:r>
                       <a:r>
-                        <a:rPr lang="en-US" altLang="ko-KR" sz="1800" b="0" u="none" strike="noStrike" cap="none">
+                        <a:rPr lang="en-US" altLang="ko-KR" sz="1800" b="0" i="0" u="none" strike="noStrike" cap="none">
                           <a:solidFill>
-                            <a:srgbClr val="bfbfbf"/>
+                            <a:schemeClr val="tx1"/>
                           </a:solidFill>
                           <a:latin typeface="Arial"/>
                           <a:ea typeface="Arial"/>
@@ -16877,9 +16861,9 @@
                         </a:rPr>
                         <a:t>3021</a:t>
                       </a:r>
-                      <a:endParaRPr lang="en-US" altLang="ko-KR" sz="1800" b="0" u="none" strike="noStrike" cap="none">
+                      <a:endParaRPr lang="en-US" altLang="ko-KR" sz="1800" b="0" i="0" u="none" strike="noStrike" cap="none">
                         <a:solidFill>
-                          <a:srgbClr val="bfbfbf"/>
+                          <a:schemeClr val="tx1"/>
                         </a:solidFill>
                         <a:latin typeface="Arial"/>
                         <a:ea typeface="Arial"/>
@@ -16939,9 +16923,9 @@
                         <a:buNone/>
                         <a:defRPr/>
                       </a:pPr>
-                      <a:endParaRPr lang="en-US" sz="1800" b="1" u="none" strike="noStrike" cap="none">
+                      <a:endParaRPr lang="en-US" sz="1800" b="1" i="0" u="none" strike="noStrike" cap="none">
                         <a:solidFill>
-                          <a:srgbClr val="000000"/>
+                          <a:schemeClr val="tx1"/>
                         </a:solidFill>
                         <a:latin typeface="Arial"/>
                         <a:ea typeface="Arial"/>
@@ -17001,9 +16985,9 @@
                         <a:buNone/>
                         <a:defRPr/>
                       </a:pPr>
-                      <a:endParaRPr lang="en-US" sz="1800" b="0" u="none" strike="noStrike" cap="none">
+                      <a:endParaRPr lang="en-US" sz="1800" b="0" i="0" u="none" strike="noStrike" cap="none">
                         <a:solidFill>
-                          <a:srgbClr val="bfbfbf"/>
+                          <a:schemeClr val="tx1"/>
                         </a:solidFill>
                         <a:latin typeface="Arial"/>
                         <a:ea typeface="Arial"/>
@@ -17066,9 +17050,9 @@
                         <a:defRPr/>
                       </a:pPr>
                       <a:r>
-                        <a:rPr lang="en-US" sz="1800" b="1" u="none" strike="noStrike" cap="none">
+                        <a:rPr lang="en-US" sz="1800" b="1" i="0" u="none" strike="noStrike" cap="none">
                           <a:solidFill>
-                            <a:srgbClr val="000000"/>
+                            <a:schemeClr val="tx1"/>
                           </a:solidFill>
                           <a:latin typeface="Arial"/>
                           <a:ea typeface="Arial"/>
@@ -17077,9 +17061,9 @@
                         </a:rPr>
                         <a:t>E-mail </a:t>
                       </a:r>
-                      <a:endParaRPr sz="1800" b="1" u="none" strike="noStrike" cap="none">
+                      <a:endParaRPr sz="1800" b="1" i="0" u="none" strike="noStrike" cap="none">
                         <a:solidFill>
-                          <a:srgbClr val="000000"/>
+                          <a:schemeClr val="tx1"/>
                         </a:solidFill>
                         <a:latin typeface="Arial"/>
                         <a:ea typeface="Arial"/>
@@ -17140,9 +17124,9 @@
                         <a:defRPr/>
                       </a:pPr>
                       <a:r>
-                        <a:rPr lang="en-US" altLang="ko-KR" sz="1800" b="0" u="none" strike="noStrike" cap="none">
+                        <a:rPr lang="en-US" altLang="ko-KR" sz="1800" b="0" i="0" u="none" strike="noStrike" cap="none">
                           <a:solidFill>
-                            <a:srgbClr val="bfbfbf"/>
+                            <a:schemeClr val="tx1"/>
                           </a:solidFill>
                           <a:latin typeface="Arial"/>
                           <a:ea typeface="Arial"/>
@@ -17151,9 +17135,9 @@
                         </a:rPr>
                         <a:t>looloo404@hanmail.net</a:t>
                       </a:r>
-                      <a:endParaRPr lang="en-US" altLang="ko-KR" sz="1800" b="0" u="none" strike="noStrike" cap="none">
+                      <a:endParaRPr lang="en-US" altLang="ko-KR" sz="1800" b="0" i="0" u="none" strike="noStrike" cap="none">
                         <a:solidFill>
-                          <a:srgbClr val="bfbfbf"/>
+                          <a:schemeClr val="tx1"/>
                         </a:solidFill>
                         <a:latin typeface="Arial"/>
                         <a:ea typeface="Arial"/>
@@ -17213,9 +17197,9 @@
                         <a:buNone/>
                         <a:defRPr/>
                       </a:pPr>
-                      <a:endParaRPr lang="en-US" sz="1800" b="1" u="none" strike="noStrike" cap="none">
+                      <a:endParaRPr lang="en-US" sz="1800" b="1" i="0" u="none" strike="noStrike" cap="none">
                         <a:solidFill>
-                          <a:srgbClr val="000000"/>
+                          <a:schemeClr val="tx1"/>
                         </a:solidFill>
                         <a:latin typeface="Arial"/>
                         <a:ea typeface="Arial"/>
@@ -17275,9 +17259,9 @@
                         <a:buNone/>
                         <a:defRPr/>
                       </a:pPr>
-                      <a:endParaRPr lang="en-US" sz="1800" b="0" u="none" strike="noStrike" cap="none">
+                      <a:endParaRPr lang="en-US" sz="1800" b="0" i="0" u="none" strike="noStrike" cap="none">
                         <a:solidFill>
-                          <a:srgbClr val="bfbfbf"/>
+                          <a:schemeClr val="tx1"/>
                         </a:solidFill>
                         <a:latin typeface="Arial"/>
                         <a:ea typeface="Arial"/>
@@ -17340,9 +17324,9 @@
                         <a:defRPr/>
                       </a:pPr>
                       <a:r>
-                        <a:rPr lang="en-US" sz="1800" b="1" u="none" strike="noStrike" cap="none">
+                        <a:rPr lang="en-US" sz="1800" b="1" i="0" u="none" strike="noStrike" cap="none">
                           <a:solidFill>
-                            <a:srgbClr val="000000"/>
+                            <a:schemeClr val="tx1"/>
                           </a:solidFill>
                           <a:latin typeface="Arial"/>
                           <a:ea typeface="Arial"/>
@@ -17351,9 +17335,9 @@
                         </a:rPr>
                         <a:t>주   소 </a:t>
                       </a:r>
-                      <a:endParaRPr sz="1800" b="1" u="none" strike="noStrike" cap="none">
+                      <a:endParaRPr sz="1800" b="1" i="0" u="none" strike="noStrike" cap="none">
                         <a:solidFill>
-                          <a:srgbClr val="000000"/>
+                          <a:schemeClr val="tx1"/>
                         </a:solidFill>
                         <a:latin typeface="Arial"/>
                         <a:ea typeface="Arial"/>
@@ -17414,9 +17398,9 @@
                         <a:defRPr/>
                       </a:pPr>
                       <a:r>
-                        <a:rPr lang="ko-KR" altLang="en-US" sz="1800" b="0" u="none" strike="noStrike" cap="none">
+                        <a:rPr lang="ko-KR" altLang="en-US" sz="1800" b="0" i="0" u="none" strike="noStrike" cap="none">
                           <a:solidFill>
-                            <a:srgbClr val="bfbfbf"/>
+                            <a:schemeClr val="tx1"/>
                           </a:solidFill>
                           <a:latin typeface="Arial"/>
                           <a:ea typeface="Arial"/>
@@ -17426,9 +17410,9 @@
                         <a:t>부산광역시 동래구 사직북로</a:t>
                       </a:r>
                       <a:r>
-                        <a:rPr lang="en-US" altLang="ko-KR" sz="1800" b="0" u="none" strike="noStrike" cap="none">
+                        <a:rPr lang="en-US" altLang="ko-KR" sz="1800" b="0" i="0" u="none" strike="noStrike" cap="none">
                           <a:solidFill>
-                            <a:srgbClr val="bfbfbf"/>
+                            <a:schemeClr val="tx1"/>
                           </a:solidFill>
                           <a:latin typeface="Arial"/>
                           <a:ea typeface="Arial"/>
@@ -17437,9 +17421,9 @@
                         </a:rPr>
                         <a:t>64</a:t>
                       </a:r>
-                      <a:endParaRPr lang="en-US" altLang="ko-KR" sz="1800" b="0" u="none" strike="noStrike" cap="none">
+                      <a:endParaRPr lang="en-US" altLang="ko-KR" sz="1800" b="0" i="0" u="none" strike="noStrike" cap="none">
                         <a:solidFill>
-                          <a:srgbClr val="bfbfbf"/>
+                          <a:schemeClr val="tx1"/>
                         </a:solidFill>
                         <a:latin typeface="Arial"/>
                         <a:ea typeface="Arial"/>
@@ -17675,7 +17659,7 @@
               <a:defRPr/>
             </a:pPr>
             <a:r>
-              <a:rPr lang="en-US" sz="1800">
+              <a:rPr lang="ko-KR" altLang="en-US" sz="1800">
                 <a:solidFill>
                   <a:srgbClr val="000000"/>
                 </a:solidFill>
@@ -17684,16 +17668,28 @@
                 <a:cs typeface="Arial"/>
                 <a:sym typeface="Arial"/>
               </a:rPr>
-              <a:t>HARD SKILLS</a:t>
+              <a:t>기능 수현 등의 사용 경험이 있는 </a:t>
             </a:r>
-            <a:endParaRPr sz="1800">
+            <a:r>
+              <a:rPr lang="en-US" altLang="ko-KR" sz="1800">
+                <a:solidFill>
+                  <a:srgbClr val="000000"/>
+                </a:solidFill>
+                <a:latin typeface="Arial"/>
+                <a:ea typeface="Arial"/>
+                <a:cs typeface="Arial"/>
+                <a:sym typeface="Arial"/>
+              </a:rPr>
+              <a:t>Skill Set</a:t>
+            </a:r>
+            <a:endParaRPr lang="en-US" altLang="ko-KR" sz="1800">
               <a:solidFill>
-                <a:schemeClr val="dk1"/>
+                <a:srgbClr val="000000"/>
               </a:solidFill>
-              <a:latin typeface="Calibri"/>
-              <a:ea typeface="Calibri"/>
-              <a:cs typeface="Calibri"/>
-              <a:sym typeface="Calibri"/>
+              <a:latin typeface="Arial"/>
+              <a:ea typeface="Arial"/>
+              <a:cs typeface="Arial"/>
+              <a:sym typeface="Arial"/>
             </a:endParaRPr>
           </a:p>
         </p:txBody>
@@ -17870,1714 +17866,6 @@
           </a:p>
         </p:txBody>
       </p:sp>
-      <p:graphicFrame>
-        <p:nvGraphicFramePr>
-          <p:cNvPr id="173" name="Google Shape;173;p4"/>
-          <p:cNvGraphicFramePr/>
-          <p:nvPr/>
-        </p:nvGraphicFramePr>
-        <p:xfrm>
-          <a:off x="1754821" y="3269250"/>
-          <a:ext cx="8460738" cy="2588622"/>
-        </p:xfrm>
-        <a:graphic>
-          <a:graphicData uri="http://schemas.openxmlformats.org/drawingml/2006/table">
-            <a:tbl>
-              <a:tblPr firstRow="1" bandRow="1">
-                <a:noFill/>
-                <a:tableStyleId>{D3C4115B-FD19-4BAA-97ED-DB98730CD1A3}</a:tableStyleId>
-              </a:tblPr>
-              <a:tblGrid>
-                <a:gridCol w="2118024"/>
-                <a:gridCol w="2114238"/>
-                <a:gridCol w="2114238"/>
-                <a:gridCol w="2114238"/>
-              </a:tblGrid>
-              <a:tr h="431437">
-                <a:tc>
-                  <a:txBody>
-                    <a:bodyPr vert="horz" lIns="91450" tIns="45725" rIns="91450" bIns="45725" anchor="ctr" anchorCtr="0"/>
-                    <a:p>
-                      <a:pPr marL="0" marR="0" lvl="0" indent="0" algn="ctr" rtl="0">
-                        <a:spcBef>
-                          <a:spcPts val="0"/>
-                        </a:spcBef>
-                        <a:spcAft>
-                          <a:spcPts val="0"/>
-                        </a:spcAft>
-                        <a:buNone/>
-                        <a:defRPr/>
-                      </a:pPr>
-                      <a:r>
-                        <a:rPr lang="en-US" sz="1600" u="none" strike="noStrike" cap="none">
-                          <a:solidFill>
-                            <a:srgbClr val="000000"/>
-                          </a:solidFill>
-                          <a:latin typeface="Arial"/>
-                          <a:ea typeface="Arial"/>
-                          <a:cs typeface="Arial"/>
-                          <a:sym typeface="Arial"/>
-                        </a:rPr>
-                        <a:t>언어</a:t>
-                      </a:r>
-                      <a:endParaRPr/>
-                    </a:p>
-                  </a:txBody>
-                  <a:tcPr marL="91450" marR="91450" marT="45725" marB="45725" anchor="ctr">
-                    <a:lnL w="9525" cap="flat" cmpd="sng">
-                      <a:solidFill>
-                        <a:srgbClr val="000000">
-                          <a:alpha val="0"/>
-                        </a:srgbClr>
-                      </a:solidFill>
-                      <a:prstDash val="solid"/>
-                      <a:round/>
-                    </a:lnL>
-                    <a:lnR w="9525" cap="flat" cmpd="sng">
-                      <a:solidFill>
-                        <a:srgbClr val="000000">
-                          <a:alpha val="0"/>
-                        </a:srgbClr>
-                      </a:solidFill>
-                      <a:prstDash val="solid"/>
-                      <a:round/>
-                    </a:lnR>
-                    <a:lnT w="12700" cap="flat" cmpd="sng">
-                      <a:solidFill>
-                        <a:srgbClr val="262626"/>
-                      </a:solidFill>
-                      <a:prstDash val="solid"/>
-                      <a:round/>
-                    </a:lnT>
-                    <a:lnB w="12700" cap="flat" cmpd="sng">
-                      <a:solidFill>
-                        <a:srgbClr val="262626"/>
-                      </a:solidFill>
-                      <a:prstDash val="solid"/>
-                      <a:round/>
-                    </a:lnB>
-                    <a:solidFill>
-                      <a:schemeClr val="lt1"/>
-                    </a:solidFill>
-                  </a:tcPr>
-                </a:tc>
-                <a:tc>
-                  <a:txBody>
-                    <a:bodyPr vert="horz" lIns="91450" tIns="45725" rIns="91450" bIns="45725" anchor="ctr" anchorCtr="0"/>
-                    <a:p>
-                      <a:pPr marL="0" marR="0" lvl="0" indent="0" algn="ctr" rtl="0">
-                        <a:lnSpc>
-                          <a:spcPct val="100000"/>
-                        </a:lnSpc>
-                        <a:spcBef>
-                          <a:spcPts val="0"/>
-                        </a:spcBef>
-                        <a:spcAft>
-                          <a:spcPts val="0"/>
-                        </a:spcAft>
-                        <a:buClr>
-                          <a:srgbClr val="000000"/>
-                        </a:buClr>
-                        <a:buSzPct val="25000"/>
-                        <a:buFont typeface="Arial"/>
-                        <a:buNone/>
-                        <a:defRPr/>
-                      </a:pPr>
-                      <a:r>
-                        <a:rPr lang="en-US" sz="1600" u="none" strike="noStrike" cap="none">
-                          <a:solidFill>
-                            <a:srgbClr val="000000"/>
-                          </a:solidFill>
-                          <a:latin typeface="Arial"/>
-                          <a:ea typeface="Arial"/>
-                          <a:cs typeface="Arial"/>
-                          <a:sym typeface="Arial"/>
-                        </a:rPr>
-                        <a:t>숙련도</a:t>
-                      </a:r>
-                      <a:endParaRPr/>
-                    </a:p>
-                  </a:txBody>
-                  <a:tcPr marL="91450" marR="91450" marT="45725" marB="45725" anchor="ctr">
-                    <a:lnL w="9525" cap="flat" cmpd="sng">
-                      <a:solidFill>
-                        <a:srgbClr val="000000">
-                          <a:alpha val="0"/>
-                        </a:srgbClr>
-                      </a:solidFill>
-                      <a:prstDash val="solid"/>
-                      <a:round/>
-                    </a:lnL>
-                    <a:lnR w="12700" cap="flat" cmpd="sng">
-                      <a:solidFill>
-                        <a:schemeClr val="dk1"/>
-                      </a:solidFill>
-                      <a:prstDash val="dot"/>
-                      <a:round/>
-                    </a:lnR>
-                    <a:lnT w="12700" cap="flat" cmpd="sng">
-                      <a:solidFill>
-                        <a:srgbClr val="262626"/>
-                      </a:solidFill>
-                      <a:prstDash val="solid"/>
-                      <a:round/>
-                    </a:lnT>
-                    <a:lnB w="12700" cap="flat" cmpd="sng">
-                      <a:solidFill>
-                        <a:srgbClr val="262626"/>
-                      </a:solidFill>
-                      <a:prstDash val="solid"/>
-                      <a:round/>
-                    </a:lnB>
-                    <a:solidFill>
-                      <a:schemeClr val="lt1"/>
-                    </a:solidFill>
-                  </a:tcPr>
-                </a:tc>
-                <a:tc gridSpan="2">
-                  <a:txBody>
-                    <a:bodyPr vert="horz" lIns="91450" tIns="45725" rIns="91450" bIns="45725" anchor="ctr" anchorCtr="0"/>
-                    <a:p>
-                      <a:pPr marL="0" marR="0" lvl="0" indent="0" algn="ctr" rtl="0">
-                        <a:lnSpc>
-                          <a:spcPct val="100000"/>
-                        </a:lnSpc>
-                        <a:spcBef>
-                          <a:spcPts val="0"/>
-                        </a:spcBef>
-                        <a:spcAft>
-                          <a:spcPts val="0"/>
-                        </a:spcAft>
-                        <a:buClr>
-                          <a:srgbClr val="000000"/>
-                        </a:buClr>
-                        <a:buSzPct val="25000"/>
-                        <a:buFont typeface="Arial"/>
-                        <a:buNone/>
-                        <a:defRPr/>
-                      </a:pPr>
-                      <a:r>
-                        <a:rPr lang="en-US" sz="1600" u="none" strike="noStrike" cap="none">
-                          <a:solidFill>
-                            <a:srgbClr val="000000"/>
-                          </a:solidFill>
-                          <a:latin typeface="Arial"/>
-                          <a:ea typeface="Arial"/>
-                          <a:cs typeface="Arial"/>
-                          <a:sym typeface="Arial"/>
-                        </a:rPr>
-                        <a:t>라이브러리</a:t>
-                      </a:r>
-                      <a:endParaRPr/>
-                    </a:p>
-                  </a:txBody>
-                  <a:tcPr marL="91450" marR="91450" marT="45725" marB="45725" anchor="ctr">
-                    <a:lnL w="12700" cap="flat" cmpd="sng">
-                      <a:solidFill>
-                        <a:schemeClr val="dk1"/>
-                      </a:solidFill>
-                      <a:prstDash val="dot"/>
-                      <a:round/>
-                    </a:lnL>
-                    <a:lnR w="9525" cap="flat" cmpd="sng">
-                      <a:solidFill>
-                        <a:srgbClr val="000000">
-                          <a:alpha val="0"/>
-                        </a:srgbClr>
-                      </a:solidFill>
-                      <a:prstDash val="solid"/>
-                      <a:round/>
-                    </a:lnR>
-                    <a:lnT w="12700" cap="flat" cmpd="sng">
-                      <a:solidFill>
-                        <a:srgbClr val="262626"/>
-                      </a:solidFill>
-                      <a:prstDash val="solid"/>
-                      <a:round/>
-                    </a:lnT>
-                    <a:lnB w="12700" cap="flat" cmpd="sng">
-                      <a:solidFill>
-                        <a:srgbClr val="262626"/>
-                      </a:solidFill>
-                      <a:prstDash val="solid"/>
-                      <a:round/>
-                    </a:lnB>
-                    <a:solidFill>
-                      <a:schemeClr val="lt1"/>
-                    </a:solidFill>
-                  </a:tcPr>
-                </a:tc>
-                <a:tc hMerge="1">
-                  <a:txBody>
-                    <a:bodyPr/>
-                    <a:p>
-                      <a:pPr lvl="0">
-                        <a:defRPr/>
-                      </a:pPr>
-                      <a:endParaRPr lang="ko-KR"/>
-                    </a:p>
-                  </a:txBody>
-                  <a:tcPr marL="91440" marR="91440"/>
-                </a:tc>
-              </a:tr>
-              <a:tr h="431437">
-                <a:tc>
-                  <a:txBody>
-                    <a:bodyPr vert="horz" lIns="91450" tIns="45725" rIns="91450" bIns="45725" anchor="ctr" anchorCtr="0"/>
-                    <a:p>
-                      <a:pPr marL="0" marR="0" lvl="0" indent="0" algn="ctr" rtl="0">
-                        <a:spcBef>
-                          <a:spcPts val="0"/>
-                        </a:spcBef>
-                        <a:spcAft>
-                          <a:spcPts val="0"/>
-                        </a:spcAft>
-                        <a:buNone/>
-                        <a:defRPr/>
-                      </a:pPr>
-                      <a:r>
-                        <a:rPr lang="en-US" sz="1600" u="none" strike="noStrike" cap="none">
-                          <a:solidFill>
-                            <a:srgbClr val="000000"/>
-                          </a:solidFill>
-                          <a:latin typeface="Arial"/>
-                          <a:ea typeface="Arial"/>
-                          <a:cs typeface="Arial"/>
-                          <a:sym typeface="Arial"/>
-                        </a:rPr>
-                        <a:t>Python</a:t>
-                      </a:r>
-                      <a:endParaRPr sz="1600" u="none" strike="noStrike" cap="none">
-                        <a:solidFill>
-                          <a:srgbClr val="000000"/>
-                        </a:solidFill>
-                        <a:latin typeface="Arial"/>
-                        <a:ea typeface="Arial"/>
-                        <a:cs typeface="Arial"/>
-                        <a:sym typeface="Arial"/>
-                      </a:endParaRPr>
-                    </a:p>
-                  </a:txBody>
-                  <a:tcPr marL="91450" marR="91450" marT="45725" marB="45725" anchor="ctr">
-                    <a:lnL w="9525" cap="flat" cmpd="sng">
-                      <a:solidFill>
-                        <a:srgbClr val="000000">
-                          <a:alpha val="0"/>
-                        </a:srgbClr>
-                      </a:solidFill>
-                      <a:prstDash val="solid"/>
-                      <a:round/>
-                    </a:lnL>
-                    <a:lnR w="9525" cap="flat" cmpd="sng">
-                      <a:solidFill>
-                        <a:srgbClr val="000000">
-                          <a:alpha val="0"/>
-                        </a:srgbClr>
-                      </a:solidFill>
-                      <a:prstDash val="solid"/>
-                      <a:round/>
-                    </a:lnR>
-                    <a:lnT w="12700" cap="flat" cmpd="sng">
-                      <a:solidFill>
-                        <a:srgbClr val="262626"/>
-                      </a:solidFill>
-                      <a:prstDash val="solid"/>
-                      <a:round/>
-                    </a:lnT>
-                    <a:lnB w="9525" cap="flat" cmpd="sng">
-                      <a:solidFill>
-                        <a:srgbClr val="a5a5a5"/>
-                      </a:solidFill>
-                      <a:prstDash val="solid"/>
-                      <a:round/>
-                    </a:lnB>
-                    <a:solidFill>
-                      <a:schemeClr val="lt1"/>
-                    </a:solidFill>
-                  </a:tcPr>
-                </a:tc>
-                <a:tc>
-                  <a:txBody>
-                    <a:bodyPr vert="horz" lIns="91450" tIns="45725" rIns="91450" bIns="45725" anchor="ctr" anchorCtr="0"/>
-                    <a:p>
-                      <a:pPr marL="0" marR="0" lvl="0" indent="0" algn="ctr" rtl="0">
-                        <a:spcBef>
-                          <a:spcPts val="0"/>
-                        </a:spcBef>
-                        <a:spcAft>
-                          <a:spcPts val="0"/>
-                        </a:spcAft>
-                        <a:buNone/>
-                        <a:defRPr/>
-                      </a:pPr>
-                      <a:r>
-                        <a:rPr lang="en-US" sz="1600" u="none" strike="noStrike" cap="none">
-                          <a:solidFill>
-                            <a:srgbClr val="000000"/>
-                          </a:solidFill>
-                          <a:latin typeface="Arial"/>
-                          <a:ea typeface="Arial"/>
-                          <a:cs typeface="Arial"/>
-                          <a:sym typeface="Arial"/>
-                        </a:rPr>
-                        <a:t>●●○○○</a:t>
-                      </a:r>
-                      <a:endParaRPr lang="en-US" sz="1600" u="none" strike="noStrike" cap="none">
-                        <a:solidFill>
-                          <a:srgbClr val="000000"/>
-                        </a:solidFill>
-                        <a:latin typeface="Arial"/>
-                        <a:ea typeface="Arial"/>
-                        <a:cs typeface="Arial"/>
-                        <a:sym typeface="Arial"/>
-                      </a:endParaRPr>
-                    </a:p>
-                  </a:txBody>
-                  <a:tcPr marL="91450" marR="91450" marT="45725" marB="45725" anchor="ctr">
-                    <a:lnL w="9525" cap="flat" cmpd="sng">
-                      <a:solidFill>
-                        <a:srgbClr val="000000">
-                          <a:alpha val="0"/>
-                        </a:srgbClr>
-                      </a:solidFill>
-                      <a:prstDash val="solid"/>
-                      <a:round/>
-                    </a:lnL>
-                    <a:lnR w="12700" cap="flat" cmpd="sng">
-                      <a:solidFill>
-                        <a:schemeClr val="dk1"/>
-                      </a:solidFill>
-                      <a:prstDash val="dot"/>
-                      <a:round/>
-                    </a:lnR>
-                    <a:lnT w="12700" cap="flat" cmpd="sng">
-                      <a:solidFill>
-                        <a:srgbClr val="262626"/>
-                      </a:solidFill>
-                      <a:prstDash val="solid"/>
-                      <a:round/>
-                    </a:lnT>
-                    <a:lnB w="9525" cap="flat" cmpd="sng">
-                      <a:solidFill>
-                        <a:srgbClr val="a5a5a5"/>
-                      </a:solidFill>
-                      <a:prstDash val="solid"/>
-                      <a:round/>
-                    </a:lnB>
-                    <a:solidFill>
-                      <a:schemeClr val="lt1"/>
-                    </a:solidFill>
-                  </a:tcPr>
-                </a:tc>
-                <a:tc>
-                  <a:txBody>
-                    <a:bodyPr vert="horz" lIns="91450" tIns="45725" rIns="91450" bIns="45725" anchor="ctr" anchorCtr="0"/>
-                    <a:p>
-                      <a:pPr marL="0" marR="0" lvl="0" indent="0" algn="ctr" rtl="0">
-                        <a:spcBef>
-                          <a:spcPts val="0"/>
-                        </a:spcBef>
-                        <a:spcAft>
-                          <a:spcPts val="0"/>
-                        </a:spcAft>
-                        <a:buNone/>
-                        <a:defRPr/>
-                      </a:pPr>
-                      <a:r>
-                        <a:rPr lang="en-US" sz="1600" u="none" strike="noStrike" cap="none">
-                          <a:solidFill>
-                            <a:srgbClr val="000000"/>
-                          </a:solidFill>
-                          <a:latin typeface="Arial"/>
-                          <a:ea typeface="Arial"/>
-                          <a:cs typeface="Arial"/>
-                          <a:sym typeface="Arial"/>
-                        </a:rPr>
-                        <a:t>Pandas</a:t>
-                      </a:r>
-                      <a:endParaRPr sz="1600" u="none" strike="noStrike" cap="none">
-                        <a:solidFill>
-                          <a:srgbClr val="000000"/>
-                        </a:solidFill>
-                        <a:latin typeface="Arial"/>
-                        <a:ea typeface="Arial"/>
-                        <a:cs typeface="Arial"/>
-                        <a:sym typeface="Arial"/>
-                      </a:endParaRPr>
-                    </a:p>
-                  </a:txBody>
-                  <a:tcPr marL="91450" marR="91450" marT="45725" marB="45725" anchor="ctr">
-                    <a:lnL w="12700" cap="flat" cmpd="sng">
-                      <a:solidFill>
-                        <a:schemeClr val="dk1"/>
-                      </a:solidFill>
-                      <a:prstDash val="dot"/>
-                      <a:round/>
-                    </a:lnL>
-                    <a:lnR w="9525" cap="flat" cmpd="sng">
-                      <a:solidFill>
-                        <a:srgbClr val="000000">
-                          <a:alpha val="0"/>
-                        </a:srgbClr>
-                      </a:solidFill>
-                      <a:prstDash val="solid"/>
-                      <a:round/>
-                    </a:lnR>
-                    <a:lnT w="12700" cap="flat" cmpd="sng">
-                      <a:solidFill>
-                        <a:srgbClr val="262626"/>
-                      </a:solidFill>
-                      <a:prstDash val="solid"/>
-                      <a:round/>
-                    </a:lnT>
-                    <a:lnB w="9525" cap="flat" cmpd="sng">
-                      <a:solidFill>
-                        <a:srgbClr val="a5a5a5"/>
-                      </a:solidFill>
-                      <a:prstDash val="solid"/>
-                      <a:round/>
-                    </a:lnB>
-                    <a:solidFill>
-                      <a:schemeClr val="lt1"/>
-                    </a:solidFill>
-                  </a:tcPr>
-                </a:tc>
-                <a:tc>
-                  <a:txBody>
-                    <a:bodyPr vert="horz" lIns="91450" tIns="45725" rIns="91450" bIns="45725" anchor="ctr" anchorCtr="0"/>
-                    <a:p>
-                      <a:pPr marL="0" marR="0" lvl="0" indent="0" algn="ctr" rtl="0">
-                        <a:spcBef>
-                          <a:spcPts val="0"/>
-                        </a:spcBef>
-                        <a:spcAft>
-                          <a:spcPts val="0"/>
-                        </a:spcAft>
-                        <a:buNone/>
-                        <a:defRPr/>
-                      </a:pPr>
-                      <a:r>
-                        <a:rPr lang="en-US" sz="1600" u="none" strike="noStrike" cap="none">
-                          <a:solidFill>
-                            <a:srgbClr val="000000"/>
-                          </a:solidFill>
-                          <a:latin typeface="Arial"/>
-                          <a:ea typeface="Arial"/>
-                          <a:cs typeface="Arial"/>
-                          <a:sym typeface="Arial"/>
-                        </a:rPr>
-                        <a:t>Matplotlib</a:t>
-                      </a:r>
-                      <a:endParaRPr sz="1600" u="none" strike="noStrike" cap="none">
-                        <a:solidFill>
-                          <a:srgbClr val="000000"/>
-                        </a:solidFill>
-                        <a:latin typeface="Arial"/>
-                        <a:ea typeface="Arial"/>
-                        <a:cs typeface="Arial"/>
-                        <a:sym typeface="Arial"/>
-                      </a:endParaRPr>
-                    </a:p>
-                  </a:txBody>
-                  <a:tcPr marL="91450" marR="91450" marT="45725" marB="45725" anchor="ctr">
-                    <a:lnL w="9525" cap="flat" cmpd="sng">
-                      <a:solidFill>
-                        <a:srgbClr val="000000">
-                          <a:alpha val="0"/>
-                        </a:srgbClr>
-                      </a:solidFill>
-                      <a:prstDash val="solid"/>
-                      <a:round/>
-                    </a:lnL>
-                    <a:lnR w="9525" cap="flat" cmpd="sng">
-                      <a:solidFill>
-                        <a:srgbClr val="000000">
-                          <a:alpha val="0"/>
-                        </a:srgbClr>
-                      </a:solidFill>
-                      <a:prstDash val="solid"/>
-                      <a:round/>
-                    </a:lnR>
-                    <a:lnT w="12700" cap="flat" cmpd="sng">
-                      <a:solidFill>
-                        <a:srgbClr val="262626"/>
-                      </a:solidFill>
-                      <a:prstDash val="solid"/>
-                      <a:round/>
-                    </a:lnT>
-                    <a:lnB w="9525" cap="flat" cmpd="sng">
-                      <a:solidFill>
-                        <a:srgbClr val="a5a5a5"/>
-                      </a:solidFill>
-                      <a:prstDash val="solid"/>
-                      <a:round/>
-                    </a:lnB>
-                    <a:solidFill>
-                      <a:schemeClr val="lt1"/>
-                    </a:solidFill>
-                  </a:tcPr>
-                </a:tc>
-              </a:tr>
-              <a:tr h="431437">
-                <a:tc>
-                  <a:txBody>
-                    <a:bodyPr vert="horz" lIns="91450" tIns="45725" rIns="91450" bIns="45725" anchor="ctr" anchorCtr="0"/>
-                    <a:p>
-                      <a:pPr marL="0" marR="0" lvl="0" indent="0" algn="ctr" rtl="0">
-                        <a:spcBef>
-                          <a:spcPts val="0"/>
-                        </a:spcBef>
-                        <a:spcAft>
-                          <a:spcPts val="0"/>
-                        </a:spcAft>
-                        <a:buNone/>
-                        <a:defRPr/>
-                      </a:pPr>
-                      <a:r>
-                        <a:rPr lang="en-US" sz="1600" u="none" strike="noStrike" cap="none">
-                          <a:solidFill>
-                            <a:srgbClr val="000000"/>
-                          </a:solidFill>
-                          <a:latin typeface="Arial"/>
-                          <a:ea typeface="Arial"/>
-                          <a:cs typeface="Arial"/>
-                          <a:sym typeface="Arial"/>
-                        </a:rPr>
-                        <a:t>SQL</a:t>
-                      </a:r>
-                      <a:endParaRPr sz="1600" u="none" strike="noStrike" cap="none">
-                        <a:solidFill>
-                          <a:srgbClr val="000000"/>
-                        </a:solidFill>
-                        <a:latin typeface="Arial"/>
-                        <a:ea typeface="Arial"/>
-                        <a:cs typeface="Arial"/>
-                        <a:sym typeface="Arial"/>
-                      </a:endParaRPr>
-                    </a:p>
-                  </a:txBody>
-                  <a:tcPr marL="91450" marR="91450" marT="45725" marB="45725" anchor="ctr">
-                    <a:lnL w="9525" cap="flat" cmpd="sng">
-                      <a:solidFill>
-                        <a:srgbClr val="000000">
-                          <a:alpha val="0"/>
-                        </a:srgbClr>
-                      </a:solidFill>
-                      <a:prstDash val="solid"/>
-                      <a:round/>
-                    </a:lnL>
-                    <a:lnR w="9525" cap="flat" cmpd="sng">
-                      <a:solidFill>
-                        <a:srgbClr val="000000">
-                          <a:alpha val="0"/>
-                        </a:srgbClr>
-                      </a:solidFill>
-                      <a:prstDash val="solid"/>
-                      <a:round/>
-                    </a:lnR>
-                    <a:lnT w="9525" cap="flat" cmpd="sng">
-                      <a:solidFill>
-                        <a:srgbClr val="a5a5a5"/>
-                      </a:solidFill>
-                      <a:prstDash val="solid"/>
-                      <a:round/>
-                    </a:lnT>
-                    <a:lnB w="9525" cap="flat" cmpd="sng">
-                      <a:solidFill>
-                        <a:srgbClr val="a5a5a5"/>
-                      </a:solidFill>
-                      <a:prstDash val="solid"/>
-                      <a:round/>
-                    </a:lnB>
-                    <a:solidFill>
-                      <a:schemeClr val="lt1"/>
-                    </a:solidFill>
-                  </a:tcPr>
-                </a:tc>
-                <a:tc>
-                  <a:txBody>
-                    <a:bodyPr vert="horz" lIns="91450" tIns="45725" rIns="91450" bIns="45725" anchor="ctr" anchorCtr="0"/>
-                    <a:p>
-                      <a:pPr marL="0" marR="0" lvl="0" indent="0" algn="ctr" rtl="0">
-                        <a:spcBef>
-                          <a:spcPts val="0"/>
-                        </a:spcBef>
-                        <a:spcAft>
-                          <a:spcPts val="0"/>
-                        </a:spcAft>
-                        <a:buNone/>
-                        <a:defRPr/>
-                      </a:pPr>
-                      <a:r>
-                        <a:rPr lang="en-US" sz="1600" u="none" strike="noStrike" cap="none">
-                          <a:solidFill>
-                            <a:srgbClr val="000000"/>
-                          </a:solidFill>
-                          <a:latin typeface="Arial"/>
-                          <a:ea typeface="Arial"/>
-                          <a:cs typeface="Arial"/>
-                          <a:sym typeface="Arial"/>
-                        </a:rPr>
-                        <a:t>●●○○○</a:t>
-                      </a:r>
-                      <a:endParaRPr lang="en-US" sz="1600" u="none" strike="noStrike" cap="none">
-                        <a:solidFill>
-                          <a:srgbClr val="000000"/>
-                        </a:solidFill>
-                        <a:latin typeface="Arial"/>
-                        <a:ea typeface="Arial"/>
-                        <a:cs typeface="Arial"/>
-                        <a:sym typeface="Arial"/>
-                      </a:endParaRPr>
-                    </a:p>
-                  </a:txBody>
-                  <a:tcPr marL="91450" marR="91450" marT="45725" marB="45725" anchor="ctr">
-                    <a:lnL w="9525" cap="flat" cmpd="sng">
-                      <a:solidFill>
-                        <a:srgbClr val="000000">
-                          <a:alpha val="0"/>
-                        </a:srgbClr>
-                      </a:solidFill>
-                      <a:prstDash val="solid"/>
-                      <a:round/>
-                    </a:lnL>
-                    <a:lnR w="12700" cap="flat" cmpd="sng">
-                      <a:solidFill>
-                        <a:schemeClr val="dk1"/>
-                      </a:solidFill>
-                      <a:prstDash val="dot"/>
-                      <a:round/>
-                    </a:lnR>
-                    <a:lnT w="9525" cap="flat" cmpd="sng">
-                      <a:solidFill>
-                        <a:srgbClr val="a5a5a5"/>
-                      </a:solidFill>
-                      <a:prstDash val="solid"/>
-                      <a:round/>
-                    </a:lnT>
-                    <a:lnB w="9525" cap="flat" cmpd="sng">
-                      <a:solidFill>
-                        <a:srgbClr val="a5a5a5"/>
-                      </a:solidFill>
-                      <a:prstDash val="solid"/>
-                      <a:round/>
-                    </a:lnB>
-                    <a:solidFill>
-                      <a:schemeClr val="lt1"/>
-                    </a:solidFill>
-                  </a:tcPr>
-                </a:tc>
-                <a:tc>
-                  <a:txBody>
-                    <a:bodyPr vert="horz" lIns="91450" tIns="45725" rIns="91450" bIns="45725" anchor="ctr" anchorCtr="0"/>
-                    <a:p>
-                      <a:pPr marL="0" marR="0" lvl="0" indent="0" algn="ctr" rtl="0">
-                        <a:spcBef>
-                          <a:spcPts val="0"/>
-                        </a:spcBef>
-                        <a:spcAft>
-                          <a:spcPts val="0"/>
-                        </a:spcAft>
-                        <a:buNone/>
-                        <a:defRPr/>
-                      </a:pPr>
-                      <a:r>
-                        <a:rPr lang="en-US" sz="1600" u="none" strike="noStrike" cap="none">
-                          <a:solidFill>
-                            <a:srgbClr val="000000"/>
-                          </a:solidFill>
-                          <a:latin typeface="Arial"/>
-                          <a:ea typeface="Arial"/>
-                          <a:cs typeface="Arial"/>
-                          <a:sym typeface="Arial"/>
-                        </a:rPr>
-                        <a:t>Numpy</a:t>
-                      </a:r>
-                      <a:endParaRPr sz="1600" u="none" strike="noStrike" cap="none">
-                        <a:solidFill>
-                          <a:srgbClr val="000000"/>
-                        </a:solidFill>
-                        <a:latin typeface="Arial"/>
-                        <a:ea typeface="Arial"/>
-                        <a:cs typeface="Arial"/>
-                        <a:sym typeface="Arial"/>
-                      </a:endParaRPr>
-                    </a:p>
-                  </a:txBody>
-                  <a:tcPr marL="91450" marR="91450" marT="45725" marB="45725" anchor="ctr">
-                    <a:lnL w="12700" cap="flat" cmpd="sng">
-                      <a:solidFill>
-                        <a:schemeClr val="dk1"/>
-                      </a:solidFill>
-                      <a:prstDash val="dot"/>
-                      <a:round/>
-                    </a:lnL>
-                    <a:lnR w="9525" cap="flat" cmpd="sng">
-                      <a:solidFill>
-                        <a:srgbClr val="000000">
-                          <a:alpha val="0"/>
-                        </a:srgbClr>
-                      </a:solidFill>
-                      <a:prstDash val="solid"/>
-                      <a:round/>
-                    </a:lnR>
-                    <a:lnT w="9525" cap="flat" cmpd="sng">
-                      <a:solidFill>
-                        <a:srgbClr val="a5a5a5"/>
-                      </a:solidFill>
-                      <a:prstDash val="solid"/>
-                      <a:round/>
-                    </a:lnT>
-                    <a:lnB w="9525" cap="flat" cmpd="sng">
-                      <a:solidFill>
-                        <a:srgbClr val="a5a5a5"/>
-                      </a:solidFill>
-                      <a:prstDash val="solid"/>
-                      <a:round/>
-                    </a:lnB>
-                    <a:solidFill>
-                      <a:schemeClr val="lt1"/>
-                    </a:solidFill>
-                  </a:tcPr>
-                </a:tc>
-                <a:tc>
-                  <a:txBody>
-                    <a:bodyPr vert="horz" lIns="91450" tIns="45725" rIns="91450" bIns="45725" anchor="ctr" anchorCtr="0"/>
-                    <a:p>
-                      <a:pPr marL="0" marR="0" lvl="0" indent="0" algn="ctr" rtl="0">
-                        <a:spcBef>
-                          <a:spcPts val="0"/>
-                        </a:spcBef>
-                        <a:spcAft>
-                          <a:spcPts val="0"/>
-                        </a:spcAft>
-                        <a:buNone/>
-                        <a:defRPr/>
-                      </a:pPr>
-                      <a:r>
-                        <a:rPr lang="en-US" altLang="ko-KR" sz="1600" u="none" strike="noStrike" cap="none">
-                          <a:solidFill>
-                            <a:srgbClr val="000000"/>
-                          </a:solidFill>
-                          <a:latin typeface="Arial"/>
-                          <a:ea typeface="Arial"/>
-                          <a:cs typeface="Arial"/>
-                          <a:sym typeface="Arial"/>
-                        </a:rPr>
-                        <a:t>opencv</a:t>
-                      </a:r>
-                      <a:endParaRPr lang="en-US" altLang="ko-KR" sz="1600" u="none" strike="noStrike" cap="none">
-                        <a:solidFill>
-                          <a:srgbClr val="000000"/>
-                        </a:solidFill>
-                        <a:latin typeface="Arial"/>
-                        <a:ea typeface="Arial"/>
-                        <a:cs typeface="Arial"/>
-                        <a:sym typeface="Arial"/>
-                      </a:endParaRPr>
-                    </a:p>
-                  </a:txBody>
-                  <a:tcPr marL="91450" marR="91450" marT="45725" marB="45725" anchor="ctr">
-                    <a:lnL w="9525" cap="flat" cmpd="sng">
-                      <a:solidFill>
-                        <a:srgbClr val="000000">
-                          <a:alpha val="0"/>
-                        </a:srgbClr>
-                      </a:solidFill>
-                      <a:prstDash val="solid"/>
-                      <a:round/>
-                    </a:lnL>
-                    <a:lnR w="9525" cap="flat" cmpd="sng">
-                      <a:solidFill>
-                        <a:srgbClr val="000000">
-                          <a:alpha val="0"/>
-                        </a:srgbClr>
-                      </a:solidFill>
-                      <a:prstDash val="solid"/>
-                      <a:round/>
-                    </a:lnR>
-                    <a:lnT w="9525" cap="flat" cmpd="sng">
-                      <a:solidFill>
-                        <a:srgbClr val="a5a5a5"/>
-                      </a:solidFill>
-                      <a:prstDash val="solid"/>
-                      <a:round/>
-                    </a:lnT>
-                    <a:lnB w="9525" cap="flat" cmpd="sng">
-                      <a:solidFill>
-                        <a:srgbClr val="a5a5a5"/>
-                      </a:solidFill>
-                      <a:prstDash val="solid"/>
-                      <a:round/>
-                    </a:lnB>
-                    <a:solidFill>
-                      <a:schemeClr val="lt1"/>
-                    </a:solidFill>
-                  </a:tcPr>
-                </a:tc>
-              </a:tr>
-              <a:tr h="431437">
-                <a:tc>
-                  <a:txBody>
-                    <a:bodyPr vert="horz" lIns="91450" tIns="45725" rIns="91450" bIns="45725" anchor="ctr" anchorCtr="0"/>
-                    <a:p>
-                      <a:pPr marL="0" marR="0" lvl="0" indent="0" algn="ctr" rtl="0">
-                        <a:spcBef>
-                          <a:spcPts val="0"/>
-                        </a:spcBef>
-                        <a:spcAft>
-                          <a:spcPts val="0"/>
-                        </a:spcAft>
-                        <a:buNone/>
-                        <a:defRPr/>
-                      </a:pPr>
-                      <a:r>
-                        <a:rPr lang="en-US" altLang="ko-KR" sz="1600" u="none" strike="noStrike" cap="none">
-                          <a:solidFill>
-                            <a:srgbClr val="000000"/>
-                          </a:solidFill>
-                          <a:latin typeface="Arial"/>
-                          <a:ea typeface="Arial"/>
-                          <a:cs typeface="Arial"/>
-                          <a:sym typeface="Arial"/>
-                        </a:rPr>
-                        <a:t>C++</a:t>
-                      </a:r>
-                      <a:endParaRPr lang="en-US" altLang="ko-KR" sz="1600" u="none" strike="noStrike" cap="none">
-                        <a:solidFill>
-                          <a:srgbClr val="000000"/>
-                        </a:solidFill>
-                        <a:latin typeface="Arial"/>
-                        <a:ea typeface="Arial"/>
-                        <a:cs typeface="Arial"/>
-                        <a:sym typeface="Arial"/>
-                      </a:endParaRPr>
-                    </a:p>
-                  </a:txBody>
-                  <a:tcPr marL="91450" marR="91450" marT="45725" marB="45725" anchor="ctr">
-                    <a:lnL w="9525" cap="flat" cmpd="sng">
-                      <a:solidFill>
-                        <a:srgbClr val="000000">
-                          <a:alpha val="0"/>
-                        </a:srgbClr>
-                      </a:solidFill>
-                      <a:prstDash val="solid"/>
-                      <a:round/>
-                    </a:lnL>
-                    <a:lnR w="9525" cap="flat" cmpd="sng">
-                      <a:solidFill>
-                        <a:srgbClr val="000000">
-                          <a:alpha val="0"/>
-                        </a:srgbClr>
-                      </a:solidFill>
-                      <a:prstDash val="solid"/>
-                      <a:round/>
-                    </a:lnR>
-                    <a:lnT w="9525" cap="flat" cmpd="sng">
-                      <a:solidFill>
-                        <a:srgbClr val="a5a5a5"/>
-                      </a:solidFill>
-                      <a:prstDash val="solid"/>
-                      <a:round/>
-                    </a:lnT>
-                    <a:lnB w="9525" cap="flat" cmpd="sng">
-                      <a:solidFill>
-                        <a:srgbClr val="a5a5a5"/>
-                      </a:solidFill>
-                      <a:prstDash val="solid"/>
-                      <a:round/>
-                    </a:lnB>
-                    <a:solidFill>
-                      <a:schemeClr val="lt1"/>
-                    </a:solidFill>
-                  </a:tcPr>
-                </a:tc>
-                <a:tc>
-                  <a:txBody>
-                    <a:bodyPr vert="horz" lIns="91450" tIns="45725" rIns="91450" bIns="45725" anchor="ctr" anchorCtr="0"/>
-                    <a:p>
-                      <a:pPr marL="0" marR="0" lvl="0" indent="0" algn="ctr" rtl="0">
-                        <a:spcBef>
-                          <a:spcPts val="0"/>
-                        </a:spcBef>
-                        <a:spcAft>
-                          <a:spcPts val="0"/>
-                        </a:spcAft>
-                        <a:buNone/>
-                        <a:defRPr/>
-                      </a:pPr>
-                      <a:r>
-                        <a:rPr lang="en-US" sz="1600" u="none" strike="noStrike" cap="none">
-                          <a:solidFill>
-                            <a:srgbClr val="000000"/>
-                          </a:solidFill>
-                          <a:latin typeface="Arial"/>
-                          <a:ea typeface="Arial"/>
-                          <a:cs typeface="Arial"/>
-                          <a:sym typeface="Arial"/>
-                        </a:rPr>
-                        <a:t>●○○○○</a:t>
-                      </a:r>
-                      <a:endParaRPr lang="en-US" sz="1600" u="none" strike="noStrike" cap="none">
-                        <a:solidFill>
-                          <a:srgbClr val="000000"/>
-                        </a:solidFill>
-                        <a:latin typeface="Arial"/>
-                        <a:ea typeface="Arial"/>
-                        <a:cs typeface="Arial"/>
-                        <a:sym typeface="Arial"/>
-                      </a:endParaRPr>
-                    </a:p>
-                  </a:txBody>
-                  <a:tcPr marL="91450" marR="91450" marT="45725" marB="45725" anchor="ctr">
-                    <a:lnL w="9525" cap="flat" cmpd="sng">
-                      <a:solidFill>
-                        <a:srgbClr val="000000">
-                          <a:alpha val="0"/>
-                        </a:srgbClr>
-                      </a:solidFill>
-                      <a:prstDash val="solid"/>
-                      <a:round/>
-                    </a:lnL>
-                    <a:lnR w="12700" cap="flat" cmpd="sng">
-                      <a:solidFill>
-                        <a:schemeClr val="dk1"/>
-                      </a:solidFill>
-                      <a:prstDash val="dot"/>
-                      <a:round/>
-                    </a:lnR>
-                    <a:lnT w="9525" cap="flat" cmpd="sng">
-                      <a:solidFill>
-                        <a:srgbClr val="a5a5a5"/>
-                      </a:solidFill>
-                      <a:prstDash val="solid"/>
-                      <a:round/>
-                    </a:lnT>
-                    <a:lnB w="9525" cap="flat" cmpd="sng">
-                      <a:solidFill>
-                        <a:srgbClr val="a5a5a5"/>
-                      </a:solidFill>
-                      <a:prstDash val="solid"/>
-                      <a:round/>
-                    </a:lnB>
-                    <a:solidFill>
-                      <a:schemeClr val="lt1"/>
-                    </a:solidFill>
-                  </a:tcPr>
-                </a:tc>
-                <a:tc>
-                  <a:txBody>
-                    <a:bodyPr vert="horz" lIns="91450" tIns="45725" rIns="91450" bIns="45725" anchor="ctr" anchorCtr="0"/>
-                    <a:p>
-                      <a:pPr marL="0" marR="0" lvl="0" indent="0" algn="ctr" rtl="0">
-                        <a:spcBef>
-                          <a:spcPts val="0"/>
-                        </a:spcBef>
-                        <a:spcAft>
-                          <a:spcPts val="0"/>
-                        </a:spcAft>
-                        <a:buNone/>
-                        <a:defRPr/>
-                      </a:pPr>
-                      <a:r>
-                        <a:rPr lang="en-US" sz="1600" u="none" strike="noStrike" cap="none">
-                          <a:solidFill>
-                            <a:srgbClr val="000000"/>
-                          </a:solidFill>
-                          <a:latin typeface="Arial"/>
-                          <a:ea typeface="Arial"/>
-                          <a:cs typeface="Arial"/>
-                          <a:sym typeface="Arial"/>
-                        </a:rPr>
-                        <a:t>TensorFlow</a:t>
-                      </a:r>
-                      <a:endParaRPr sz="1600" u="none" strike="noStrike" cap="none">
-                        <a:solidFill>
-                          <a:srgbClr val="000000"/>
-                        </a:solidFill>
-                        <a:latin typeface="Arial"/>
-                        <a:ea typeface="Arial"/>
-                        <a:cs typeface="Arial"/>
-                        <a:sym typeface="Arial"/>
-                      </a:endParaRPr>
-                    </a:p>
-                  </a:txBody>
-                  <a:tcPr marL="91450" marR="91450" marT="45725" marB="45725" anchor="ctr">
-                    <a:lnL w="12700" cap="flat" cmpd="sng">
-                      <a:solidFill>
-                        <a:schemeClr val="dk1"/>
-                      </a:solidFill>
-                      <a:prstDash val="dot"/>
-                      <a:round/>
-                    </a:lnL>
-                    <a:lnR w="9525" cap="flat" cmpd="sng">
-                      <a:solidFill>
-                        <a:srgbClr val="000000">
-                          <a:alpha val="0"/>
-                        </a:srgbClr>
-                      </a:solidFill>
-                      <a:prstDash val="solid"/>
-                      <a:round/>
-                    </a:lnR>
-                    <a:lnT w="9525" cap="flat" cmpd="sng">
-                      <a:solidFill>
-                        <a:srgbClr val="a5a5a5"/>
-                      </a:solidFill>
-                      <a:prstDash val="solid"/>
-                      <a:round/>
-                    </a:lnT>
-                    <a:lnB w="9525" cap="flat" cmpd="sng">
-                      <a:solidFill>
-                        <a:srgbClr val="a5a5a5"/>
-                      </a:solidFill>
-                      <a:prstDash val="solid"/>
-                      <a:round/>
-                    </a:lnB>
-                    <a:solidFill>
-                      <a:schemeClr val="lt1"/>
-                    </a:solidFill>
-                  </a:tcPr>
-                </a:tc>
-                <a:tc>
-                  <a:txBody>
-                    <a:bodyPr vert="horz" lIns="91450" tIns="45725" rIns="91450" bIns="45725" anchor="ctr" anchorCtr="0"/>
-                    <a:p>
-                      <a:pPr marL="0" marR="0" lvl="0" indent="0" algn="ctr" rtl="0">
-                        <a:spcBef>
-                          <a:spcPts val="0"/>
-                        </a:spcBef>
-                        <a:spcAft>
-                          <a:spcPts val="0"/>
-                        </a:spcAft>
-                        <a:buNone/>
-                        <a:defRPr/>
-                      </a:pPr>
-                      <a:endParaRPr lang="en-US" sz="1600" u="none" strike="noStrike" cap="none">
-                        <a:solidFill>
-                          <a:srgbClr val="000000"/>
-                        </a:solidFill>
-                        <a:latin typeface="Arial"/>
-                        <a:ea typeface="Arial"/>
-                        <a:cs typeface="Arial"/>
-                        <a:sym typeface="Arial"/>
-                      </a:endParaRPr>
-                    </a:p>
-                  </a:txBody>
-                  <a:tcPr marL="91450" marR="91450" marT="45725" marB="45725" anchor="ctr">
-                    <a:lnL w="9525" cap="flat" cmpd="sng">
-                      <a:solidFill>
-                        <a:srgbClr val="000000">
-                          <a:alpha val="0"/>
-                        </a:srgbClr>
-                      </a:solidFill>
-                      <a:prstDash val="solid"/>
-                      <a:round/>
-                    </a:lnL>
-                    <a:lnR w="9525" cap="flat" cmpd="sng">
-                      <a:solidFill>
-                        <a:srgbClr val="000000">
-                          <a:alpha val="0"/>
-                        </a:srgbClr>
-                      </a:solidFill>
-                      <a:prstDash val="solid"/>
-                      <a:round/>
-                    </a:lnR>
-                    <a:lnT w="9525" cap="flat" cmpd="sng">
-                      <a:solidFill>
-                        <a:srgbClr val="a5a5a5"/>
-                      </a:solidFill>
-                      <a:prstDash val="solid"/>
-                      <a:round/>
-                    </a:lnT>
-                    <a:lnB w="9525" cap="flat" cmpd="sng">
-                      <a:solidFill>
-                        <a:srgbClr val="a5a5a5"/>
-                      </a:solidFill>
-                      <a:prstDash val="solid"/>
-                      <a:round/>
-                    </a:lnB>
-                    <a:solidFill>
-                      <a:schemeClr val="lt1"/>
-                    </a:solidFill>
-                  </a:tcPr>
-                </a:tc>
-              </a:tr>
-              <a:tr h="431437">
-                <a:tc>
-                  <a:txBody>
-                    <a:bodyPr vert="horz" lIns="91450" tIns="45725" rIns="91450" bIns="45725" anchor="ctr" anchorCtr="0"/>
-                    <a:p>
-                      <a:pPr marL="0" marR="0" lvl="0" indent="0" algn="ctr" rtl="0">
-                        <a:spcBef>
-                          <a:spcPts val="0"/>
-                        </a:spcBef>
-                        <a:spcAft>
-                          <a:spcPts val="0"/>
-                        </a:spcAft>
-                        <a:buNone/>
-                        <a:defRPr/>
-                      </a:pPr>
-                      <a:r>
-                        <a:rPr lang="en-US" altLang="ko-KR" sz="1600" u="none" strike="noStrike" cap="none">
-                          <a:solidFill>
-                            <a:srgbClr val="000000"/>
-                          </a:solidFill>
-                          <a:latin typeface="Arial"/>
-                          <a:ea typeface="Arial"/>
-                          <a:cs typeface="Arial"/>
-                          <a:sym typeface="Arial"/>
-                        </a:rPr>
-                        <a:t>HTML/CSS</a:t>
-                      </a:r>
-                      <a:endParaRPr lang="en-US" altLang="ko-KR" sz="1600" u="none" strike="noStrike" cap="none">
-                        <a:solidFill>
-                          <a:srgbClr val="000000"/>
-                        </a:solidFill>
-                        <a:latin typeface="Arial"/>
-                        <a:ea typeface="Arial"/>
-                        <a:cs typeface="Arial"/>
-                        <a:sym typeface="Arial"/>
-                      </a:endParaRPr>
-                    </a:p>
-                  </a:txBody>
-                  <a:tcPr marL="91450" marR="91450" marT="45725" marB="45725" anchor="ctr">
-                    <a:lnL w="9525" cap="flat" cmpd="sng">
-                      <a:solidFill>
-                        <a:srgbClr val="000000">
-                          <a:alpha val="0"/>
-                        </a:srgbClr>
-                      </a:solidFill>
-                      <a:prstDash val="solid"/>
-                      <a:round/>
-                    </a:lnL>
-                    <a:lnR w="9525" cap="flat" cmpd="sng">
-                      <a:solidFill>
-                        <a:srgbClr val="000000">
-                          <a:alpha val="0"/>
-                        </a:srgbClr>
-                      </a:solidFill>
-                      <a:prstDash val="solid"/>
-                      <a:round/>
-                    </a:lnR>
-                    <a:lnT w="9525" cap="flat" cmpd="sng">
-                      <a:solidFill>
-                        <a:srgbClr val="a5a5a5"/>
-                      </a:solidFill>
-                      <a:prstDash val="solid"/>
-                      <a:round/>
-                    </a:lnT>
-                    <a:lnB w="9525" cap="flat" cmpd="sng">
-                      <a:solidFill>
-                        <a:srgbClr val="a5a5a5"/>
-                      </a:solidFill>
-                      <a:prstDash val="solid"/>
-                      <a:round/>
-                    </a:lnB>
-                    <a:solidFill>
-                      <a:schemeClr val="lt1"/>
-                    </a:solidFill>
-                  </a:tcPr>
-                </a:tc>
-                <a:tc>
-                  <a:txBody>
-                    <a:bodyPr vert="horz" lIns="91450" tIns="45725" rIns="91450" bIns="45725" anchor="ctr" anchorCtr="0"/>
-                    <a:p>
-                      <a:pPr marL="0" marR="0" lvl="0" indent="0" algn="ctr" rtl="0">
-                        <a:spcBef>
-                          <a:spcPts val="0"/>
-                        </a:spcBef>
-                        <a:spcAft>
-                          <a:spcPts val="0"/>
-                        </a:spcAft>
-                        <a:buNone/>
-                        <a:defRPr/>
-                      </a:pPr>
-                      <a:r>
-                        <a:rPr lang="en-US" sz="1600" u="none" strike="noStrike" cap="none">
-                          <a:solidFill>
-                            <a:srgbClr val="000000"/>
-                          </a:solidFill>
-                          <a:latin typeface="Arial"/>
-                          <a:ea typeface="Arial"/>
-                          <a:cs typeface="Arial"/>
-                          <a:sym typeface="Arial"/>
-                        </a:rPr>
-                        <a:t>●●○○○</a:t>
-                      </a:r>
-                      <a:endParaRPr lang="en-US" sz="1600" u="none" strike="noStrike" cap="none">
-                        <a:solidFill>
-                          <a:srgbClr val="000000"/>
-                        </a:solidFill>
-                        <a:latin typeface="Arial"/>
-                        <a:ea typeface="Arial"/>
-                        <a:cs typeface="Arial"/>
-                        <a:sym typeface="Arial"/>
-                      </a:endParaRPr>
-                    </a:p>
-                  </a:txBody>
-                  <a:tcPr marL="91450" marR="91450" marT="45725" marB="45725" anchor="ctr">
-                    <a:lnL w="9525" cap="flat" cmpd="sng">
-                      <a:solidFill>
-                        <a:srgbClr val="000000">
-                          <a:alpha val="0"/>
-                        </a:srgbClr>
-                      </a:solidFill>
-                      <a:prstDash val="solid"/>
-                      <a:round/>
-                    </a:lnL>
-                    <a:lnR w="12700" cap="flat" cmpd="sng">
-                      <a:solidFill>
-                        <a:schemeClr val="dk1"/>
-                      </a:solidFill>
-                      <a:prstDash val="dot"/>
-                      <a:round/>
-                    </a:lnR>
-                    <a:lnT w="9525" cap="flat" cmpd="sng">
-                      <a:solidFill>
-                        <a:srgbClr val="a5a5a5"/>
-                      </a:solidFill>
-                      <a:prstDash val="solid"/>
-                      <a:round/>
-                    </a:lnT>
-                    <a:lnB w="9525" cap="flat" cmpd="sng">
-                      <a:solidFill>
-                        <a:srgbClr val="a5a5a5"/>
-                      </a:solidFill>
-                      <a:prstDash val="solid"/>
-                      <a:round/>
-                    </a:lnB>
-                    <a:solidFill>
-                      <a:schemeClr val="lt1"/>
-                    </a:solidFill>
-                  </a:tcPr>
-                </a:tc>
-                <a:tc>
-                  <a:txBody>
-                    <a:bodyPr vert="horz" lIns="91450" tIns="45725" rIns="91450" bIns="45725" anchor="ctr" anchorCtr="0"/>
-                    <a:p>
-                      <a:pPr marL="0" marR="0" lvl="0" indent="0" algn="ctr" rtl="0">
-                        <a:spcBef>
-                          <a:spcPts val="0"/>
-                        </a:spcBef>
-                        <a:spcAft>
-                          <a:spcPts val="0"/>
-                        </a:spcAft>
-                        <a:buNone/>
-                        <a:defRPr/>
-                      </a:pPr>
-                      <a:r>
-                        <a:rPr lang="en-US" sz="1600" u="none" strike="noStrike" cap="none">
-                          <a:solidFill>
-                            <a:srgbClr val="000000"/>
-                          </a:solidFill>
-                          <a:latin typeface="Arial"/>
-                          <a:ea typeface="Arial"/>
-                          <a:cs typeface="Arial"/>
-                          <a:sym typeface="Arial"/>
-                        </a:rPr>
-                        <a:t>Keras</a:t>
-                      </a:r>
-                      <a:endParaRPr lang="en-US" sz="1600" u="none" strike="noStrike" cap="none">
-                        <a:solidFill>
-                          <a:srgbClr val="000000"/>
-                        </a:solidFill>
-                        <a:latin typeface="Arial"/>
-                        <a:ea typeface="Arial"/>
-                        <a:cs typeface="Arial"/>
-                        <a:sym typeface="Arial"/>
-                      </a:endParaRPr>
-                    </a:p>
-                  </a:txBody>
-                  <a:tcPr marL="91450" marR="91450" marT="45725" marB="45725" anchor="ctr">
-                    <a:lnL w="12700" cap="flat" cmpd="sng">
-                      <a:solidFill>
-                        <a:schemeClr val="dk1"/>
-                      </a:solidFill>
-                      <a:prstDash val="dot"/>
-                      <a:round/>
-                    </a:lnL>
-                    <a:lnR w="9525" cap="flat" cmpd="sng">
-                      <a:solidFill>
-                        <a:srgbClr val="000000">
-                          <a:alpha val="0"/>
-                        </a:srgbClr>
-                      </a:solidFill>
-                      <a:prstDash val="solid"/>
-                      <a:round/>
-                    </a:lnR>
-                    <a:lnT w="9525" cap="flat" cmpd="sng">
-                      <a:solidFill>
-                        <a:srgbClr val="a5a5a5"/>
-                      </a:solidFill>
-                      <a:prstDash val="solid"/>
-                      <a:round/>
-                    </a:lnT>
-                    <a:lnB w="9525" cap="flat" cmpd="sng">
-                      <a:solidFill>
-                        <a:srgbClr val="a5a5a5"/>
-                      </a:solidFill>
-                      <a:prstDash val="solid"/>
-                      <a:round/>
-                    </a:lnB>
-                    <a:solidFill>
-                      <a:schemeClr val="lt1"/>
-                    </a:solidFill>
-                  </a:tcPr>
-                </a:tc>
-                <a:tc>
-                  <a:txBody>
-                    <a:bodyPr vert="horz" lIns="91450" tIns="45725" rIns="91450" bIns="45725" anchor="ctr" anchorCtr="0"/>
-                    <a:p>
-                      <a:pPr marL="0" marR="0" lvl="0" indent="0" algn="ctr" rtl="0">
-                        <a:spcBef>
-                          <a:spcPts val="0"/>
-                        </a:spcBef>
-                        <a:spcAft>
-                          <a:spcPts val="0"/>
-                        </a:spcAft>
-                        <a:buNone/>
-                        <a:defRPr/>
-                      </a:pPr>
-                      <a:endParaRPr lang="en-US" sz="1600" u="none" strike="noStrike" cap="none">
-                        <a:solidFill>
-                          <a:srgbClr val="000000"/>
-                        </a:solidFill>
-                        <a:latin typeface="Arial"/>
-                        <a:ea typeface="Arial"/>
-                        <a:cs typeface="Arial"/>
-                        <a:sym typeface="Arial"/>
-                      </a:endParaRPr>
-                    </a:p>
-                  </a:txBody>
-                  <a:tcPr marL="91450" marR="91450" marT="45725" marB="45725" anchor="ctr">
-                    <a:lnL w="9525" cap="flat" cmpd="sng">
-                      <a:solidFill>
-                        <a:srgbClr val="000000">
-                          <a:alpha val="0"/>
-                        </a:srgbClr>
-                      </a:solidFill>
-                      <a:prstDash val="solid"/>
-                      <a:round/>
-                    </a:lnL>
-                    <a:lnR w="9525" cap="flat" cmpd="sng">
-                      <a:solidFill>
-                        <a:srgbClr val="000000">
-                          <a:alpha val="0"/>
-                        </a:srgbClr>
-                      </a:solidFill>
-                      <a:prstDash val="solid"/>
-                      <a:round/>
-                    </a:lnR>
-                    <a:lnT w="9525" cap="flat" cmpd="sng">
-                      <a:solidFill>
-                        <a:srgbClr val="a5a5a5"/>
-                      </a:solidFill>
-                      <a:prstDash val="solid"/>
-                      <a:round/>
-                    </a:lnT>
-                    <a:lnB w="9525" cap="flat" cmpd="sng">
-                      <a:solidFill>
-                        <a:srgbClr val="a5a5a5"/>
-                      </a:solidFill>
-                      <a:prstDash val="solid"/>
-                      <a:round/>
-                    </a:lnB>
-                    <a:solidFill>
-                      <a:schemeClr val="lt1"/>
-                    </a:solidFill>
-                  </a:tcPr>
-                </a:tc>
-              </a:tr>
-              <a:tr h="431437">
-                <a:tc>
-                  <a:txBody>
-                    <a:bodyPr vert="horz" lIns="91450" tIns="45725" rIns="91450" bIns="45725" anchor="ctr" anchorCtr="0"/>
-                    <a:p>
-                      <a:pPr marL="0" marR="0" lvl="0" indent="0" algn="ctr" rtl="0">
-                        <a:spcBef>
-                          <a:spcPts val="0"/>
-                        </a:spcBef>
-                        <a:spcAft>
-                          <a:spcPts val="0"/>
-                        </a:spcAft>
-                        <a:buNone/>
-                        <a:defRPr/>
-                      </a:pPr>
-                      <a:r>
-                        <a:rPr lang="en-US" altLang="ko-KR" sz="1600" u="none" strike="noStrike" cap="none">
-                          <a:solidFill>
-                            <a:srgbClr val="000000"/>
-                          </a:solidFill>
-                          <a:latin typeface="Arial"/>
-                          <a:ea typeface="Arial"/>
-                          <a:cs typeface="Arial"/>
-                          <a:sym typeface="Arial"/>
-                        </a:rPr>
-                        <a:t>JAVASCRIPT</a:t>
-                      </a:r>
-                      <a:endParaRPr lang="en-US" altLang="ko-KR" sz="1600" u="none" strike="noStrike" cap="none">
-                        <a:solidFill>
-                          <a:srgbClr val="000000"/>
-                        </a:solidFill>
-                        <a:latin typeface="Arial"/>
-                        <a:ea typeface="Arial"/>
-                        <a:cs typeface="Arial"/>
-                        <a:sym typeface="Arial"/>
-                      </a:endParaRPr>
-                    </a:p>
-                  </a:txBody>
-                  <a:tcPr marL="91450" marR="91450" marT="45725" marB="45725" anchor="ctr">
-                    <a:lnL w="9525" cap="flat" cmpd="sng">
-                      <a:solidFill>
-                        <a:srgbClr val="000000">
-                          <a:alpha val="0"/>
-                        </a:srgbClr>
-                      </a:solidFill>
-                      <a:prstDash val="solid"/>
-                      <a:round/>
-                    </a:lnL>
-                    <a:lnR w="9525" cap="flat" cmpd="sng">
-                      <a:solidFill>
-                        <a:srgbClr val="000000">
-                          <a:alpha val="0"/>
-                        </a:srgbClr>
-                      </a:solidFill>
-                      <a:prstDash val="solid"/>
-                      <a:round/>
-                    </a:lnR>
-                    <a:lnT w="9525" cap="flat" cmpd="sng">
-                      <a:solidFill>
-                        <a:srgbClr val="a5a5a5"/>
-                      </a:solidFill>
-                      <a:prstDash val="solid"/>
-                      <a:round/>
-                    </a:lnT>
-                    <a:lnB w="9525" cap="flat" cmpd="sng">
-                      <a:solidFill>
-                        <a:srgbClr val="a5a5a5"/>
-                      </a:solidFill>
-                      <a:prstDash val="solid"/>
-                      <a:round/>
-                    </a:lnB>
-                    <a:solidFill>
-                      <a:schemeClr val="lt1"/>
-                    </a:solidFill>
-                  </a:tcPr>
-                </a:tc>
-                <a:tc>
-                  <a:txBody>
-                    <a:bodyPr vert="horz" lIns="91450" tIns="45725" rIns="91450" bIns="45725" anchor="ctr" anchorCtr="0"/>
-                    <a:p>
-                      <a:pPr marL="0" marR="0" lvl="0" indent="0" algn="ctr" rtl="0">
-                        <a:spcBef>
-                          <a:spcPts val="0"/>
-                        </a:spcBef>
-                        <a:spcAft>
-                          <a:spcPts val="0"/>
-                        </a:spcAft>
-                        <a:buNone/>
-                        <a:defRPr/>
-                      </a:pPr>
-                      <a:r>
-                        <a:rPr lang="en-US" sz="1600" u="none" strike="noStrike" cap="none">
-                          <a:solidFill>
-                            <a:srgbClr val="000000"/>
-                          </a:solidFill>
-                          <a:latin typeface="Arial"/>
-                          <a:ea typeface="Arial"/>
-                          <a:cs typeface="Arial"/>
-                          <a:sym typeface="Arial"/>
-                        </a:rPr>
-                        <a:t>●●○○○</a:t>
-                      </a:r>
-                      <a:endParaRPr lang="en-US" sz="1600" u="none" strike="noStrike" cap="none">
-                        <a:solidFill>
-                          <a:srgbClr val="000000"/>
-                        </a:solidFill>
-                        <a:latin typeface="Arial"/>
-                        <a:ea typeface="Arial"/>
-                        <a:cs typeface="Arial"/>
-                        <a:sym typeface="Arial"/>
-                      </a:endParaRPr>
-                    </a:p>
-                  </a:txBody>
-                  <a:tcPr marL="91450" marR="91450" marT="45725" marB="45725" anchor="ctr">
-                    <a:lnL w="9525" cap="flat" cmpd="sng">
-                      <a:solidFill>
-                        <a:srgbClr val="000000">
-                          <a:alpha val="0"/>
-                        </a:srgbClr>
-                      </a:solidFill>
-                      <a:prstDash val="solid"/>
-                      <a:round/>
-                    </a:lnL>
-                    <a:lnR w="12700" cap="flat" cmpd="sng">
-                      <a:solidFill>
-                        <a:schemeClr val="dk1"/>
-                      </a:solidFill>
-                      <a:prstDash val="dot"/>
-                      <a:round/>
-                    </a:lnR>
-                    <a:lnT w="9525" cap="flat" cmpd="sng">
-                      <a:solidFill>
-                        <a:srgbClr val="a5a5a5"/>
-                      </a:solidFill>
-                      <a:prstDash val="solid"/>
-                      <a:round/>
-                    </a:lnT>
-                    <a:lnB w="9525" cap="flat" cmpd="sng">
-                      <a:solidFill>
-                        <a:srgbClr val="a5a5a5"/>
-                      </a:solidFill>
-                      <a:prstDash val="solid"/>
-                      <a:round/>
-                    </a:lnB>
-                    <a:solidFill>
-                      <a:schemeClr val="lt1"/>
-                    </a:solidFill>
-                  </a:tcPr>
-                </a:tc>
-                <a:tc>
-                  <a:txBody>
-                    <a:bodyPr vert="horz" lIns="91450" tIns="45725" rIns="91450" bIns="45725" anchor="ctr" anchorCtr="0"/>
-                    <a:p>
-                      <a:pPr marL="0" marR="0" lvl="0" indent="0" algn="ctr" rtl="0">
-                        <a:spcBef>
-                          <a:spcPts val="0"/>
-                        </a:spcBef>
-                        <a:spcAft>
-                          <a:spcPts val="0"/>
-                        </a:spcAft>
-                        <a:buNone/>
-                        <a:defRPr/>
-                      </a:pPr>
-                      <a:r>
-                        <a:rPr lang="en-US" sz="1600" u="none" strike="noStrike" cap="none">
-                          <a:solidFill>
-                            <a:srgbClr val="000000"/>
-                          </a:solidFill>
-                          <a:latin typeface="Arial"/>
-                          <a:ea typeface="Arial"/>
-                          <a:cs typeface="Arial"/>
-                          <a:sym typeface="Arial"/>
-                        </a:rPr>
-                        <a:t>Sklearn</a:t>
-                      </a:r>
-                      <a:endParaRPr lang="en-US" sz="1600" u="none" strike="noStrike" cap="none">
-                        <a:solidFill>
-                          <a:srgbClr val="000000"/>
-                        </a:solidFill>
-                        <a:latin typeface="Arial"/>
-                        <a:ea typeface="Arial"/>
-                        <a:cs typeface="Arial"/>
-                        <a:sym typeface="Arial"/>
-                      </a:endParaRPr>
-                    </a:p>
-                  </a:txBody>
-                  <a:tcPr marL="91450" marR="91450" marT="45725" marB="45725" anchor="ctr">
-                    <a:lnL w="12700" cap="flat" cmpd="sng">
-                      <a:solidFill>
-                        <a:schemeClr val="dk1"/>
-                      </a:solidFill>
-                      <a:prstDash val="dot"/>
-                      <a:round/>
-                    </a:lnL>
-                    <a:lnR w="9525" cap="flat" cmpd="sng">
-                      <a:solidFill>
-                        <a:srgbClr val="000000">
-                          <a:alpha val="0"/>
-                        </a:srgbClr>
-                      </a:solidFill>
-                      <a:prstDash val="solid"/>
-                      <a:round/>
-                    </a:lnR>
-                    <a:lnT w="9525" cap="flat" cmpd="sng">
-                      <a:solidFill>
-                        <a:srgbClr val="a5a5a5"/>
-                      </a:solidFill>
-                      <a:prstDash val="solid"/>
-                      <a:round/>
-                    </a:lnT>
-                    <a:lnB w="9525" cap="flat" cmpd="sng">
-                      <a:solidFill>
-                        <a:srgbClr val="a5a5a5"/>
-                      </a:solidFill>
-                      <a:prstDash val="solid"/>
-                      <a:round/>
-                    </a:lnB>
-                    <a:solidFill>
-                      <a:schemeClr val="lt1"/>
-                    </a:solidFill>
-                  </a:tcPr>
-                </a:tc>
-                <a:tc>
-                  <a:txBody>
-                    <a:bodyPr vert="horz" lIns="91450" tIns="45725" rIns="91450" bIns="45725" anchor="ctr" anchorCtr="0"/>
-                    <a:p>
-                      <a:pPr marL="0" marR="0" lvl="0" indent="0" algn="ctr" rtl="0">
-                        <a:spcBef>
-                          <a:spcPts val="0"/>
-                        </a:spcBef>
-                        <a:spcAft>
-                          <a:spcPts val="0"/>
-                        </a:spcAft>
-                        <a:buNone/>
-                        <a:defRPr/>
-                      </a:pPr>
-                      <a:endParaRPr lang="en-US" sz="1600" u="none" strike="noStrike" cap="none">
-                        <a:solidFill>
-                          <a:srgbClr val="000000"/>
-                        </a:solidFill>
-                        <a:latin typeface="Arial"/>
-                        <a:ea typeface="Arial"/>
-                        <a:cs typeface="Arial"/>
-                        <a:sym typeface="Arial"/>
-                      </a:endParaRPr>
-                    </a:p>
-                  </a:txBody>
-                  <a:tcPr marL="91450" marR="91450" marT="45725" marB="45725" anchor="ctr">
-                    <a:lnL w="9525" cap="flat" cmpd="sng">
-                      <a:solidFill>
-                        <a:srgbClr val="000000">
-                          <a:alpha val="0"/>
-                        </a:srgbClr>
-                      </a:solidFill>
-                      <a:prstDash val="solid"/>
-                      <a:round/>
-                    </a:lnL>
-                    <a:lnR w="9525" cap="flat" cmpd="sng">
-                      <a:solidFill>
-                        <a:srgbClr val="000000">
-                          <a:alpha val="0"/>
-                        </a:srgbClr>
-                      </a:solidFill>
-                      <a:prstDash val="solid"/>
-                      <a:round/>
-                    </a:lnR>
-                    <a:lnT w="9525" cap="flat" cmpd="sng">
-                      <a:solidFill>
-                        <a:srgbClr val="a5a5a5"/>
-                      </a:solidFill>
-                      <a:prstDash val="solid"/>
-                      <a:round/>
-                    </a:lnT>
-                    <a:lnB w="9525" cap="flat" cmpd="sng">
-                      <a:solidFill>
-                        <a:srgbClr val="a5a5a5"/>
-                      </a:solidFill>
-                      <a:prstDash val="solid"/>
-                      <a:round/>
-                    </a:lnB>
-                    <a:solidFill>
-                      <a:schemeClr val="lt1"/>
-                    </a:solidFill>
-                  </a:tcPr>
-                </a:tc>
-              </a:tr>
-            </a:tbl>
-          </a:graphicData>
-        </a:graphic>
-      </p:graphicFrame>
       <p:pic>
         <p:nvPicPr>
           <p:cNvPr id="177" name="Google Shape;177;p4" descr="noun_Computer_1918841"/>
@@ -19668,929 +17956,477 @@
       </p:sp>
       <p:graphicFrame>
         <p:nvGraphicFramePr>
-          <p:cNvPr id="184" name="Google Shape;173;p4"/>
-          <p:cNvGraphicFramePr/>
+          <p:cNvPr id="190" name=""/>
+          <p:cNvGraphicFramePr>
+            <a:graphicFrameLocks noGrp="1"/>
+          </p:cNvGraphicFramePr>
           <p:nvPr/>
         </p:nvGraphicFramePr>
         <p:xfrm>
-          <a:off x="10203295" y="3269250"/>
-          <a:ext cx="4232262" cy="2588622"/>
+          <a:off x="1697439" y="3610021"/>
+          <a:ext cx="12192000" cy="2310153"/>
         </p:xfrm>
         <a:graphic>
           <a:graphicData uri="http://schemas.openxmlformats.org/drawingml/2006/table">
             <a:tbl>
               <a:tblPr firstRow="1" bandRow="1">
-                <a:noFill/>
-                <a:tableStyleId>{D3C4115B-FD19-4BAA-97ED-DB98730CD1A3}</a:tableStyleId>
+                <a:tableStyleId>{0583E2B2-CE58-4528-B6E7-A9ED766AF9EF}</a:tableStyleId>
               </a:tblPr>
               <a:tblGrid>
-                <a:gridCol w="2118024"/>
-                <a:gridCol w="2114238"/>
+                <a:gridCol w="3664993"/>
+                <a:gridCol w="8527006"/>
               </a:tblGrid>
-              <a:tr h="431437">
+              <a:tr h="350530">
                 <a:tc>
                   <a:txBody>
-                    <a:bodyPr vert="horz" lIns="91450" tIns="45725" rIns="91450" bIns="45725" anchor="ctr" anchorCtr="0"/>
+                    <a:bodyPr vert="horz" wrap="square" lIns="91440" tIns="45720" rIns="91440" bIns="45720" anchor="t" anchorCtr="0">
+                      <a:spAutoFit/>
+                    </a:bodyPr>
                     <a:p>
-                      <a:pPr marL="0" marR="0" lvl="0" indent="0" algn="ctr" rtl="0">
-                        <a:spcBef>
-                          <a:spcPts val="0"/>
-                        </a:spcBef>
-                        <a:spcAft>
-                          <a:spcPts val="0"/>
-                        </a:spcAft>
-                        <a:buNone/>
+                      <a:pPr algn="ctr">
                         <a:defRPr/>
                       </a:pPr>
                       <a:r>
-                        <a:rPr lang="ko-KR" altLang="en-US" sz="1600" u="none" strike="noStrike" cap="none">
-                          <a:solidFill>
-                            <a:srgbClr val="000000"/>
-                          </a:solidFill>
-                          <a:latin typeface="Arial"/>
-                          <a:ea typeface="Arial"/>
+                        <a:rPr lang="ko-KR" altLang="en-US" sz="2000"/>
+                        <a:t> 구분</a:t>
+                      </a:r>
+                      <a:endParaRPr lang="ko-KR" altLang="en-US" sz="2000"/>
+                    </a:p>
+                  </a:txBody>
+                  <a:tcPr marL="91440" marR="91440"/>
+                </a:tc>
+                <a:tc>
+                  <a:txBody>
+                    <a:bodyPr vert="horz" wrap="square" lIns="91440" tIns="45720" rIns="91440" bIns="45720" anchor="t" anchorCtr="0">
+                      <a:spAutoFit/>
+                    </a:bodyPr>
+                    <a:p>
+                      <a:pPr algn="ctr">
+                        <a:defRPr/>
+                      </a:pPr>
+                      <a:r>
+                        <a:rPr lang="en-US" altLang="ko-KR" sz="2000"/>
+                        <a:t>SKill</a:t>
+                      </a:r>
+                      <a:endParaRPr lang="en-US" altLang="ko-KR" sz="2000"/>
+                    </a:p>
+                  </a:txBody>
+                  <a:tcPr marL="91440" marR="91440"/>
+                </a:tc>
+              </a:tr>
+              <a:tr h="478478">
+                <a:tc>
+                  <a:txBody>
+                    <a:bodyPr vert="horz" wrap="square" lIns="91440" tIns="45720" rIns="91440" bIns="45720" anchor="t" anchorCtr="0">
+                      <a:spAutoFit/>
+                    </a:bodyPr>
+                    <a:p>
+                      <a:pPr algn="ctr">
+                        <a:defRPr/>
+                      </a:pPr>
+                      <a:r>
+                        <a:rPr lang="en-US" altLang="ko-KR" sz="2000"/>
+                        <a:t>programming Languages</a:t>
+                      </a:r>
+                      <a:endParaRPr lang="en-US" altLang="ko-KR" sz="2000"/>
+                    </a:p>
+                  </a:txBody>
+                  <a:tcPr marL="91440" marR="91440"/>
+                </a:tc>
+                <a:tc>
+                  <a:txBody>
+                    <a:bodyPr vert="horz" wrap="square" lIns="91440" tIns="45720" rIns="91440" bIns="45720" anchor="t" anchorCtr="0">
+                      <a:spAutoFit/>
+                    </a:bodyPr>
+                    <a:p>
+                      <a:pPr algn="ctr">
+                        <a:defRPr/>
+                      </a:pPr>
+                      <a:r>
+                        <a:rPr lang="en-US" altLang="ko-KR" sz="1600"/>
+                        <a:t>Python HTML CSS Javascript</a:t>
+                      </a:r>
+                      <a:endParaRPr lang="en-US" altLang="ko-KR" sz="1600"/>
+                    </a:p>
+                  </a:txBody>
+                  <a:tcPr marL="91440" marR="91440"/>
+                </a:tc>
+              </a:tr>
+              <a:tr h="478478">
+                <a:tc>
+                  <a:txBody>
+                    <a:bodyPr vert="horz" wrap="square" lIns="91440" tIns="45720" rIns="91440" bIns="45720" anchor="t" anchorCtr="0">
+                      <a:spAutoFit/>
+                    </a:bodyPr>
+                    <a:p>
+                      <a:pPr algn="ctr">
+                        <a:defRPr/>
+                      </a:pPr>
+                      <a:r>
+                        <a:rPr lang="en-US" altLang="ko-KR" sz="2000"/>
+                        <a:t>Framework/ Library</a:t>
+                      </a:r>
+                      <a:endParaRPr lang="en-US" altLang="ko-KR" sz="2000"/>
+                    </a:p>
+                  </a:txBody>
+                  <a:tcPr marL="91440" marR="91440"/>
+                </a:tc>
+                <a:tc>
+                  <a:txBody>
+                    <a:bodyPr vert="horz" wrap="square" lIns="91440" tIns="45720" rIns="91440" bIns="45720" anchor="t" anchorCtr="0">
+                      <a:spAutoFit/>
+                    </a:bodyPr>
+                    <a:p>
+                      <a:pPr algn="ctr">
+                        <a:defRPr/>
+                      </a:pPr>
+                      <a:r>
+                        <a:rPr lang="en-US" altLang="ko-KR" sz="1600"/>
+                        <a:t>pandas  numpy Tensorflow Opencv Django</a:t>
+                      </a:r>
+                      <a:endParaRPr lang="en-US" altLang="ko-KR" sz="1600"/>
+                    </a:p>
+                  </a:txBody>
+                  <a:tcPr marL="91440" marR="91440"/>
+                </a:tc>
+              </a:tr>
+              <a:tr h="478478">
+                <a:tc>
+                  <a:txBody>
+                    <a:bodyPr vert="horz" wrap="square" lIns="91440" tIns="45720" rIns="91440" bIns="45720" anchor="t" anchorCtr="0">
+                      <a:spAutoFit/>
+                    </a:bodyPr>
+                    <a:p>
+                      <a:pPr algn="ctr">
+                        <a:defRPr/>
+                      </a:pPr>
+                      <a:r>
+                        <a:rPr lang="en-US" altLang="ko-KR" sz="2000">
                           <a:cs typeface="Arial"/>
-                          <a:sym typeface="Arial"/>
                         </a:rPr>
-                        <a:t>프레임워크</a:t>
+                        <a:t>Server</a:t>
                       </a:r>
-                      <a:endParaRPr lang="ko-KR" altLang="en-US" sz="1600" u="none" strike="noStrike" cap="none">
-                        <a:solidFill>
-                          <a:srgbClr val="000000"/>
-                        </a:solidFill>
-                        <a:latin typeface="Arial"/>
-                        <a:ea typeface="Arial"/>
+                      <a:endParaRPr lang="en-US" altLang="ko-KR" sz="2000">
                         <a:cs typeface="Arial"/>
-                        <a:sym typeface="Arial"/>
                       </a:endParaRPr>
                     </a:p>
                   </a:txBody>
-                  <a:tcPr marL="91450" marR="91450" marT="45725" marB="45725" anchor="ctr">
-                    <a:lnL w="9525" cap="flat" cmpd="sng">
-                      <a:solidFill>
-                        <a:srgbClr val="000000">
-                          <a:alpha val="0"/>
-                        </a:srgbClr>
-                      </a:solidFill>
-                      <a:prstDash val="solid"/>
-                      <a:round/>
-                    </a:lnL>
-                    <a:lnR w="9525" cap="flat" cmpd="sng">
-                      <a:solidFill>
-                        <a:srgbClr val="000000">
-                          <a:alpha val="0"/>
-                        </a:srgbClr>
-                      </a:solidFill>
-                      <a:prstDash val="solid"/>
-                      <a:round/>
-                    </a:lnR>
-                    <a:lnT w="12700" cap="flat" cmpd="sng">
-                      <a:solidFill>
-                        <a:srgbClr val="262626"/>
-                      </a:solidFill>
-                      <a:prstDash val="solid"/>
-                      <a:round/>
-                    </a:lnT>
-                    <a:lnB w="12700" cap="flat" cmpd="sng">
-                      <a:solidFill>
-                        <a:srgbClr val="262626"/>
-                      </a:solidFill>
-                      <a:prstDash val="solid"/>
-                      <a:round/>
-                    </a:lnB>
-                    <a:solidFill>
-                      <a:schemeClr val="lt1"/>
-                    </a:solidFill>
-                  </a:tcPr>
+                  <a:tcPr marL="91440" marR="91440"/>
                 </a:tc>
                 <a:tc>
                   <a:txBody>
-                    <a:bodyPr vert="horz" lIns="91450" tIns="45725" rIns="91450" bIns="45725" anchor="ctr" anchorCtr="0"/>
+                    <a:bodyPr vert="horz" wrap="square" lIns="91440" tIns="45720" rIns="91440" bIns="45720" anchor="t" anchorCtr="0">
+                      <a:spAutoFit/>
+                    </a:bodyPr>
                     <a:p>
-                      <a:pPr marL="0" marR="0" lvl="0" indent="0" algn="ctr" rtl="0">
-                        <a:lnSpc>
-                          <a:spcPct val="100000"/>
-                        </a:lnSpc>
-                        <a:spcBef>
-                          <a:spcPts val="0"/>
-                        </a:spcBef>
-                        <a:spcAft>
-                          <a:spcPts val="0"/>
-                        </a:spcAft>
-                        <a:buClr>
-                          <a:srgbClr val="000000"/>
-                        </a:buClr>
-                        <a:buSzPct val="25000"/>
-                        <a:buFont typeface="Arial"/>
-                        <a:buNone/>
+                      <a:pPr algn="ctr">
                         <a:defRPr/>
                       </a:pPr>
                       <a:r>
-                        <a:rPr lang="en-US" sz="1600" u="none" strike="noStrike" cap="none">
-                          <a:solidFill>
-                            <a:srgbClr val="000000"/>
-                          </a:solidFill>
-                          <a:latin typeface="Arial"/>
-                          <a:ea typeface="Arial"/>
-                          <a:cs typeface="Arial"/>
-                          <a:sym typeface="Arial"/>
-                        </a:rPr>
-                        <a:t>숙련도</a:t>
+                        <a:rPr lang="en-US" altLang="ko-KR" sz="1600"/>
+                        <a:t>MariaDB </a:t>
                       </a:r>
-                      <a:endParaRPr/>
+                      <a:endParaRPr lang="en-US" altLang="ko-KR" sz="1600"/>
                     </a:p>
                   </a:txBody>
-                  <a:tcPr marL="91450" marR="91450" marT="45725" marB="45725" anchor="ctr">
-                    <a:lnL w="9525" cap="flat" cmpd="sng">
-                      <a:solidFill>
-                        <a:srgbClr val="000000">
-                          <a:alpha val="0"/>
-                        </a:srgbClr>
-                      </a:solidFill>
-                      <a:prstDash val="solid"/>
-                      <a:round/>
-                    </a:lnL>
-                    <a:lnR w="12700" cap="flat" cmpd="sng">
-                      <a:solidFill>
-                        <a:schemeClr val="dk1"/>
-                      </a:solidFill>
-                      <a:prstDash val="dot"/>
-                      <a:round/>
-                    </a:lnR>
-                    <a:lnT w="12700" cap="flat" cmpd="sng">
-                      <a:solidFill>
-                        <a:srgbClr val="262626"/>
-                      </a:solidFill>
-                      <a:prstDash val="solid"/>
-                      <a:round/>
-                    </a:lnT>
-                    <a:lnB w="12700" cap="flat" cmpd="sng">
-                      <a:solidFill>
-                        <a:srgbClr val="262626"/>
-                      </a:solidFill>
-                      <a:prstDash val="solid"/>
-                      <a:round/>
-                    </a:lnB>
-                    <a:solidFill>
-                      <a:schemeClr val="lt1"/>
-                    </a:solidFill>
-                  </a:tcPr>
+                  <a:tcPr marL="91440" marR="91440"/>
                 </a:tc>
               </a:tr>
-              <a:tr h="431437">
+              <a:tr h="478478">
                 <a:tc>
                   <a:txBody>
-                    <a:bodyPr vert="horz" lIns="91450" tIns="45725" rIns="91450" bIns="45725" anchor="ctr" anchorCtr="0"/>
+                    <a:bodyPr vert="horz" wrap="square" lIns="91440" tIns="45720" rIns="91440" bIns="45720" anchor="t" anchorCtr="0">
+                      <a:spAutoFit/>
+                    </a:bodyPr>
                     <a:p>
-                      <a:pPr marL="0" marR="0" lvl="0" indent="0" algn="ctr" rtl="0">
-                        <a:spcBef>
-                          <a:spcPts val="0"/>
-                        </a:spcBef>
-                        <a:spcAft>
-                          <a:spcPts val="0"/>
-                        </a:spcAft>
-                        <a:buNone/>
+                      <a:pPr algn="ctr">
                         <a:defRPr/>
                       </a:pPr>
                       <a:r>
-                        <a:rPr lang="en-US" altLang="ko-KR" sz="1600" u="none" strike="noStrike" cap="none">
-                          <a:solidFill>
-                            <a:srgbClr val="000000"/>
-                          </a:solidFill>
-                          <a:latin typeface="Arial"/>
-                          <a:ea typeface="Arial"/>
+                        <a:rPr lang="en-US" altLang="ko-KR" sz="2000">
                           <a:cs typeface="Arial"/>
-                          <a:sym typeface="Arial"/>
                         </a:rPr>
-                        <a:t>Django</a:t>
+                        <a:t>ETC</a:t>
                       </a:r>
-                      <a:endParaRPr lang="en-US" altLang="ko-KR" sz="1600" u="none" strike="noStrike" cap="none">
-                        <a:solidFill>
-                          <a:srgbClr val="000000"/>
-                        </a:solidFill>
-                        <a:latin typeface="Arial"/>
-                        <a:ea typeface="Arial"/>
+                      <a:endParaRPr lang="en-US" altLang="ko-KR" sz="2000">
                         <a:cs typeface="Arial"/>
-                        <a:sym typeface="Arial"/>
                       </a:endParaRPr>
                     </a:p>
                   </a:txBody>
-                  <a:tcPr marL="91450" marR="91450" marT="45725" marB="45725" anchor="ctr">
-                    <a:lnL w="9525" cap="flat" cmpd="sng">
-                      <a:solidFill>
-                        <a:srgbClr val="000000">
-                          <a:alpha val="0"/>
-                        </a:srgbClr>
-                      </a:solidFill>
-                      <a:prstDash val="solid"/>
-                      <a:round/>
-                    </a:lnL>
-                    <a:lnR w="9525" cap="flat" cmpd="sng">
-                      <a:solidFill>
-                        <a:srgbClr val="000000">
-                          <a:alpha val="0"/>
-                        </a:srgbClr>
-                      </a:solidFill>
-                      <a:prstDash val="solid"/>
-                      <a:round/>
-                    </a:lnR>
-                    <a:lnT w="12700" cap="flat" cmpd="sng">
-                      <a:solidFill>
-                        <a:srgbClr val="262626"/>
-                      </a:solidFill>
-                      <a:prstDash val="solid"/>
-                      <a:round/>
-                    </a:lnT>
-                    <a:lnB w="9525" cap="flat" cmpd="sng">
-                      <a:solidFill>
-                        <a:srgbClr val="a5a5a5"/>
-                      </a:solidFill>
-                      <a:prstDash val="solid"/>
-                      <a:round/>
-                    </a:lnB>
-                    <a:solidFill>
-                      <a:schemeClr val="lt1"/>
-                    </a:solidFill>
-                  </a:tcPr>
+                  <a:tcPr marL="91440" marR="91440"/>
                 </a:tc>
                 <a:tc>
                   <a:txBody>
-                    <a:bodyPr vert="horz" lIns="91450" tIns="45725" rIns="91450" bIns="45725" anchor="ctr" anchorCtr="0"/>
+                    <a:bodyPr vert="horz" wrap="square" lIns="91440" tIns="45720" rIns="91440" bIns="45720" anchor="t" anchorCtr="0">
+                      <a:spAutoFit/>
+                    </a:bodyPr>
                     <a:p>
-                      <a:pPr marL="0" marR="0" lvl="0" indent="0" algn="ctr" rtl="0">
-                        <a:spcBef>
-                          <a:spcPts val="0"/>
-                        </a:spcBef>
-                        <a:spcAft>
-                          <a:spcPts val="0"/>
-                        </a:spcAft>
-                        <a:buNone/>
+                      <a:pPr algn="ctr">
                         <a:defRPr/>
                       </a:pPr>
                       <a:r>
-                        <a:rPr lang="en-US" sz="1600" u="none" strike="noStrike" cap="none">
-                          <a:solidFill>
-                            <a:srgbClr val="000000"/>
-                          </a:solidFill>
-                          <a:latin typeface="Arial"/>
-                          <a:ea typeface="Arial"/>
-                          <a:cs typeface="Arial"/>
-                          <a:sym typeface="Arial"/>
-                        </a:rPr>
-                        <a:t>●○○○○</a:t>
+                        <a:rPr lang="en-US" altLang="ko-KR" sz="1600"/>
+                        <a:t>Slack Git Google Drive</a:t>
                       </a:r>
-                      <a:endParaRPr lang="en-US" sz="1600" u="none" strike="noStrike" cap="none">
-                        <a:solidFill>
-                          <a:srgbClr val="000000"/>
-                        </a:solidFill>
-                        <a:latin typeface="Arial"/>
-                        <a:ea typeface="Arial"/>
-                        <a:cs typeface="Arial"/>
-                        <a:sym typeface="Arial"/>
-                      </a:endParaRPr>
+                      <a:endParaRPr lang="en-US" altLang="ko-KR" sz="1600"/>
                     </a:p>
                   </a:txBody>
-                  <a:tcPr marL="91450" marR="91450" marT="45725" marB="45725" anchor="ctr">
-                    <a:lnL w="9525" cap="flat" cmpd="sng">
-                      <a:solidFill>
-                        <a:srgbClr val="000000">
-                          <a:alpha val="0"/>
-                        </a:srgbClr>
-                      </a:solidFill>
-                      <a:prstDash val="solid"/>
-                      <a:round/>
-                    </a:lnL>
-                    <a:lnR w="12700" cap="flat" cmpd="sng">
-                      <a:solidFill>
-                        <a:schemeClr val="dk1"/>
-                      </a:solidFill>
-                      <a:prstDash val="dot"/>
-                      <a:round/>
-                    </a:lnR>
-                    <a:lnT w="12700" cap="flat" cmpd="sng">
-                      <a:solidFill>
-                        <a:srgbClr val="262626"/>
-                      </a:solidFill>
-                      <a:prstDash val="solid"/>
-                      <a:round/>
-                    </a:lnT>
-                    <a:lnB w="9525" cap="flat" cmpd="sng">
-                      <a:solidFill>
-                        <a:srgbClr val="a5a5a5"/>
-                      </a:solidFill>
-                      <a:prstDash val="solid"/>
-                      <a:round/>
-                    </a:lnB>
-                    <a:solidFill>
-                      <a:schemeClr val="lt1"/>
-                    </a:solidFill>
-                  </a:tcPr>
-                </a:tc>
-              </a:tr>
-              <a:tr h="431437">
-                <a:tc>
-                  <a:txBody>
-                    <a:bodyPr vert="horz" lIns="91450" tIns="45725" rIns="91450" bIns="45725" anchor="ctr" anchorCtr="0"/>
-                    <a:p>
-                      <a:pPr marL="0" marR="0" lvl="0" indent="0" algn="ctr" rtl="0">
-                        <a:spcBef>
-                          <a:spcPts val="0"/>
-                        </a:spcBef>
-                        <a:spcAft>
-                          <a:spcPts val="0"/>
-                        </a:spcAft>
-                        <a:buNone/>
-                        <a:defRPr/>
-                      </a:pPr>
-                      <a:r>
-                        <a:rPr lang="en-US" altLang="ko-KR" sz="1600" u="none" strike="noStrike" cap="none">
-                          <a:solidFill>
-                            <a:srgbClr val="000000"/>
-                          </a:solidFill>
-                          <a:latin typeface="Arial"/>
-                          <a:ea typeface="Arial"/>
-                          <a:cs typeface="Arial"/>
-                          <a:sym typeface="Arial"/>
-                        </a:rPr>
-                        <a:t>unity</a:t>
-                      </a:r>
-                      <a:endParaRPr lang="en-US" altLang="ko-KR" sz="1600" u="none" strike="noStrike" cap="none">
-                        <a:solidFill>
-                          <a:srgbClr val="000000"/>
-                        </a:solidFill>
-                        <a:latin typeface="Arial"/>
-                        <a:ea typeface="Arial"/>
-                        <a:cs typeface="Arial"/>
-                        <a:sym typeface="Arial"/>
-                      </a:endParaRPr>
-                    </a:p>
-                  </a:txBody>
-                  <a:tcPr marL="91450" marR="91450" marT="45725" marB="45725" anchor="ctr">
-                    <a:lnL w="9525" cap="flat" cmpd="sng">
-                      <a:solidFill>
-                        <a:srgbClr val="000000">
-                          <a:alpha val="0"/>
-                        </a:srgbClr>
-                      </a:solidFill>
-                      <a:prstDash val="solid"/>
-                      <a:round/>
-                    </a:lnL>
-                    <a:lnR w="9525" cap="flat" cmpd="sng">
-                      <a:solidFill>
-                        <a:srgbClr val="000000">
-                          <a:alpha val="0"/>
-                        </a:srgbClr>
-                      </a:solidFill>
-                      <a:prstDash val="solid"/>
-                      <a:round/>
-                    </a:lnR>
-                    <a:lnT w="9525" cap="flat" cmpd="sng">
-                      <a:solidFill>
-                        <a:srgbClr val="a5a5a5"/>
-                      </a:solidFill>
-                      <a:prstDash val="solid"/>
-                      <a:round/>
-                    </a:lnT>
-                    <a:lnB w="9525" cap="flat" cmpd="sng">
-                      <a:solidFill>
-                        <a:srgbClr val="a5a5a5"/>
-                      </a:solidFill>
-                      <a:prstDash val="solid"/>
-                      <a:round/>
-                    </a:lnB>
-                    <a:solidFill>
-                      <a:schemeClr val="lt1"/>
-                    </a:solidFill>
-                  </a:tcPr>
-                </a:tc>
-                <a:tc>
-                  <a:txBody>
-                    <a:bodyPr vert="horz" lIns="91450" tIns="45725" rIns="91450" bIns="45725" anchor="ctr" anchorCtr="0"/>
-                    <a:p>
-                      <a:pPr marL="0" marR="0" lvl="0" indent="0" algn="ctr" rtl="0">
-                        <a:spcBef>
-                          <a:spcPts val="0"/>
-                        </a:spcBef>
-                        <a:spcAft>
-                          <a:spcPts val="0"/>
-                        </a:spcAft>
-                        <a:buNone/>
-                        <a:defRPr/>
-                      </a:pPr>
-                      <a:r>
-                        <a:rPr lang="en-US" sz="1600" u="none" strike="noStrike" cap="none">
-                          <a:solidFill>
-                            <a:srgbClr val="000000"/>
-                          </a:solidFill>
-                          <a:latin typeface="Arial"/>
-                          <a:ea typeface="Arial"/>
-                          <a:cs typeface="Arial"/>
-                          <a:sym typeface="Arial"/>
-                        </a:rPr>
-                        <a:t>●○○○○</a:t>
-                      </a:r>
-                      <a:endParaRPr lang="en-US" sz="1600" u="none" strike="noStrike" cap="none">
-                        <a:solidFill>
-                          <a:srgbClr val="000000"/>
-                        </a:solidFill>
-                        <a:latin typeface="Arial"/>
-                        <a:ea typeface="Arial"/>
-                        <a:cs typeface="Arial"/>
-                        <a:sym typeface="Arial"/>
-                      </a:endParaRPr>
-                    </a:p>
-                  </a:txBody>
-                  <a:tcPr marL="91450" marR="91450" marT="45725" marB="45725" anchor="ctr">
-                    <a:lnL w="9525" cap="flat" cmpd="sng">
-                      <a:solidFill>
-                        <a:srgbClr val="000000">
-                          <a:alpha val="0"/>
-                        </a:srgbClr>
-                      </a:solidFill>
-                      <a:prstDash val="solid"/>
-                      <a:round/>
-                    </a:lnL>
-                    <a:lnR w="12700" cap="flat" cmpd="sng">
-                      <a:solidFill>
-                        <a:schemeClr val="dk1"/>
-                      </a:solidFill>
-                      <a:prstDash val="dot"/>
-                      <a:round/>
-                    </a:lnR>
-                    <a:lnT w="9525" cap="flat" cmpd="sng">
-                      <a:solidFill>
-                        <a:srgbClr val="a5a5a5"/>
-                      </a:solidFill>
-                      <a:prstDash val="solid"/>
-                      <a:round/>
-                    </a:lnT>
-                    <a:lnB w="9525" cap="flat" cmpd="sng">
-                      <a:solidFill>
-                        <a:srgbClr val="a5a5a5"/>
-                      </a:solidFill>
-                      <a:prstDash val="solid"/>
-                      <a:round/>
-                    </a:lnB>
-                    <a:solidFill>
-                      <a:schemeClr val="lt1"/>
-                    </a:solidFill>
-                  </a:tcPr>
-                </a:tc>
-              </a:tr>
-              <a:tr h="431437">
-                <a:tc>
-                  <a:txBody>
-                    <a:bodyPr vert="horz" lIns="91450" tIns="45725" rIns="91450" bIns="45725" anchor="ctr" anchorCtr="0"/>
-                    <a:p>
-                      <a:pPr marL="0" marR="0" lvl="0" indent="0" algn="ctr" rtl="0">
-                        <a:spcBef>
-                          <a:spcPts val="0"/>
-                        </a:spcBef>
-                        <a:spcAft>
-                          <a:spcPts val="0"/>
-                        </a:spcAft>
-                        <a:buNone/>
-                        <a:defRPr/>
-                      </a:pPr>
-                      <a:endParaRPr lang="en-US" altLang="ko-KR" sz="1600" u="none" strike="noStrike" cap="none">
-                        <a:solidFill>
-                          <a:srgbClr val="000000"/>
-                        </a:solidFill>
-                        <a:latin typeface="Arial"/>
-                        <a:ea typeface="Arial"/>
-                        <a:cs typeface="Arial"/>
-                        <a:sym typeface="Arial"/>
-                      </a:endParaRPr>
-                    </a:p>
-                  </a:txBody>
-                  <a:tcPr marL="91450" marR="91450" marT="45725" marB="45725" anchor="ctr">
-                    <a:lnL w="9525" cap="flat" cmpd="sng">
-                      <a:solidFill>
-                        <a:srgbClr val="000000">
-                          <a:alpha val="0"/>
-                        </a:srgbClr>
-                      </a:solidFill>
-                      <a:prstDash val="solid"/>
-                      <a:round/>
-                    </a:lnL>
-                    <a:lnR w="9525" cap="flat" cmpd="sng">
-                      <a:solidFill>
-                        <a:srgbClr val="000000">
-                          <a:alpha val="0"/>
-                        </a:srgbClr>
-                      </a:solidFill>
-                      <a:prstDash val="solid"/>
-                      <a:round/>
-                    </a:lnR>
-                    <a:lnT w="9525" cap="flat" cmpd="sng">
-                      <a:solidFill>
-                        <a:srgbClr val="a5a5a5"/>
-                      </a:solidFill>
-                      <a:prstDash val="solid"/>
-                      <a:round/>
-                    </a:lnT>
-                    <a:lnB w="9525" cap="flat" cmpd="sng">
-                      <a:solidFill>
-                        <a:srgbClr val="a5a5a5"/>
-                      </a:solidFill>
-                      <a:prstDash val="solid"/>
-                      <a:round/>
-                    </a:lnB>
-                    <a:solidFill>
-                      <a:schemeClr val="lt1"/>
-                    </a:solidFill>
-                  </a:tcPr>
-                </a:tc>
-                <a:tc>
-                  <a:txBody>
-                    <a:bodyPr vert="horz" lIns="91450" tIns="45725" rIns="91450" bIns="45725" anchor="ctr" anchorCtr="0"/>
-                    <a:p>
-                      <a:pPr marL="0" marR="0" lvl="0" indent="0" algn="ctr" rtl="0">
-                        <a:spcBef>
-                          <a:spcPts val="0"/>
-                        </a:spcBef>
-                        <a:spcAft>
-                          <a:spcPts val="0"/>
-                        </a:spcAft>
-                        <a:buNone/>
-                        <a:defRPr/>
-                      </a:pPr>
-                      <a:endParaRPr lang="en-US" sz="1600" u="none" strike="noStrike" cap="none">
-                        <a:solidFill>
-                          <a:srgbClr val="000000"/>
-                        </a:solidFill>
-                        <a:latin typeface="Arial"/>
-                        <a:ea typeface="Arial"/>
-                        <a:cs typeface="Arial"/>
-                        <a:sym typeface="Arial"/>
-                      </a:endParaRPr>
-                    </a:p>
-                  </a:txBody>
-                  <a:tcPr marL="91450" marR="91450" marT="45725" marB="45725" anchor="ctr">
-                    <a:lnL w="9525" cap="flat" cmpd="sng">
-                      <a:solidFill>
-                        <a:srgbClr val="000000">
-                          <a:alpha val="0"/>
-                        </a:srgbClr>
-                      </a:solidFill>
-                      <a:prstDash val="solid"/>
-                      <a:round/>
-                    </a:lnL>
-                    <a:lnR w="12700" cap="flat" cmpd="sng">
-                      <a:solidFill>
-                        <a:schemeClr val="dk1"/>
-                      </a:solidFill>
-                      <a:prstDash val="dot"/>
-                      <a:round/>
-                    </a:lnR>
-                    <a:lnT w="9525" cap="flat" cmpd="sng">
-                      <a:solidFill>
-                        <a:srgbClr val="a5a5a5"/>
-                      </a:solidFill>
-                      <a:prstDash val="solid"/>
-                      <a:round/>
-                    </a:lnT>
-                    <a:lnB w="9525" cap="flat" cmpd="sng">
-                      <a:solidFill>
-                        <a:srgbClr val="a5a5a5"/>
-                      </a:solidFill>
-                      <a:prstDash val="solid"/>
-                      <a:round/>
-                    </a:lnB>
-                    <a:solidFill>
-                      <a:schemeClr val="lt1"/>
-                    </a:solidFill>
-                  </a:tcPr>
-                </a:tc>
-              </a:tr>
-              <a:tr h="431437">
-                <a:tc>
-                  <a:txBody>
-                    <a:bodyPr vert="horz" lIns="91450" tIns="45725" rIns="91450" bIns="45725" anchor="ctr" anchorCtr="0"/>
-                    <a:p>
-                      <a:pPr marL="0" marR="0" lvl="0" indent="0" algn="ctr" rtl="0">
-                        <a:spcBef>
-                          <a:spcPts val="0"/>
-                        </a:spcBef>
-                        <a:spcAft>
-                          <a:spcPts val="0"/>
-                        </a:spcAft>
-                        <a:buNone/>
-                        <a:defRPr/>
-                      </a:pPr>
-                      <a:endParaRPr lang="en-US" altLang="ko-KR" sz="1600" u="none" strike="noStrike" cap="none">
-                        <a:solidFill>
-                          <a:srgbClr val="000000"/>
-                        </a:solidFill>
-                        <a:latin typeface="Arial"/>
-                        <a:ea typeface="Arial"/>
-                        <a:cs typeface="Arial"/>
-                        <a:sym typeface="Arial"/>
-                      </a:endParaRPr>
-                    </a:p>
-                  </a:txBody>
-                  <a:tcPr marL="91450" marR="91450" marT="45725" marB="45725" anchor="ctr">
-                    <a:lnL w="9525" cap="flat" cmpd="sng">
-                      <a:solidFill>
-                        <a:srgbClr val="000000">
-                          <a:alpha val="0"/>
-                        </a:srgbClr>
-                      </a:solidFill>
-                      <a:prstDash val="solid"/>
-                      <a:round/>
-                    </a:lnL>
-                    <a:lnR w="9525" cap="flat" cmpd="sng">
-                      <a:solidFill>
-                        <a:srgbClr val="000000">
-                          <a:alpha val="0"/>
-                        </a:srgbClr>
-                      </a:solidFill>
-                      <a:prstDash val="solid"/>
-                      <a:round/>
-                    </a:lnR>
-                    <a:lnT w="9525" cap="flat" cmpd="sng">
-                      <a:solidFill>
-                        <a:srgbClr val="a5a5a5"/>
-                      </a:solidFill>
-                      <a:prstDash val="solid"/>
-                      <a:round/>
-                    </a:lnT>
-                    <a:lnB w="9525" cap="flat" cmpd="sng">
-                      <a:solidFill>
-                        <a:srgbClr val="a5a5a5"/>
-                      </a:solidFill>
-                      <a:prstDash val="solid"/>
-                      <a:round/>
-                    </a:lnB>
-                    <a:solidFill>
-                      <a:schemeClr val="lt1"/>
-                    </a:solidFill>
-                  </a:tcPr>
-                </a:tc>
-                <a:tc>
-                  <a:txBody>
-                    <a:bodyPr vert="horz" lIns="91450" tIns="45725" rIns="91450" bIns="45725" anchor="ctr" anchorCtr="0"/>
-                    <a:p>
-                      <a:pPr marL="0" marR="0" lvl="0" indent="0" algn="ctr" rtl="0">
-                        <a:spcBef>
-                          <a:spcPts val="0"/>
-                        </a:spcBef>
-                        <a:spcAft>
-                          <a:spcPts val="0"/>
-                        </a:spcAft>
-                        <a:buNone/>
-                        <a:defRPr/>
-                      </a:pPr>
-                      <a:endParaRPr lang="en-US" sz="1600" u="none" strike="noStrike" cap="none">
-                        <a:solidFill>
-                          <a:srgbClr val="000000"/>
-                        </a:solidFill>
-                        <a:latin typeface="Arial"/>
-                        <a:ea typeface="Arial"/>
-                        <a:cs typeface="Arial"/>
-                        <a:sym typeface="Arial"/>
-                      </a:endParaRPr>
-                    </a:p>
-                  </a:txBody>
-                  <a:tcPr marL="91450" marR="91450" marT="45725" marB="45725" anchor="ctr">
-                    <a:lnL w="9525" cap="flat" cmpd="sng">
-                      <a:solidFill>
-                        <a:srgbClr val="000000">
-                          <a:alpha val="0"/>
-                        </a:srgbClr>
-                      </a:solidFill>
-                      <a:prstDash val="solid"/>
-                      <a:round/>
-                    </a:lnL>
-                    <a:lnR w="12700" cap="flat" cmpd="sng">
-                      <a:solidFill>
-                        <a:schemeClr val="dk1"/>
-                      </a:solidFill>
-                      <a:prstDash val="dot"/>
-                      <a:round/>
-                    </a:lnR>
-                    <a:lnT w="9525" cap="flat" cmpd="sng">
-                      <a:solidFill>
-                        <a:srgbClr val="a5a5a5"/>
-                      </a:solidFill>
-                      <a:prstDash val="solid"/>
-                      <a:round/>
-                    </a:lnT>
-                    <a:lnB w="9525" cap="flat" cmpd="sng">
-                      <a:solidFill>
-                        <a:srgbClr val="a5a5a5"/>
-                      </a:solidFill>
-                      <a:prstDash val="solid"/>
-                      <a:round/>
-                    </a:lnB>
-                    <a:solidFill>
-                      <a:schemeClr val="lt1"/>
-                    </a:solidFill>
-                  </a:tcPr>
-                </a:tc>
-              </a:tr>
-              <a:tr h="431437">
-                <a:tc>
-                  <a:txBody>
-                    <a:bodyPr vert="horz" lIns="91450" tIns="45725" rIns="91450" bIns="45725" anchor="ctr" anchorCtr="0"/>
-                    <a:p>
-                      <a:pPr marL="0" marR="0" lvl="0" indent="0" algn="ctr" rtl="0">
-                        <a:spcBef>
-                          <a:spcPts val="0"/>
-                        </a:spcBef>
-                        <a:spcAft>
-                          <a:spcPts val="0"/>
-                        </a:spcAft>
-                        <a:buNone/>
-                        <a:defRPr/>
-                      </a:pPr>
-                      <a:endParaRPr lang="en-US" altLang="ko-KR" sz="1600" u="none" strike="noStrike" cap="none">
-                        <a:solidFill>
-                          <a:srgbClr val="000000"/>
-                        </a:solidFill>
-                        <a:latin typeface="Arial"/>
-                        <a:ea typeface="Arial"/>
-                        <a:cs typeface="Arial"/>
-                        <a:sym typeface="Arial"/>
-                      </a:endParaRPr>
-                    </a:p>
-                  </a:txBody>
-                  <a:tcPr marL="91450" marR="91450" marT="45725" marB="45725" anchor="ctr">
-                    <a:lnL w="9525" cap="flat" cmpd="sng">
-                      <a:solidFill>
-                        <a:srgbClr val="000000">
-                          <a:alpha val="0"/>
-                        </a:srgbClr>
-                      </a:solidFill>
-                      <a:prstDash val="solid"/>
-                      <a:round/>
-                    </a:lnL>
-                    <a:lnR w="9525" cap="flat" cmpd="sng">
-                      <a:solidFill>
-                        <a:srgbClr val="000000">
-                          <a:alpha val="0"/>
-                        </a:srgbClr>
-                      </a:solidFill>
-                      <a:prstDash val="solid"/>
-                      <a:round/>
-                    </a:lnR>
-                    <a:lnT w="9525" cap="flat" cmpd="sng">
-                      <a:solidFill>
-                        <a:srgbClr val="a5a5a5"/>
-                      </a:solidFill>
-                      <a:prstDash val="solid"/>
-                      <a:round/>
-                    </a:lnT>
-                    <a:lnB w="9525" cap="flat" cmpd="sng">
-                      <a:solidFill>
-                        <a:srgbClr val="a5a5a5"/>
-                      </a:solidFill>
-                      <a:prstDash val="solid"/>
-                      <a:round/>
-                    </a:lnB>
-                    <a:solidFill>
-                      <a:schemeClr val="lt1"/>
-                    </a:solidFill>
-                  </a:tcPr>
-                </a:tc>
-                <a:tc>
-                  <a:txBody>
-                    <a:bodyPr vert="horz" lIns="91450" tIns="45725" rIns="91450" bIns="45725" anchor="ctr" anchorCtr="0"/>
-                    <a:p>
-                      <a:pPr marL="0" marR="0" lvl="0" indent="0" algn="ctr" rtl="0">
-                        <a:spcBef>
-                          <a:spcPts val="0"/>
-                        </a:spcBef>
-                        <a:spcAft>
-                          <a:spcPts val="0"/>
-                        </a:spcAft>
-                        <a:buNone/>
-                        <a:defRPr/>
-                      </a:pPr>
-                      <a:endParaRPr lang="en-US" sz="1600" u="none" strike="noStrike" cap="none">
-                        <a:solidFill>
-                          <a:srgbClr val="000000"/>
-                        </a:solidFill>
-                        <a:latin typeface="Arial"/>
-                        <a:ea typeface="Arial"/>
-                        <a:cs typeface="Arial"/>
-                        <a:sym typeface="Arial"/>
-                      </a:endParaRPr>
-                    </a:p>
-                  </a:txBody>
-                  <a:tcPr marL="91450" marR="91450" marT="45725" marB="45725" anchor="ctr">
-                    <a:lnL w="9525" cap="flat" cmpd="sng">
-                      <a:solidFill>
-                        <a:srgbClr val="000000">
-                          <a:alpha val="0"/>
-                        </a:srgbClr>
-                      </a:solidFill>
-                      <a:prstDash val="solid"/>
-                      <a:round/>
-                    </a:lnL>
-                    <a:lnR w="12700" cap="flat" cmpd="sng">
-                      <a:solidFill>
-                        <a:schemeClr val="dk1"/>
-                      </a:solidFill>
-                      <a:prstDash val="dot"/>
-                      <a:round/>
-                    </a:lnR>
-                    <a:lnT w="9525" cap="flat" cmpd="sng">
-                      <a:solidFill>
-                        <a:srgbClr val="a5a5a5"/>
-                      </a:solidFill>
-                      <a:prstDash val="solid"/>
-                      <a:round/>
-                    </a:lnT>
-                    <a:lnB w="9525" cap="flat" cmpd="sng">
-                      <a:solidFill>
-                        <a:srgbClr val="a5a5a5"/>
-                      </a:solidFill>
-                      <a:prstDash val="solid"/>
-                      <a:round/>
-                    </a:lnB>
-                    <a:solidFill>
-                      <a:schemeClr val="lt1"/>
-                    </a:solidFill>
-                  </a:tcPr>
+                  <a:tcPr marL="91440" marR="91440"/>
                 </a:tc>
               </a:tr>
             </a:tbl>
           </a:graphicData>
         </a:graphic>
       </p:graphicFrame>
-      <p:cxnSp>
-        <p:nvCxnSpPr>
-          <p:cNvPr id="187" name=""/>
-          <p:cNvCxnSpPr/>
+      <p:sp>
+        <p:nvSpPr>
+          <p:cNvPr id="191" name="Google Shape;163;p4"/>
+          <p:cNvSpPr txBox="1"/>
           <p:nvPr/>
-        </p:nvCxnSpPr>
+        </p:nvSpPr>
         <p:spPr>
-          <a:xfrm rot="16200000" flipH="1">
-            <a:off x="8953507" y="4566054"/>
-            <a:ext cx="2524126" cy="23798"/>
+          <a:xfrm>
+            <a:off x="1616270" y="6426798"/>
+            <a:ext cx="8623358" cy="367435"/>
           </a:xfrm>
-          <a:prstGeom prst="line">
+          <a:prstGeom prst="rect">
             <a:avLst/>
           </a:prstGeom>
+          <a:solidFill>
+            <a:schemeClr val="accent6">
+              <a:lumMod val="20000"/>
+              <a:lumOff val="80000"/>
+            </a:schemeClr>
+          </a:solidFill>
           <a:ln>
-            <a:solidFill>
-              <a:schemeClr val="dk1"/>
-            </a:solidFill>
+            <a:noFill/>
           </a:ln>
         </p:spPr>
-        <p:style>
-          <a:lnRef idx="1">
-            <a:schemeClr val="accent1"/>
-          </a:lnRef>
-          <a:fillRef idx="0">
-            <a:schemeClr val="accent1"/>
-          </a:fillRef>
-          <a:effectRef idx="0">
-            <a:schemeClr val="accent1"/>
-          </a:effectRef>
-          <a:fontRef idx="minor">
-            <a:schemeClr val="tx1"/>
-          </a:fontRef>
-        </p:style>
-      </p:cxnSp>
-      <p:cxnSp>
-        <p:nvCxnSpPr>
-          <p:cNvPr id="188" name=""/>
-          <p:cNvCxnSpPr>
-            <a:endCxn id="173" idx="2"/>
-          </p:cNvCxnSpPr>
+        <p:txBody>
+          <a:bodyPr wrap="square" lIns="91424" tIns="45700" rIns="91424" bIns="45700" anchor="t" anchorCtr="0">
+            <a:spAutoFit/>
+          </a:bodyPr>
+          <a:lstStyle/>
+          <a:p>
+            <a:pPr marL="0" marR="0" lvl="0" indent="0" algn="l" rtl="0">
+              <a:spcBef>
+                <a:spcPts val="0"/>
+              </a:spcBef>
+              <a:spcAft>
+                <a:spcPts val="0"/>
+              </a:spcAft>
+              <a:buNone/>
+              <a:defRPr/>
+            </a:pPr>
+            <a:r>
+              <a:rPr lang="ko-KR" altLang="en-US" sz="1800">
+                <a:solidFill>
+                  <a:srgbClr val="000000"/>
+                </a:solidFill>
+                <a:latin typeface="Arial"/>
+                <a:ea typeface="Arial"/>
+                <a:cs typeface="Arial"/>
+                <a:sym typeface="Arial"/>
+              </a:rPr>
+              <a:t>사용 경험은 없으나 이론적 지식이 있는 </a:t>
+            </a:r>
+            <a:r>
+              <a:rPr lang="en-US" altLang="ko-KR" sz="1800">
+                <a:solidFill>
+                  <a:srgbClr val="000000"/>
+                </a:solidFill>
+                <a:latin typeface="Arial"/>
+                <a:ea typeface="Arial"/>
+                <a:cs typeface="Arial"/>
+                <a:sym typeface="Arial"/>
+              </a:rPr>
+              <a:t>Skill Set</a:t>
+            </a:r>
+            <a:endParaRPr lang="en-US" altLang="ko-KR" sz="1800">
+              <a:solidFill>
+                <a:srgbClr val="000000"/>
+              </a:solidFill>
+              <a:latin typeface="Arial"/>
+              <a:ea typeface="Arial"/>
+              <a:cs typeface="Arial"/>
+              <a:sym typeface="Arial"/>
+            </a:endParaRPr>
+          </a:p>
+        </p:txBody>
+      </p:sp>
+      <p:pic>
+        <p:nvPicPr>
+          <p:cNvPr id="192" name="Google Shape;177;p4" descr="noun_Computer_1918841"/>
+          <p:cNvPicPr/>
           <p:nvPr/>
-        </p:nvCxnSpPr>
+        </p:nvPicPr>
+        <p:blipFill rotWithShape="1">
+          <a:blip r:embed="rId4">
+            <a:alphaModFix/>
+          </a:blip>
+          <a:srcRect l="12280" t="15610" r="12510" b="30200"/>
+          <a:stretch>
+            <a:fillRect/>
+          </a:stretch>
+        </p:blipFill>
         <p:spPr>
-          <a:xfrm rot="5400000">
-            <a:off x="4683885" y="4555284"/>
-            <a:ext cx="2603897" cy="1285"/>
+          <a:xfrm>
+            <a:off x="1158037" y="6505093"/>
+            <a:ext cx="375886" cy="284323"/>
           </a:xfrm>
-          <a:prstGeom prst="line">
+          <a:prstGeom prst="rect">
             <a:avLst/>
           </a:prstGeom>
+          <a:noFill/>
           <a:ln>
-            <a:solidFill>
-              <a:schemeClr val="dk1"/>
-            </a:solidFill>
+            <a:noFill/>
           </a:ln>
         </p:spPr>
-        <p:style>
-          <a:lnRef idx="1">
-            <a:schemeClr val="accent1"/>
-          </a:lnRef>
-          <a:fillRef idx="0">
-            <a:schemeClr val="accent1"/>
-          </a:fillRef>
-          <a:effectRef idx="0">
-            <a:schemeClr val="accent1"/>
-          </a:effectRef>
-          <a:fontRef idx="minor">
-            <a:schemeClr val="tx1"/>
-          </a:fontRef>
-        </p:style>
-      </p:cxnSp>
+      </p:pic>
+      <p:graphicFrame>
+        <p:nvGraphicFramePr>
+          <p:cNvPr id="193" name=""/>
+          <p:cNvGraphicFramePr>
+            <a:graphicFrameLocks noGrp="1"/>
+          </p:cNvGraphicFramePr>
+          <p:nvPr/>
+        </p:nvGraphicFramePr>
+        <p:xfrm>
+          <a:off x="1650808" y="7117496"/>
+          <a:ext cx="12192000" cy="1353196"/>
+        </p:xfrm>
+        <a:graphic>
+          <a:graphicData uri="http://schemas.openxmlformats.org/drawingml/2006/table">
+            <a:tbl>
+              <a:tblPr firstRow="1" bandRow="1">
+                <a:tableStyleId>{0583E2B2-CE58-4528-B6E7-A9ED766AF9EF}</a:tableStyleId>
+              </a:tblPr>
+              <a:tblGrid>
+                <a:gridCol w="3664993"/>
+                <a:gridCol w="8527006"/>
+              </a:tblGrid>
+              <a:tr h="350530">
+                <a:tc>
+                  <a:txBody>
+                    <a:bodyPr vert="horz" wrap="square" lIns="91440" tIns="45720" rIns="91440" bIns="45720" anchor="t" anchorCtr="0">
+                      <a:spAutoFit/>
+                    </a:bodyPr>
+                    <a:p>
+                      <a:pPr>
+                        <a:defRPr/>
+                      </a:pPr>
+                      <a:r>
+                        <a:rPr lang="ko-KR" altLang="en-US" sz="2000"/>
+                        <a:t> 구분</a:t>
+                      </a:r>
+                      <a:endParaRPr lang="ko-KR" altLang="en-US" sz="2000"/>
+                    </a:p>
+                  </a:txBody>
+                  <a:tcPr marL="91440" marR="91440"/>
+                </a:tc>
+                <a:tc>
+                  <a:txBody>
+                    <a:bodyPr vert="horz" wrap="square" lIns="91440" tIns="45720" rIns="91440" bIns="45720" anchor="t" anchorCtr="0">
+                      <a:spAutoFit/>
+                    </a:bodyPr>
+                    <a:p>
+                      <a:pPr algn="ctr">
+                        <a:defRPr/>
+                      </a:pPr>
+                      <a:r>
+                        <a:rPr lang="en-US" altLang="ko-KR" sz="2000"/>
+                        <a:t>SKill</a:t>
+                      </a:r>
+                      <a:endParaRPr lang="en-US" altLang="ko-KR" sz="2000"/>
+                    </a:p>
+                  </a:txBody>
+                  <a:tcPr marL="91440" marR="91440"/>
+                </a:tc>
+              </a:tr>
+              <a:tr h="478478">
+                <a:tc>
+                  <a:txBody>
+                    <a:bodyPr vert="horz" wrap="square" lIns="91440" tIns="45720" rIns="91440" bIns="45720" anchor="t" anchorCtr="0">
+                      <a:spAutoFit/>
+                    </a:bodyPr>
+                    <a:p>
+                      <a:pPr>
+                        <a:defRPr/>
+                      </a:pPr>
+                      <a:r>
+                        <a:rPr lang="en-US" altLang="ko-KR" sz="2000"/>
+                        <a:t>programming Languages</a:t>
+                      </a:r>
+                      <a:endParaRPr lang="en-US" altLang="ko-KR" sz="2000"/>
+                    </a:p>
+                  </a:txBody>
+                  <a:tcPr marL="91440" marR="91440"/>
+                </a:tc>
+                <a:tc>
+                  <a:txBody>
+                    <a:bodyPr vert="horz" wrap="square" lIns="91440" tIns="45720" rIns="91440" bIns="45720" anchor="t" anchorCtr="0">
+                      <a:spAutoFit/>
+                    </a:bodyPr>
+                    <a:p>
+                      <a:pPr>
+                        <a:defRPr/>
+                      </a:pPr>
+                      <a:r>
+                        <a:rPr lang="en-US" altLang="ko-KR" sz="1600"/>
+                        <a:t>C++ C</a:t>
+                      </a:r>
+                      <a:endParaRPr lang="en-US" altLang="ko-KR" sz="1600"/>
+                    </a:p>
+                  </a:txBody>
+                  <a:tcPr marL="91440" marR="91440"/>
+                </a:tc>
+              </a:tr>
+              <a:tr h="478478">
+                <a:tc>
+                  <a:txBody>
+                    <a:bodyPr vert="horz" wrap="square" lIns="91440" tIns="45720" rIns="91440" bIns="45720" anchor="t" anchorCtr="0">
+                      <a:spAutoFit/>
+                    </a:bodyPr>
+                    <a:p>
+                      <a:pPr>
+                        <a:defRPr/>
+                      </a:pPr>
+                      <a:r>
+                        <a:rPr lang="en-US" altLang="ko-KR" sz="2000">
+                          <a:cs typeface="Arial"/>
+                        </a:rPr>
+                        <a:t>Server</a:t>
+                      </a:r>
+                      <a:endParaRPr lang="en-US" altLang="ko-KR" sz="2000">
+                        <a:cs typeface="Arial"/>
+                      </a:endParaRPr>
+                    </a:p>
+                  </a:txBody>
+                  <a:tcPr marL="91440" marR="91440"/>
+                </a:tc>
+                <a:tc>
+                  <a:txBody>
+                    <a:bodyPr vert="horz" wrap="square" lIns="91440" tIns="45720" rIns="91440" bIns="45720" anchor="t" anchorCtr="0">
+                      <a:spAutoFit/>
+                    </a:bodyPr>
+                    <a:p>
+                      <a:pPr>
+                        <a:defRPr/>
+                      </a:pPr>
+                      <a:r>
+                        <a:rPr lang="en-US" altLang="ko-KR" sz="1600"/>
+                        <a:t>MongoDB</a:t>
+                      </a:r>
+                      <a:endParaRPr lang="en-US" altLang="ko-KR" sz="1600"/>
+                    </a:p>
+                  </a:txBody>
+                  <a:tcPr marL="91440" marR="91440"/>
+                </a:tc>
+              </a:tr>
+            </a:tbl>
+          </a:graphicData>
+        </a:graphic>
+      </p:graphicFrame>
     </p:spTree>
   </p:cSld>
   <p:clrMapOvr>
@@ -20764,7 +18600,7 @@
         </p:nvSpPr>
         <p:spPr>
           <a:xfrm>
-            <a:off x="1037085" y="1978593"/>
+            <a:off x="1051301" y="1812403"/>
             <a:ext cx="6840000" cy="400069"/>
           </a:xfrm>
           <a:prstGeom prst="rect">
@@ -20849,8 +18685,8 @@
         </p:nvSpPr>
         <p:spPr>
           <a:xfrm>
-            <a:off x="9085658" y="2003044"/>
-            <a:ext cx="6840000" cy="400069"/>
+            <a:off x="9144000" y="3116331"/>
+            <a:ext cx="6840000" cy="386944"/>
           </a:xfrm>
           <a:prstGeom prst="rect">
             <a:avLst/>
@@ -20981,8 +18817,8 @@
         </p:nvSpPr>
         <p:spPr>
           <a:xfrm>
-            <a:off x="9144000" y="2660310"/>
-            <a:ext cx="6834188" cy="6681790"/>
+            <a:off x="9144000" y="3659294"/>
+            <a:ext cx="6834188" cy="6196160"/>
           </a:xfrm>
           <a:prstGeom prst="rect">
             <a:avLst/>
@@ -21096,25 +18932,16 @@
               </a:rPr>
               <a:t>년동안 일하며 머신러닝와 딥러닝에 대한 공부를 하였으며 학회에 참석하기 위해</a:t>
             </a:r>
-            <a:endParaRPr lang="ko-KR" altLang="en-US" sz="1600" b="1">
-              <a:solidFill>
-                <a:schemeClr val="tx1"/>
-              </a:solidFill>
-              <a:latin typeface="맑은 고딕"/>
-              <a:ea typeface="맑은 고딕"/>
-            </a:endParaRPr>
-          </a:p>
-          <a:p>
-            <a:pPr marL="0" marR="0" indent="0" algn="l" rtl="0">
-              <a:spcBef>
-                <a:spcPts val="0"/>
-              </a:spcBef>
-              <a:spcAft>
-                <a:spcPts val="0"/>
-              </a:spcAft>
-              <a:buNone/>
-              <a:defRPr/>
-            </a:pPr>
+            <a:r>
+              <a:rPr lang="en-US" altLang="ko-KR" sz="1600" b="1">
+                <a:solidFill>
+                  <a:schemeClr val="tx1"/>
+                </a:solidFill>
+                <a:latin typeface="맑은 고딕"/>
+                <a:ea typeface="맑은 고딕"/>
+              </a:rPr>
+              <a:t> </a:t>
+            </a:r>
             <a:r>
               <a:rPr lang="ko-KR" altLang="en-US" sz="1600" b="1">
                 <a:solidFill>
@@ -21557,25 +19384,6 @@
               <a:buNone/>
               <a:defRPr/>
             </a:pPr>
-            <a:endParaRPr lang="en-US" altLang="ko-KR" sz="1600" b="1">
-              <a:solidFill>
-                <a:schemeClr val="tx1"/>
-              </a:solidFill>
-              <a:latin typeface="맑은 고딕"/>
-              <a:ea typeface="맑은 고딕"/>
-            </a:endParaRPr>
-          </a:p>
-          <a:p>
-            <a:pPr marL="0" marR="0" indent="0" algn="l" rtl="0">
-              <a:spcBef>
-                <a:spcPts val="0"/>
-              </a:spcBef>
-              <a:spcAft>
-                <a:spcPts val="0"/>
-              </a:spcAft>
-              <a:buNone/>
-              <a:defRPr/>
-            </a:pPr>
             <a:r>
               <a:rPr lang="en-US" altLang="ko-KR" sz="1600" b="1">
                 <a:solidFill>
@@ -21584,7 +19392,7 @@
                 <a:latin typeface="맑은 고딕"/>
                 <a:ea typeface="맑은 고딕"/>
               </a:rPr>
-              <a:t>3.</a:t>
+              <a:t>4.</a:t>
             </a:r>
             <a:r>
               <a:rPr lang="ko-KR" altLang="en-US" sz="1600" b="1">
@@ -21761,8 +19569,8 @@
         </p:nvSpPr>
         <p:spPr>
           <a:xfrm>
-            <a:off x="1054857" y="2712488"/>
-            <a:ext cx="7037127" cy="8144087"/>
+            <a:off x="1069073" y="2336733"/>
+            <a:ext cx="7037127" cy="13510942"/>
           </a:xfrm>
           <a:prstGeom prst="rect">
             <a:avLst/>
@@ -21795,7 +19603,7 @@
                 <a:latin typeface="맑은 고딕"/>
                 <a:ea typeface="맑은 고딕"/>
               </a:rPr>
-              <a:t>‘</a:t>
+              <a:t>‘ </a:t>
             </a:r>
             <a:r>
               <a:rPr lang="ko-KR" altLang="en-US" sz="1600" b="1">
@@ -21805,7 +19613,7 @@
                 <a:latin typeface="맑은 고딕"/>
                 <a:ea typeface="맑은 고딕"/>
               </a:rPr>
-              <a:t>지원동기</a:t>
+              <a:t>신뢰성있는 기업 </a:t>
             </a:r>
             <a:r>
               <a:rPr lang="en-US" altLang="ko-KR" sz="1600" b="1">
@@ -21815,67 +19623,8 @@
                 <a:latin typeface="맑은 고딕"/>
                 <a:ea typeface="맑은 고딕"/>
               </a:rPr>
-              <a:t>’</a:t>
+              <a:t>Fasoo’</a:t>
             </a:r>
-            <a:r>
-              <a:rPr lang="ko-KR" altLang="en-US" sz="1600" b="1">
-                <a:solidFill>
-                  <a:schemeClr val="tx1"/>
-                </a:solidFill>
-                <a:latin typeface="맑은 고딕"/>
-                <a:ea typeface="맑은 고딕"/>
-              </a:rPr>
-              <a:t> </a:t>
-            </a:r>
-            <a:r>
-              <a:rPr lang="en-US" altLang="ko-KR" sz="1600" b="1">
-                <a:solidFill>
-                  <a:schemeClr val="tx1"/>
-                </a:solidFill>
-                <a:latin typeface="맑은 고딕"/>
-                <a:ea typeface="맑은 고딕"/>
-              </a:rPr>
-              <a:t>: </a:t>
-            </a:r>
-            <a:r>
-              <a:rPr lang="ko-KR" altLang="en-US" sz="1600" b="1">
-                <a:solidFill>
-                  <a:schemeClr val="tx1"/>
-                </a:solidFill>
-                <a:latin typeface="맑은 고딕"/>
-                <a:ea typeface="맑은 고딕"/>
-              </a:rPr>
-              <a:t>한국의 데이터보안을 책임지는 </a:t>
-            </a:r>
-            <a:r>
-              <a:rPr lang="en-US" altLang="ko-KR" sz="1600" b="1">
-                <a:solidFill>
-                  <a:schemeClr val="tx1"/>
-                </a:solidFill>
-                <a:latin typeface="맑은 고딕"/>
-                <a:ea typeface="맑은 고딕"/>
-              </a:rPr>
-              <a:t>Fasoo</a:t>
-            </a:r>
-            <a:endParaRPr lang="en-US" altLang="ko-KR" sz="1600" b="1">
-              <a:solidFill>
-                <a:schemeClr val="tx1"/>
-              </a:solidFill>
-              <a:latin typeface="맑은 고딕"/>
-              <a:ea typeface="맑은 고딕"/>
-            </a:endParaRPr>
-          </a:p>
-          <a:p>
-            <a:pPr marL="0" marR="0" indent="0" algn="l" rtl="0">
-              <a:spcBef>
-                <a:spcPts val="0"/>
-              </a:spcBef>
-              <a:spcAft>
-                <a:spcPts val="0"/>
-              </a:spcAft>
-              <a:buNone/>
-              <a:defRPr/>
-            </a:pPr>
             <a:endParaRPr lang="en-US" altLang="ko-KR" sz="1600" b="1">
               <a:solidFill>
                 <a:schemeClr val="tx1"/>
@@ -22109,7 +19858,7 @@
                 <a:latin typeface="맑은 고딕"/>
                 <a:ea typeface="맑은 고딕"/>
               </a:rPr>
-              <a:t>‘</a:t>
+              <a:t>‘Fasoo</a:t>
             </a:r>
             <a:r>
               <a:rPr lang="ko-KR" altLang="en-US" sz="1600" b="1">
@@ -22119,7 +19868,7 @@
                 <a:latin typeface="맑은 고딕"/>
                 <a:ea typeface="맑은 고딕"/>
               </a:rPr>
-              <a:t>입사후 계획</a:t>
+              <a:t>의 주택 자금 대출제도</a:t>
             </a:r>
             <a:r>
               <a:rPr lang="en-US" altLang="ko-KR" sz="1600" b="1">
@@ -22150,25 +19899,6 @@
               <a:buNone/>
               <a:defRPr/>
             </a:pPr>
-            <a:endParaRPr lang="en-US" altLang="ko-KR" sz="1600" b="1">
-              <a:solidFill>
-                <a:schemeClr val="tx1"/>
-              </a:solidFill>
-              <a:latin typeface="맑은 고딕"/>
-              <a:ea typeface="맑은 고딕"/>
-            </a:endParaRPr>
-          </a:p>
-          <a:p>
-            <a:pPr marL="0" marR="0" indent="0" algn="l" rtl="0">
-              <a:spcBef>
-                <a:spcPts val="0"/>
-              </a:spcBef>
-              <a:spcAft>
-                <a:spcPts val="0"/>
-              </a:spcAft>
-              <a:buNone/>
-              <a:defRPr/>
-            </a:pPr>
             <a:r>
               <a:rPr lang="en-US" altLang="ko-KR" sz="1600" b="1">
                 <a:solidFill>
@@ -22177,7 +19907,7 @@
                 <a:latin typeface="맑은 고딕"/>
                 <a:ea typeface="맑은 고딕"/>
               </a:rPr>
-              <a:t>1. </a:t>
+              <a:t>Fasoo</a:t>
             </a:r>
             <a:r>
               <a:rPr lang="ko-KR" altLang="en-US" sz="1600" b="1">
@@ -22187,7 +19917,7 @@
                 <a:latin typeface="맑은 고딕"/>
                 <a:ea typeface="맑은 고딕"/>
               </a:rPr>
-              <a:t>회사의 팀마다 고유한 문화가 있다는 것을 알고 있습니다</a:t>
+              <a:t>는 회사원의 안정적인 주거 환경을 위해 주택 자금 대출 제도를 운영하고 있습니다</a:t>
             </a:r>
             <a:r>
               <a:rPr lang="en-US" altLang="ko-KR" sz="1600" b="1">
@@ -22207,27 +19937,7 @@
                 <a:latin typeface="맑은 고딕"/>
                 <a:ea typeface="맑은 고딕"/>
               </a:rPr>
-              <a:t> </a:t>
-            </a:r>
-            <a:r>
-              <a:rPr lang="en-US" altLang="ko-KR" sz="1600" b="1">
-                <a:solidFill>
-                  <a:schemeClr val="tx1"/>
-                </a:solidFill>
-                <a:latin typeface="맑은 고딕"/>
-                <a:ea typeface="맑은 고딕"/>
-              </a:rPr>
-              <a:t>Fasoo</a:t>
-            </a:r>
-            <a:r>
-              <a:rPr lang="ko-KR" altLang="en-US" sz="1600" b="1">
-                <a:solidFill>
-                  <a:schemeClr val="tx1"/>
-                </a:solidFill>
-                <a:latin typeface="맑은 고딕"/>
-                <a:ea typeface="맑은 고딕"/>
-              </a:rPr>
-              <a:t>의 고유한 팀문화에 녹아들 수 있도록 하겠습니다</a:t>
+              <a:t> 저는 부산에 거주하고 있기 때문에 이러한 주거문제 해결책에 관심이 갔습니다</a:t>
             </a:r>
             <a:r>
               <a:rPr lang="en-US" altLang="ko-KR" sz="1600" b="1">
@@ -22285,7 +19995,86 @@
                 <a:latin typeface="맑은 고딕"/>
                 <a:ea typeface="맑은 고딕"/>
               </a:rPr>
-              <a:t>2.</a:t>
+              <a:t>‘</a:t>
+            </a:r>
+            <a:r>
+              <a:rPr lang="ko-KR" altLang="en-US" sz="1600" b="1">
+                <a:solidFill>
+                  <a:schemeClr val="tx1"/>
+                </a:solidFill>
+                <a:latin typeface="맑은 고딕"/>
+                <a:ea typeface="맑은 고딕"/>
+              </a:rPr>
+              <a:t>채용 설명회 참가 경험 경험</a:t>
+            </a:r>
+            <a:r>
+              <a:rPr lang="en-US" altLang="ko-KR" sz="1600" b="1">
+                <a:solidFill>
+                  <a:schemeClr val="tx1"/>
+                </a:solidFill>
+                <a:latin typeface="맑은 고딕"/>
+                <a:ea typeface="맑은 고딕"/>
+              </a:rPr>
+              <a:t>’</a:t>
+            </a:r>
+            <a:endParaRPr lang="en-US" altLang="ko-KR" sz="1600" b="1">
+              <a:solidFill>
+                <a:schemeClr val="tx1"/>
+              </a:solidFill>
+              <a:latin typeface="맑은 고딕"/>
+              <a:ea typeface="맑은 고딕"/>
+            </a:endParaRPr>
+          </a:p>
+          <a:p>
+            <a:pPr marL="0" marR="0" indent="0" algn="l" rtl="0">
+              <a:spcBef>
+                <a:spcPts val="0"/>
+              </a:spcBef>
+              <a:spcAft>
+                <a:spcPts val="0"/>
+              </a:spcAft>
+              <a:buNone/>
+              <a:defRPr/>
+            </a:pPr>
+            <a:r>
+              <a:rPr lang="ko-KR" altLang="en-US" sz="1600" b="1">
+                <a:solidFill>
+                  <a:schemeClr val="tx1"/>
+                </a:solidFill>
+                <a:latin typeface="맑은 고딕"/>
+                <a:ea typeface="맑은 고딕"/>
+              </a:rPr>
+              <a:t>저는 멀티캠퍼스라는 교육기업을 통해서 </a:t>
+            </a:r>
+            <a:r>
+              <a:rPr lang="en-US" altLang="ko-KR" sz="1600" b="1">
+                <a:solidFill>
+                  <a:schemeClr val="tx1"/>
+                </a:solidFill>
+                <a:latin typeface="맑은 고딕"/>
+                <a:ea typeface="맑은 고딕"/>
+              </a:rPr>
+              <a:t>Fasoo</a:t>
+            </a:r>
+            <a:r>
+              <a:rPr lang="ko-KR" altLang="en-US" sz="1600" b="1">
+                <a:solidFill>
+                  <a:schemeClr val="tx1"/>
+                </a:solidFill>
+                <a:latin typeface="맑은 고딕"/>
+                <a:ea typeface="맑은 고딕"/>
+              </a:rPr>
+              <a:t>의 온라인 채용 설명회에 참가한 경험이 있습니다</a:t>
+            </a:r>
+            <a:r>
+              <a:rPr lang="en-US" altLang="ko-KR" sz="1600" b="1">
+                <a:solidFill>
+                  <a:schemeClr val="tx1"/>
+                </a:solidFill>
+                <a:latin typeface="맑은 고딕"/>
+                <a:ea typeface="맑은 고딕"/>
+              </a:rPr>
+              <a:t>.</a:t>
             </a:r>
             <a:r>
               <a:rPr lang="ko-KR" altLang="en-US" sz="1600" b="1">
@@ -22297,15 +20086,63 @@
               </a:rPr>
               <a:t> </a:t>
             </a:r>
+            <a:endParaRPr lang="ko-KR" altLang="en-US" sz="1600" b="1">
+              <a:solidFill>
+                <a:schemeClr val="tx1"/>
+              </a:solidFill>
+              <a:latin typeface="맑은 고딕"/>
+              <a:ea typeface="맑은 고딕"/>
+            </a:endParaRPr>
+          </a:p>
+          <a:p>
+            <a:pPr marL="0" marR="0" indent="0" algn="l" rtl="0">
+              <a:spcBef>
+                <a:spcPts val="0"/>
+              </a:spcBef>
+              <a:spcAft>
+                <a:spcPts val="0"/>
+              </a:spcAft>
+              <a:buNone/>
+              <a:defRPr/>
+            </a:pPr>
+            <a:endParaRPr lang="ko-KR" altLang="en-US" sz="1600" b="1">
+              <a:solidFill>
+                <a:schemeClr val="tx1"/>
+              </a:solidFill>
+              <a:latin typeface="맑은 고딕"/>
+              <a:ea typeface="맑은 고딕"/>
+            </a:endParaRPr>
+          </a:p>
+          <a:p>
+            <a:pPr marL="0" marR="0" indent="0" algn="l" rtl="0">
+              <a:spcBef>
+                <a:spcPts val="0"/>
+              </a:spcBef>
+              <a:spcAft>
+                <a:spcPts val="0"/>
+              </a:spcAft>
+              <a:buNone/>
+              <a:defRPr/>
+            </a:pPr>
             <a:r>
-              <a:rPr lang="en-US" altLang="ko-KR" sz="1600" b="1">
+              <a:rPr lang="ko-KR" altLang="en-US" sz="1600" b="1">
                 <a:solidFill>
                   <a:schemeClr val="tx1"/>
                 </a:solidFill>
                 <a:latin typeface="맑은 고딕"/>
                 <a:ea typeface="맑은 고딕"/>
               </a:rPr>
-              <a:t>Git</a:t>
+              <a:t>그곳에서 </a:t>
+            </a:r>
+            <a:r>
+              <a:rPr lang="en-US" altLang="ko-KR" sz="1600" b="1">
+                <a:solidFill>
+                  <a:schemeClr val="tx1"/>
+                </a:solidFill>
+                <a:latin typeface="맑은 고딕"/>
+                <a:ea typeface="맑은 고딕"/>
+              </a:rPr>
+              <a:t>Fasoo</a:t>
             </a:r>
             <a:r>
               <a:rPr lang="ko-KR" altLang="en-US" sz="1600" b="1">
@@ -22315,7 +20152,76 @@
                 <a:latin typeface="맑은 고딕"/>
                 <a:ea typeface="맑은 고딕"/>
               </a:rPr>
-              <a:t> 또는 회사에서 쓰는 협업 툴을 통해 회사에서 사용하는 코드들을 배우며 회사의 전반적인 프로세스에 적응하도록 하겠습니다</a:t>
+              <a:t>의 해외로의 확장 및 복지를 비롯하여 흥미로운 이야기가 많았지만 </a:t>
+            </a:r>
+            <a:r>
+              <a:rPr lang="en-US" altLang="ko-KR" sz="1600" b="1">
+                <a:solidFill>
+                  <a:schemeClr val="tx1"/>
+                </a:solidFill>
+                <a:latin typeface="맑은 고딕"/>
+                <a:ea typeface="맑은 고딕"/>
+              </a:rPr>
+              <a:t>Fasoo</a:t>
+            </a:r>
+            <a:r>
+              <a:rPr lang="ko-KR" altLang="en-US" sz="1600" b="1">
+                <a:solidFill>
+                  <a:schemeClr val="tx1"/>
+                </a:solidFill>
+                <a:latin typeface="맑은 고딕"/>
+                <a:ea typeface="맑은 고딕"/>
+              </a:rPr>
+              <a:t> 직원분의 </a:t>
+            </a:r>
+            <a:r>
+              <a:rPr lang="en-US" altLang="ko-KR" sz="1600" b="1">
+                <a:solidFill>
+                  <a:schemeClr val="tx1"/>
+                </a:solidFill>
+                <a:latin typeface="맑은 고딕"/>
+                <a:ea typeface="맑은 고딕"/>
+              </a:rPr>
+              <a:t>Fasoo</a:t>
+            </a:r>
+            <a:r>
+              <a:rPr lang="ko-KR" altLang="en-US" sz="1600" b="1">
+                <a:solidFill>
+                  <a:schemeClr val="tx1"/>
+                </a:solidFill>
+                <a:latin typeface="맑은 고딕"/>
+                <a:ea typeface="맑은 고딕"/>
+              </a:rPr>
+              <a:t>의 신입교육에 대한 자신감이 인상</a:t>
+            </a:r>
+            <a:endParaRPr lang="ko-KR" altLang="en-US" sz="1600" b="1">
+              <a:solidFill>
+                <a:schemeClr val="tx1"/>
+              </a:solidFill>
+              <a:latin typeface="맑은 고딕"/>
+              <a:ea typeface="맑은 고딕"/>
+            </a:endParaRPr>
+          </a:p>
+          <a:p>
+            <a:pPr marL="0" marR="0" indent="0" algn="l" rtl="0">
+              <a:spcBef>
+                <a:spcPts val="0"/>
+              </a:spcBef>
+              <a:spcAft>
+                <a:spcPts val="0"/>
+              </a:spcAft>
+              <a:buNone/>
+              <a:defRPr/>
+            </a:pPr>
+            <a:r>
+              <a:rPr lang="ko-KR" altLang="en-US" sz="1600" b="1">
+                <a:solidFill>
+                  <a:schemeClr val="tx1"/>
+                </a:solidFill>
+                <a:latin typeface="맑은 고딕"/>
+                <a:ea typeface="맑은 고딕"/>
+              </a:rPr>
+              <a:t>깊었습니다</a:t>
             </a:r>
             <a:r>
               <a:rPr lang="en-US" altLang="ko-KR" sz="1600" b="1">
@@ -22346,7 +20252,7 @@
               <a:buNone/>
               <a:defRPr/>
             </a:pPr>
-            <a:endParaRPr lang="ko-KR" altLang="en-US" sz="1600" b="1">
+            <a:endParaRPr lang="en-US" altLang="ko-KR" sz="1600" b="1">
               <a:solidFill>
                 <a:schemeClr val="tx1"/>
               </a:solidFill>
@@ -22373,7 +20279,7 @@
                 <a:latin typeface="맑은 고딕"/>
                 <a:ea typeface="맑은 고딕"/>
               </a:rPr>
-              <a:t>3.</a:t>
+              <a:t>Fasoo</a:t>
             </a:r>
             <a:r>
               <a:rPr lang="ko-KR" altLang="en-US" sz="1600" b="1">
@@ -22383,7 +20289,7 @@
                 <a:latin typeface="맑은 고딕"/>
                 <a:ea typeface="맑은 고딕"/>
               </a:rPr>
-              <a:t> 저는 멀티캠퍼스라는 기업을 통해 </a:t>
+              <a:t> 웹사이트에 설명되어 있는 </a:t>
             </a:r>
             <a:r>
               <a:rPr lang="en-US" altLang="ko-KR" sz="1600" b="1">
@@ -22403,7 +20309,7 @@
                 <a:latin typeface="맑은 고딕"/>
                 <a:ea typeface="맑은 고딕"/>
               </a:rPr>
-              <a:t>의 채용설명회에 참가한 적이 있습니다</a:t>
+              <a:t>의 문화인 </a:t>
             </a:r>
             <a:r>
               <a:rPr lang="en-US" altLang="ko-KR" sz="1600" b="1">
@@ -22413,7 +20319,7 @@
                 <a:latin typeface="맑은 고딕"/>
                 <a:ea typeface="맑은 고딕"/>
               </a:rPr>
-              <a:t>.</a:t>
+              <a:t>Fasoo Monday Talk</a:t>
             </a:r>
             <a:r>
               <a:rPr lang="ko-KR" altLang="en-US" sz="1600" b="1">
@@ -22423,75 +20329,27 @@
                 <a:latin typeface="맑은 고딕"/>
                 <a:ea typeface="맑은 고딕"/>
               </a:rPr>
-              <a:t> </a:t>
+              <a:t>나 </a:t>
             </a:r>
-            <a:endParaRPr lang="ko-KR" altLang="en-US" sz="1600" b="1">
-              <a:solidFill>
-                <a:schemeClr val="tx1"/>
-              </a:solidFill>
-              <a:latin typeface="맑은 고딕"/>
-              <a:ea typeface="맑은 고딕"/>
-            </a:endParaRPr>
-          </a:p>
-          <a:p>
-            <a:pPr marL="0" marR="0" indent="0" algn="l" rtl="0">
-              <a:spcBef>
-                <a:spcPts val="0"/>
-              </a:spcBef>
-              <a:spcAft>
-                <a:spcPts val="0"/>
-              </a:spcAft>
-              <a:buNone/>
-              <a:defRPr/>
-            </a:pPr>
-            <a:endParaRPr lang="ko-KR" altLang="en-US" sz="1600" b="1">
-              <a:solidFill>
-                <a:schemeClr val="tx1"/>
-              </a:solidFill>
-              <a:latin typeface="맑은 고딕"/>
-              <a:ea typeface="맑은 고딕"/>
-            </a:endParaRPr>
-          </a:p>
-          <a:p>
-            <a:pPr marL="0" marR="0" indent="0" algn="l" rtl="0">
-              <a:spcBef>
-                <a:spcPts val="0"/>
-              </a:spcBef>
-              <a:spcAft>
-                <a:spcPts val="0"/>
-              </a:spcAft>
-              <a:buNone/>
-              <a:defRPr/>
-            </a:pPr>
             <a:r>
-              <a:rPr lang="ko-KR" altLang="en-US" sz="1600" b="1">
+              <a:rPr lang="en-US" altLang="ko-KR" sz="1600" b="1">
                 <a:solidFill>
                   <a:schemeClr val="tx1"/>
                 </a:solidFill>
                 <a:latin typeface="맑은 고딕"/>
                 <a:ea typeface="맑은 고딕"/>
               </a:rPr>
-              <a:t>그곳에서 저는 </a:t>
+              <a:t>Tech Forum,  Fasoo Round Table</a:t>
             </a:r>
             <a:r>
-              <a:rPr lang="en-US" altLang="ko-KR" sz="1600" b="1">
+              <a:rPr lang="ko-KR" altLang="en-US" sz="1600" b="1">
                 <a:solidFill>
                   <a:schemeClr val="tx1"/>
                 </a:solidFill>
                 <a:latin typeface="맑은 고딕"/>
                 <a:ea typeface="맑은 고딕"/>
               </a:rPr>
-              <a:t>Fasoo</a:t>
-            </a:r>
-            <a:r>
-              <a:rPr lang="ko-KR" altLang="en-US" sz="1600" b="1">
-                <a:solidFill>
-                  <a:schemeClr val="tx1"/>
-                </a:solidFill>
-                <a:latin typeface="맑은 고딕"/>
-                <a:ea typeface="맑은 고딕"/>
-              </a:rPr>
-              <a:t>라는 기업이 얼마나 신입 교육에 진심인지를 알 수 있었습니다</a:t>
+              <a:t>등의 모임을 통해서 임직원들로부터 배울 수 있는 기회가 많다는 생각이 들어 직원분의 자신감이 이해가 갔습니다</a:t>
             </a:r>
             <a:r>
               <a:rPr lang="en-US" altLang="ko-KR" sz="1600" b="1">
@@ -22549,6 +20407,84 @@
                 <a:latin typeface="맑은 고딕"/>
                 <a:ea typeface="맑은 고딕"/>
               </a:rPr>
+              <a:t>‘</a:t>
+            </a:r>
+            <a:r>
+              <a:rPr lang="ko-KR" altLang="en-US" sz="1600" b="1">
+                <a:solidFill>
+                  <a:schemeClr val="tx1"/>
+                </a:solidFill>
+                <a:latin typeface="맑은 고딕"/>
+                <a:ea typeface="맑은 고딕"/>
+              </a:rPr>
+              <a:t>입사 후 계획</a:t>
+            </a:r>
+            <a:r>
+              <a:rPr lang="en-US" altLang="ko-KR" sz="1600" b="1">
+                <a:solidFill>
+                  <a:schemeClr val="tx1"/>
+                </a:solidFill>
+                <a:latin typeface="맑은 고딕"/>
+                <a:ea typeface="맑은 고딕"/>
+              </a:rPr>
+              <a:t>’</a:t>
+            </a:r>
+            <a:endParaRPr lang="en-US" altLang="ko-KR" sz="1600" b="1">
+              <a:solidFill>
+                <a:schemeClr val="tx1"/>
+              </a:solidFill>
+              <a:latin typeface="맑은 고딕"/>
+              <a:ea typeface="맑은 고딕"/>
+            </a:endParaRPr>
+          </a:p>
+          <a:p>
+            <a:pPr marL="0" marR="0" indent="0" algn="l" rtl="0">
+              <a:spcBef>
+                <a:spcPts val="0"/>
+              </a:spcBef>
+              <a:spcAft>
+                <a:spcPts val="0"/>
+              </a:spcAft>
+              <a:buNone/>
+              <a:defRPr/>
+            </a:pPr>
+            <a:endParaRPr lang="en-US" altLang="ko-KR" sz="1600" b="1">
+              <a:solidFill>
+                <a:schemeClr val="tx1"/>
+              </a:solidFill>
+              <a:latin typeface="맑은 고딕"/>
+              <a:ea typeface="맑은 고딕"/>
+            </a:endParaRPr>
+          </a:p>
+          <a:p>
+            <a:pPr marL="0" marR="0" indent="0" algn="l" rtl="0">
+              <a:spcBef>
+                <a:spcPts val="0"/>
+              </a:spcBef>
+              <a:spcAft>
+                <a:spcPts val="0"/>
+              </a:spcAft>
+              <a:buNone/>
+              <a:defRPr/>
+            </a:pPr>
+            <a:r>
+              <a:rPr lang="ko-KR" altLang="en-US" sz="1600" b="1">
+                <a:solidFill>
+                  <a:schemeClr val="tx1"/>
+                </a:solidFill>
+                <a:latin typeface="맑은 고딕"/>
+                <a:ea typeface="맑은 고딕"/>
+              </a:rPr>
+              <a:t>입사 후 수습기간동안 </a:t>
+            </a:r>
+            <a:r>
+              <a:rPr lang="en-US" altLang="ko-KR" sz="1600" b="1">
+                <a:solidFill>
+                  <a:schemeClr val="tx1"/>
+                </a:solidFill>
+                <a:latin typeface="맑은 고딕"/>
+                <a:ea typeface="맑은 고딕"/>
+              </a:rPr>
               <a:t>Fasoo</a:t>
             </a:r>
             <a:r>
@@ -22559,7 +20495,7 @@
                 <a:latin typeface="맑은 고딕"/>
                 <a:ea typeface="맑은 고딕"/>
               </a:rPr>
-              <a:t>에서 뛰어난 개발자들의 강의인 만큼 이들의 말을 귀담아 들어 파수에서 한 사람의 뛰어난 개발자로 성장하겠습니다</a:t>
+              <a:t>의 여러모임을 참여하교 교육에 참가해 데이터 보안에 대한 도메인 지식과 개발 역량을 쌓는 등 </a:t>
             </a:r>
             <a:r>
               <a:rPr lang="en-US" altLang="ko-KR" sz="1600" b="1">
@@ -22569,7 +20505,7 @@
                 <a:latin typeface="맑은 고딕"/>
                 <a:ea typeface="맑은 고딕"/>
               </a:rPr>
-              <a:t>.</a:t>
+              <a:t>Fasoo</a:t>
             </a:r>
             <a:r>
               <a:rPr lang="ko-KR" altLang="en-US" sz="1600" b="1">
@@ -22579,7 +20515,7 @@
                 <a:latin typeface="맑은 고딕"/>
                 <a:ea typeface="맑은 고딕"/>
               </a:rPr>
-              <a:t> </a:t>
+              <a:t>에서 제대로 일할</a:t>
             </a:r>
             <a:endParaRPr lang="ko-KR" altLang="en-US" sz="1600" b="1">
               <a:solidFill>
@@ -22587,6 +20523,411 @@
               </a:solidFill>
               <a:latin typeface="맑은 고딕"/>
               <a:ea typeface="맑은 고딕"/>
+            </a:endParaRPr>
+          </a:p>
+          <a:p>
+            <a:pPr marL="0" marR="0" indent="0" algn="l" rtl="0">
+              <a:spcBef>
+                <a:spcPts val="0"/>
+              </a:spcBef>
+              <a:spcAft>
+                <a:spcPts val="0"/>
+              </a:spcAft>
+              <a:buNone/>
+              <a:defRPr/>
+            </a:pPr>
+            <a:endParaRPr lang="ko-KR" altLang="en-US" sz="1600" b="1">
+              <a:solidFill>
+                <a:schemeClr val="tx1"/>
+              </a:solidFill>
+              <a:latin typeface="맑은 고딕"/>
+              <a:ea typeface="맑은 고딕"/>
+            </a:endParaRPr>
+          </a:p>
+          <a:p>
+            <a:pPr marL="0" marR="0" indent="0" algn="l" rtl="0">
+              <a:spcBef>
+                <a:spcPts val="0"/>
+              </a:spcBef>
+              <a:spcAft>
+                <a:spcPts val="0"/>
+              </a:spcAft>
+              <a:buNone/>
+              <a:defRPr/>
+            </a:pPr>
+            <a:endParaRPr lang="ko-KR" altLang="en-US" sz="1600" b="1">
+              <a:solidFill>
+                <a:schemeClr val="tx1"/>
+              </a:solidFill>
+              <a:latin typeface="맑은 고딕"/>
+              <a:ea typeface="맑은 고딕"/>
+            </a:endParaRPr>
+          </a:p>
+          <a:p>
+            <a:pPr marL="0" marR="0" indent="0" algn="l" rtl="0">
+              <a:spcBef>
+                <a:spcPts val="0"/>
+              </a:spcBef>
+              <a:spcAft>
+                <a:spcPts val="0"/>
+              </a:spcAft>
+              <a:buNone/>
+              <a:defRPr/>
+            </a:pPr>
+            <a:endParaRPr lang="ko-KR" altLang="en-US" sz="1600" b="1">
+              <a:solidFill>
+                <a:schemeClr val="tx1"/>
+              </a:solidFill>
+              <a:latin typeface="맑은 고딕"/>
+              <a:ea typeface="맑은 고딕"/>
+            </a:endParaRPr>
+          </a:p>
+          <a:p>
+            <a:pPr marL="0" marR="0" indent="0" algn="l" rtl="0">
+              <a:spcBef>
+                <a:spcPts val="0"/>
+              </a:spcBef>
+              <a:spcAft>
+                <a:spcPts val="0"/>
+              </a:spcAft>
+              <a:buNone/>
+              <a:defRPr/>
+            </a:pPr>
+            <a:endParaRPr lang="en-US" altLang="ko-KR" sz="1600" b="1">
+              <a:solidFill>
+                <a:schemeClr val="tx1"/>
+              </a:solidFill>
+              <a:latin typeface="맑은 고딕"/>
+              <a:ea typeface="맑은 고딕"/>
+            </a:endParaRPr>
+          </a:p>
+          <a:p>
+            <a:pPr marL="0" marR="0" indent="0" algn="l" rtl="0">
+              <a:spcBef>
+                <a:spcPts val="0"/>
+              </a:spcBef>
+              <a:spcAft>
+                <a:spcPts val="0"/>
+              </a:spcAft>
+              <a:buNone/>
+              <a:defRPr/>
+            </a:pPr>
+            <a:endParaRPr lang="en-US" altLang="ko-KR" sz="1600" b="1">
+              <a:solidFill>
+                <a:schemeClr val="tx1"/>
+              </a:solidFill>
+              <a:latin typeface="맑은 고딕"/>
+              <a:ea typeface="맑은 고딕"/>
+            </a:endParaRPr>
+          </a:p>
+          <a:p>
+            <a:pPr marL="0" marR="0" indent="0" algn="l" rtl="0">
+              <a:spcBef>
+                <a:spcPts val="0"/>
+              </a:spcBef>
+              <a:spcAft>
+                <a:spcPts val="0"/>
+              </a:spcAft>
+              <a:buNone/>
+              <a:defRPr/>
+            </a:pPr>
+            <a:endParaRPr lang="ko-KR" altLang="en-US" sz="1600" b="1">
+              <a:solidFill>
+                <a:schemeClr val="tx1"/>
+              </a:solidFill>
+              <a:latin typeface="맑은 고딕"/>
+              <a:ea typeface="맑은 고딕"/>
+            </a:endParaRPr>
+          </a:p>
+          <a:p>
+            <a:pPr marL="0" marR="0" indent="0" algn="l" rtl="0">
+              <a:spcBef>
+                <a:spcPts val="0"/>
+              </a:spcBef>
+              <a:spcAft>
+                <a:spcPts val="0"/>
+              </a:spcAft>
+              <a:buNone/>
+              <a:defRPr/>
+            </a:pPr>
+            <a:endParaRPr lang="en-US" altLang="ko-KR" sz="1600" b="1">
+              <a:solidFill>
+                <a:schemeClr val="tx1"/>
+              </a:solidFill>
+              <a:latin typeface="맑은 고딕"/>
+              <a:ea typeface="맑은 고딕"/>
+            </a:endParaRPr>
+          </a:p>
+          <a:p>
+            <a:pPr marL="0" marR="0" indent="0" algn="l" rtl="0">
+              <a:spcBef>
+                <a:spcPts val="0"/>
+              </a:spcBef>
+              <a:spcAft>
+                <a:spcPts val="0"/>
+              </a:spcAft>
+              <a:buNone/>
+              <a:defRPr/>
+            </a:pPr>
+            <a:endParaRPr lang="en-US" altLang="ko-KR" sz="1600" b="1">
+              <a:solidFill>
+                <a:schemeClr val="tx1"/>
+              </a:solidFill>
+              <a:latin typeface="맑은 고딕"/>
+              <a:ea typeface="맑은 고딕"/>
+            </a:endParaRPr>
+          </a:p>
+          <a:p>
+            <a:pPr marL="0" marR="0" indent="0" algn="l" rtl="0">
+              <a:spcBef>
+                <a:spcPts val="0"/>
+              </a:spcBef>
+              <a:spcAft>
+                <a:spcPts val="0"/>
+              </a:spcAft>
+              <a:buNone/>
+              <a:defRPr/>
+            </a:pPr>
+            <a:endParaRPr lang="en-US" altLang="ko-KR" sz="1600" b="1">
+              <a:solidFill>
+                <a:schemeClr val="tx1"/>
+              </a:solidFill>
+              <a:latin typeface="맑은 고딕"/>
+              <a:ea typeface="맑은 고딕"/>
+            </a:endParaRPr>
+          </a:p>
+          <a:p>
+            <a:pPr marL="0" marR="0" indent="0" algn="l" rtl="0">
+              <a:spcBef>
+                <a:spcPts val="0"/>
+              </a:spcBef>
+              <a:spcAft>
+                <a:spcPts val="0"/>
+              </a:spcAft>
+              <a:buNone/>
+              <a:defRPr/>
+            </a:pPr>
+            <a:endParaRPr lang="ko-KR" altLang="en-US" sz="1600" b="1">
+              <a:solidFill>
+                <a:schemeClr val="tx1"/>
+              </a:solidFill>
+              <a:latin typeface="맑은 고딕"/>
+              <a:ea typeface="맑은 고딕"/>
+            </a:endParaRPr>
+          </a:p>
+          <a:p>
+            <a:pPr marL="0" marR="0" indent="0" algn="l" rtl="0">
+              <a:spcBef>
+                <a:spcPts val="0"/>
+              </a:spcBef>
+              <a:spcAft>
+                <a:spcPts val="0"/>
+              </a:spcAft>
+              <a:buNone/>
+              <a:defRPr/>
+            </a:pPr>
+            <a:endParaRPr lang="en-US" altLang="ko-KR" sz="1600" b="1">
+              <a:solidFill>
+                <a:schemeClr val="tx1"/>
+              </a:solidFill>
+              <a:latin typeface="맑은 고딕"/>
+              <a:ea typeface="맑은 고딕"/>
+            </a:endParaRPr>
+          </a:p>
+          <a:p>
+            <a:pPr marL="0" marR="0" indent="0" algn="l" rtl="0">
+              <a:spcBef>
+                <a:spcPts val="0"/>
+              </a:spcBef>
+              <a:spcAft>
+                <a:spcPts val="0"/>
+              </a:spcAft>
+              <a:buNone/>
+              <a:defRPr/>
+            </a:pPr>
+            <a:endParaRPr lang="en-US" altLang="ko-KR" sz="1600" b="1">
+              <a:solidFill>
+                <a:schemeClr val="tx1"/>
+              </a:solidFill>
+              <a:latin typeface="맑은 고딕"/>
+              <a:ea typeface="맑은 고딕"/>
+            </a:endParaRPr>
+          </a:p>
+          <a:p>
+            <a:pPr marL="0" marR="0" indent="0" algn="l" rtl="0">
+              <a:spcBef>
+                <a:spcPts val="0"/>
+              </a:spcBef>
+              <a:spcAft>
+                <a:spcPts val="0"/>
+              </a:spcAft>
+              <a:buNone/>
+              <a:defRPr/>
+            </a:pPr>
+            <a:endParaRPr lang="en-US" altLang="ko-KR" sz="1600" b="1">
+              <a:solidFill>
+                <a:schemeClr val="tx1"/>
+              </a:solidFill>
+              <a:latin typeface="맑은 고딕"/>
+              <a:ea typeface="맑은 고딕"/>
+            </a:endParaRPr>
+          </a:p>
+          <a:p>
+            <a:pPr marL="0" marR="0" indent="0" algn="l" rtl="0">
+              <a:spcBef>
+                <a:spcPts val="0"/>
+              </a:spcBef>
+              <a:spcAft>
+                <a:spcPts val="0"/>
+              </a:spcAft>
+              <a:buNone/>
+              <a:defRPr/>
+            </a:pPr>
+            <a:endParaRPr lang="en-US" altLang="ko-KR" sz="1600" b="1">
+              <a:solidFill>
+                <a:schemeClr val="tx1"/>
+              </a:solidFill>
+              <a:latin typeface="맑은 고딕"/>
+              <a:ea typeface="맑은 고딕"/>
+            </a:endParaRPr>
+          </a:p>
+          <a:p>
+            <a:pPr marL="0" marR="0" indent="0" algn="l" rtl="0">
+              <a:spcBef>
+                <a:spcPts val="0"/>
+              </a:spcBef>
+              <a:spcAft>
+                <a:spcPts val="0"/>
+              </a:spcAft>
+              <a:buNone/>
+              <a:defRPr/>
+            </a:pPr>
+            <a:endParaRPr lang="en-US" altLang="ko-KR" sz="1600" b="1">
+              <a:solidFill>
+                <a:schemeClr val="tx1"/>
+              </a:solidFill>
+              <a:latin typeface="맑은 고딕"/>
+              <a:ea typeface="맑은 고딕"/>
+            </a:endParaRPr>
+          </a:p>
+          <a:p>
+            <a:pPr marL="0" marR="0" indent="0" algn="l" rtl="0">
+              <a:spcBef>
+                <a:spcPts val="0"/>
+              </a:spcBef>
+              <a:spcAft>
+                <a:spcPts val="0"/>
+              </a:spcAft>
+              <a:buNone/>
+              <a:defRPr/>
+            </a:pPr>
+            <a:endParaRPr lang="en-US" altLang="ko-KR" sz="1600" b="1">
+              <a:solidFill>
+                <a:schemeClr val="tx1"/>
+              </a:solidFill>
+              <a:latin typeface="맑은 고딕"/>
+              <a:ea typeface="맑은 고딕"/>
+            </a:endParaRPr>
+          </a:p>
+          <a:p>
+            <a:pPr marL="0" marR="0" indent="0" algn="l" rtl="0">
+              <a:spcBef>
+                <a:spcPts val="0"/>
+              </a:spcBef>
+              <a:spcAft>
+                <a:spcPts val="0"/>
+              </a:spcAft>
+              <a:buNone/>
+              <a:defRPr/>
+            </a:pPr>
+            <a:endParaRPr lang="en-US" altLang="ko-KR" sz="1600" b="1">
+              <a:solidFill>
+                <a:schemeClr val="tx1"/>
+              </a:solidFill>
+              <a:latin typeface="맑은 고딕"/>
+              <a:ea typeface="맑은 고딕"/>
+            </a:endParaRPr>
+          </a:p>
+          <a:p>
+            <a:pPr marL="0" marR="0" indent="0" algn="l" rtl="0">
+              <a:spcBef>
+                <a:spcPts val="0"/>
+              </a:spcBef>
+              <a:spcAft>
+                <a:spcPts val="0"/>
+              </a:spcAft>
+              <a:buNone/>
+              <a:defRPr/>
+            </a:pPr>
+            <a:endParaRPr lang="en-US" altLang="ko-KR" sz="1600" b="1">
+              <a:solidFill>
+                <a:schemeClr val="tx1"/>
+              </a:solidFill>
+              <a:latin typeface="맑은 고딕"/>
+              <a:ea typeface="맑은 고딕"/>
+            </a:endParaRPr>
+          </a:p>
+          <a:p>
+            <a:pPr marL="0" marR="0" indent="0" algn="l" rtl="0">
+              <a:spcBef>
+                <a:spcPts val="0"/>
+              </a:spcBef>
+              <a:spcAft>
+                <a:spcPts val="0"/>
+              </a:spcAft>
+              <a:buNone/>
+              <a:defRPr/>
+            </a:pPr>
+            <a:endParaRPr lang="ko-KR" altLang="en-US" sz="1600" b="1">
+              <a:solidFill>
+                <a:srgbClr val="ff6b00"/>
+              </a:solidFill>
+              <a:latin typeface="Arial"/>
+              <a:ea typeface="Arial"/>
+              <a:cs typeface="Arial"/>
+              <a:sym typeface="Arial"/>
+            </a:endParaRPr>
+          </a:p>
+          <a:p>
+            <a:pPr marL="0" marR="0" indent="0" algn="l" rtl="0">
+              <a:spcBef>
+                <a:spcPts val="0"/>
+              </a:spcBef>
+              <a:spcAft>
+                <a:spcPts val="0"/>
+              </a:spcAft>
+              <a:buNone/>
+              <a:defRPr/>
+            </a:pPr>
+            <a:endParaRPr lang="ko-KR" altLang="en-US" sz="1600" b="1">
+              <a:solidFill>
+                <a:srgbClr val="ff6b00"/>
+              </a:solidFill>
+              <a:latin typeface="Arial"/>
+              <a:ea typeface="Arial"/>
+              <a:cs typeface="Arial"/>
+              <a:sym typeface="Arial"/>
+            </a:endParaRPr>
+          </a:p>
+          <a:p>
+            <a:pPr marL="0" marR="0" indent="0" algn="l" rtl="0">
+              <a:spcBef>
+                <a:spcPts val="0"/>
+              </a:spcBef>
+              <a:spcAft>
+                <a:spcPts val="0"/>
+              </a:spcAft>
+              <a:buNone/>
+              <a:defRPr/>
+            </a:pPr>
+            <a:endParaRPr lang="ko-KR" altLang="en-US" sz="1600" b="1">
+              <a:solidFill>
+                <a:srgbClr val="ff6b00"/>
+              </a:solidFill>
+              <a:latin typeface="Arial"/>
+              <a:ea typeface="Arial"/>
+              <a:cs typeface="Arial"/>
+              <a:sym typeface="Arial"/>
             </a:endParaRPr>
           </a:p>
           <a:p>
@@ -22621,69 +20962,6 @@
               <a:buNone/>
               <a:defRPr/>
             </a:pPr>
-            <a:endParaRPr lang="ko-KR" altLang="en-US" sz="1600" b="1">
-              <a:solidFill>
-                <a:srgbClr val="ff6b00"/>
-              </a:solidFill>
-              <a:latin typeface="Arial"/>
-              <a:ea typeface="Arial"/>
-              <a:cs typeface="Arial"/>
-              <a:sym typeface="Arial"/>
-            </a:endParaRPr>
-          </a:p>
-          <a:p>
-            <a:pPr marL="0" marR="0" indent="0" algn="l" rtl="0">
-              <a:spcBef>
-                <a:spcPts val="0"/>
-              </a:spcBef>
-              <a:spcAft>
-                <a:spcPts val="0"/>
-              </a:spcAft>
-              <a:buNone/>
-              <a:defRPr/>
-            </a:pPr>
-            <a:endParaRPr lang="ko-KR" altLang="en-US" sz="1600" b="1">
-              <a:solidFill>
-                <a:srgbClr val="ff6b00"/>
-              </a:solidFill>
-              <a:latin typeface="Arial"/>
-              <a:ea typeface="Arial"/>
-              <a:cs typeface="Arial"/>
-              <a:sym typeface="Arial"/>
-            </a:endParaRPr>
-          </a:p>
-          <a:p>
-            <a:pPr marL="0" marR="0" indent="0" algn="l" rtl="0">
-              <a:spcBef>
-                <a:spcPts val="0"/>
-              </a:spcBef>
-              <a:spcAft>
-                <a:spcPts val="0"/>
-              </a:spcAft>
-              <a:buNone/>
-              <a:defRPr/>
-            </a:pPr>
-            <a:endParaRPr lang="ko-KR" altLang="en-US" sz="1600" b="1">
-              <a:solidFill>
-                <a:srgbClr val="ff6b00"/>
-              </a:solidFill>
-              <a:latin typeface="Arial"/>
-              <a:ea typeface="Arial"/>
-              <a:cs typeface="Arial"/>
-              <a:sym typeface="Arial"/>
-            </a:endParaRPr>
-          </a:p>
-          <a:p>
-            <a:pPr marL="0" marR="0" indent="0" algn="l" rtl="0">
-              <a:spcBef>
-                <a:spcPts val="0"/>
-              </a:spcBef>
-              <a:spcAft>
-                <a:spcPts val="0"/>
-              </a:spcAft>
-              <a:buNone/>
-              <a:defRPr/>
-            </a:pPr>
             <a:endParaRPr lang="en-US" altLang="ko-KR" sz="1600" b="1">
               <a:solidFill>
                 <a:srgbClr val="ff6b00"/>
@@ -22715,6 +20993,76 @@
               <a:sym typeface="Arial"/>
             </a:endParaRPr>
           </a:p>
+        </p:txBody>
+      </p:sp>
+      <p:sp>
+        <p:nvSpPr>
+          <p:cNvPr id="303" name=""/>
+          <p:cNvSpPr txBox="1"/>
+          <p:nvPr/>
+        </p:nvSpPr>
+        <p:spPr>
+          <a:xfrm>
+            <a:off x="9144000" y="1845291"/>
+            <a:ext cx="6809664" cy="1791334"/>
+          </a:xfrm>
+          <a:prstGeom prst="rect">
+            <a:avLst/>
+          </a:prstGeom>
+          <a:noFill/>
+          <a:ln>
+            <a:noFill/>
+          </a:ln>
+        </p:spPr>
+        <p:txBody>
+          <a:bodyPr wrap="square" lIns="91424" tIns="45700" rIns="91424" bIns="45700" anchor="t" anchorCtr="0">
+            <a:spAutoFit/>
+          </a:bodyPr>
+          <a:p>
+            <a:pPr marL="0" marR="0" indent="0" algn="l" rtl="0">
+              <a:spcBef>
+                <a:spcPts val="0"/>
+              </a:spcBef>
+              <a:spcAft>
+                <a:spcPts val="0"/>
+              </a:spcAft>
+              <a:buNone/>
+              <a:defRPr/>
+            </a:pPr>
+            <a:r>
+              <a:rPr lang="ko-KR" altLang="en-US" sz="1600" b="1">
+                <a:solidFill>
+                  <a:schemeClr val="tx1"/>
+                </a:solidFill>
+                <a:latin typeface="Arial"/>
+                <a:ea typeface="Arial"/>
+                <a:cs typeface="Arial"/>
+                <a:sym typeface="Arial"/>
+              </a:rPr>
+              <a:t>준비를 하겠습니다</a:t>
+            </a:r>
+            <a:r>
+              <a:rPr lang="en-US" altLang="ko-KR" sz="1600" b="1">
+                <a:solidFill>
+                  <a:schemeClr val="tx1"/>
+                </a:solidFill>
+                <a:latin typeface="Arial"/>
+                <a:ea typeface="Arial"/>
+                <a:cs typeface="Arial"/>
+                <a:sym typeface="Arial"/>
+              </a:rPr>
+              <a:t>.</a:t>
+            </a:r>
+            <a:endParaRPr lang="en-US" altLang="ko-KR" sz="1600" b="1">
+              <a:solidFill>
+                <a:schemeClr val="tx1"/>
+              </a:solidFill>
+              <a:latin typeface="Arial"/>
+              <a:ea typeface="Arial"/>
+              <a:cs typeface="Arial"/>
+              <a:sym typeface="Arial"/>
+            </a:endParaRPr>
+          </a:p>
           <a:p>
             <a:pPr marL="0" marR="0" indent="0" algn="l" rtl="0">
               <a:spcBef>
@@ -22728,7 +21076,139 @@
             </a:pPr>
             <a:endParaRPr lang="en-US" altLang="ko-KR" sz="1600" b="1">
               <a:solidFill>
-                <a:srgbClr val="ff6b00"/>
+                <a:schemeClr val="tx1"/>
+              </a:solidFill>
+              <a:latin typeface="Arial"/>
+              <a:ea typeface="Arial"/>
+              <a:cs typeface="Arial"/>
+              <a:sym typeface="Arial"/>
+            </a:endParaRPr>
+          </a:p>
+          <a:p>
+            <a:pPr marL="0" marR="0" indent="0" algn="l" rtl="0">
+              <a:spcBef>
+                <a:spcPts val="0"/>
+              </a:spcBef>
+              <a:spcAft>
+                <a:spcPts val="0"/>
+              </a:spcAft>
+              <a:buNone/>
+              <a:defRPr/>
+            </a:pPr>
+            <a:r>
+              <a:rPr lang="ko-KR" altLang="en-US" sz="1600" b="1">
+                <a:solidFill>
+                  <a:schemeClr val="tx1"/>
+                </a:solidFill>
+                <a:latin typeface="Arial"/>
+                <a:ea typeface="Arial"/>
+                <a:cs typeface="Arial"/>
+                <a:sym typeface="Arial"/>
+              </a:rPr>
+              <a:t>수습기간 후 </a:t>
+            </a:r>
+            <a:r>
+              <a:rPr lang="en-US" altLang="ko-KR" sz="1600" b="1">
+                <a:solidFill>
+                  <a:schemeClr val="tx1"/>
+                </a:solidFill>
+                <a:latin typeface="Arial"/>
+                <a:ea typeface="Arial"/>
+                <a:cs typeface="Arial"/>
+                <a:sym typeface="Arial"/>
+              </a:rPr>
+              <a:t>IT </a:t>
+            </a:r>
+            <a:r>
+              <a:rPr lang="ko-KR" altLang="en-US" sz="1600" b="1">
+                <a:solidFill>
+                  <a:schemeClr val="tx1"/>
+                </a:solidFill>
+                <a:latin typeface="Arial"/>
+                <a:ea typeface="Arial"/>
+                <a:cs typeface="Arial"/>
+                <a:sym typeface="Arial"/>
+              </a:rPr>
+              <a:t>업계가 빠르게 변화하는 만큼 적극적으로 실력을 쌓고 변화에 적응하도록 노력하겠습니다</a:t>
+            </a:r>
+            <a:r>
+              <a:rPr lang="en-US" altLang="ko-KR" sz="1600" b="1">
+                <a:solidFill>
+                  <a:schemeClr val="tx1"/>
+                </a:solidFill>
+                <a:latin typeface="Arial"/>
+                <a:ea typeface="Arial"/>
+                <a:cs typeface="Arial"/>
+                <a:sym typeface="Arial"/>
+              </a:rPr>
+              <a:t>.</a:t>
+            </a:r>
+            <a:endParaRPr lang="en-US" altLang="ko-KR" sz="1600" b="1">
+              <a:solidFill>
+                <a:schemeClr val="tx1"/>
+              </a:solidFill>
+              <a:latin typeface="Arial"/>
+              <a:ea typeface="Arial"/>
+              <a:cs typeface="Arial"/>
+              <a:sym typeface="Arial"/>
+            </a:endParaRPr>
+          </a:p>
+          <a:p>
+            <a:pPr marL="0" marR="0" indent="0" algn="l" rtl="0">
+              <a:spcBef>
+                <a:spcPts val="0"/>
+              </a:spcBef>
+              <a:spcAft>
+                <a:spcPts val="0"/>
+              </a:spcAft>
+              <a:buNone/>
+              <a:defRPr/>
+            </a:pPr>
+            <a:endParaRPr lang="ko-KR" altLang="en-US" sz="1600" b="1">
+              <a:solidFill>
+                <a:schemeClr val="tx1"/>
+              </a:solidFill>
+              <a:latin typeface="Arial"/>
+              <a:ea typeface="Arial"/>
+              <a:cs typeface="Arial"/>
+              <a:sym typeface="Arial"/>
+            </a:endParaRPr>
+          </a:p>
+          <a:p>
+            <a:pPr marL="0" marR="0" indent="0" algn="l" rtl="0">
+              <a:spcBef>
+                <a:spcPts val="0"/>
+              </a:spcBef>
+              <a:spcAft>
+                <a:spcPts val="0"/>
+              </a:spcAft>
+              <a:buNone/>
+              <a:defRPr/>
+            </a:pPr>
+            <a:endParaRPr lang="ko-KR" altLang="en-US" sz="1600" b="1">
+              <a:solidFill>
+                <a:schemeClr val="tx1"/>
+              </a:solidFill>
+              <a:latin typeface="Arial"/>
+              <a:ea typeface="Arial"/>
+              <a:cs typeface="Arial"/>
+              <a:sym typeface="Arial"/>
+            </a:endParaRPr>
+          </a:p>
+          <a:p>
+            <a:pPr marL="0" marR="0" indent="0" algn="l" rtl="0">
+              <a:spcBef>
+                <a:spcPts val="0"/>
+              </a:spcBef>
+              <a:spcAft>
+                <a:spcPts val="0"/>
+              </a:spcAft>
+              <a:buNone/>
+              <a:defRPr/>
+            </a:pPr>
+            <a:endParaRPr lang="en-US" altLang="ko-KR" sz="1600" b="1">
+              <a:solidFill>
+                <a:schemeClr val="tx1"/>
               </a:solidFill>
               <a:latin typeface="Arial"/>
               <a:ea typeface="Arial"/>
@@ -22984,8 +21464,8 @@
         </p:nvSpPr>
         <p:spPr>
           <a:xfrm>
-            <a:off x="9140535" y="3988846"/>
-            <a:ext cx="6840000" cy="400069"/>
+            <a:off x="9144000" y="4043170"/>
+            <a:ext cx="6840000" cy="394549"/>
           </a:xfrm>
           <a:prstGeom prst="rect">
             <a:avLst/>
@@ -23158,7 +21638,7 @@
         <p:spPr>
           <a:xfrm>
             <a:off x="1047750" y="2816594"/>
-            <a:ext cx="6834188" cy="8630531"/>
+            <a:ext cx="6834188" cy="8382881"/>
           </a:xfrm>
           <a:prstGeom prst="rect">
             <a:avLst/>
@@ -23240,83 +21720,6 @@
                 <a:latin typeface="맑은 고딕"/>
                 <a:ea typeface="맑은 고딕"/>
               </a:rPr>
-              <a:t>우리 조는 20대 3명, 50대 2명으로 이루어져 있었습니다.</a:t>
-            </a:r>
-            <a:endParaRPr lang="ko-KR" altLang="en-US" sz="1600" b="1">
-              <a:solidFill>
-                <a:schemeClr val="tx1"/>
-              </a:solidFill>
-              <a:latin typeface="맑은 고딕"/>
-              <a:ea typeface="맑은 고딕"/>
-            </a:endParaRPr>
-          </a:p>
-          <a:p>
-            <a:pPr marL="0" marR="0" indent="0" algn="l" rtl="0">
-              <a:spcBef>
-                <a:spcPts val="0"/>
-              </a:spcBef>
-              <a:spcAft>
-                <a:spcPts val="0"/>
-              </a:spcAft>
-              <a:buNone/>
-              <a:defRPr/>
-            </a:pPr>
-            <a:r>
-              <a:rPr lang="ko-KR" altLang="en-US" sz="1600" b="1">
-                <a:solidFill>
-                  <a:schemeClr val="tx1"/>
-                </a:solidFill>
-                <a:latin typeface="맑은 고딕"/>
-                <a:ea typeface="맑은 고딕"/>
-              </a:rPr>
-              <a:t>20대와 50대가  잘 어우러져 프로젝트를 완성하자는 의미로 팀 이름은 2050이었습니다.</a:t>
-            </a:r>
-            <a:endParaRPr lang="ko-KR" altLang="en-US" sz="1600" b="1">
-              <a:solidFill>
-                <a:schemeClr val="tx1"/>
-              </a:solidFill>
-              <a:latin typeface="맑은 고딕"/>
-              <a:ea typeface="맑은 고딕"/>
-            </a:endParaRPr>
-          </a:p>
-          <a:p>
-            <a:pPr marL="0" marR="0" indent="0" algn="l" rtl="0">
-              <a:spcBef>
-                <a:spcPts val="0"/>
-              </a:spcBef>
-              <a:spcAft>
-                <a:spcPts val="0"/>
-              </a:spcAft>
-              <a:buNone/>
-              <a:defRPr/>
-            </a:pPr>
-            <a:endParaRPr lang="ko-KR" altLang="en-US" sz="1600" b="1">
-              <a:solidFill>
-                <a:schemeClr val="tx1"/>
-              </a:solidFill>
-              <a:latin typeface="맑은 고딕"/>
-              <a:ea typeface="맑은 고딕"/>
-            </a:endParaRPr>
-          </a:p>
-          <a:p>
-            <a:pPr marL="0" marR="0" indent="0" algn="l" rtl="0">
-              <a:spcBef>
-                <a:spcPts val="0"/>
-              </a:spcBef>
-              <a:spcAft>
-                <a:spcPts val="0"/>
-              </a:spcAft>
-              <a:buNone/>
-              <a:defRPr/>
-            </a:pPr>
-            <a:r>
-              <a:rPr lang="ko-KR" altLang="en-US" sz="1600" b="1">
-                <a:solidFill>
-                  <a:schemeClr val="tx1"/>
-                </a:solidFill>
-                <a:latin typeface="맑은 고딕"/>
-                <a:ea typeface="맑은 고딕"/>
-              </a:rPr>
               <a:t>‘온라인 수강 모니터링 시스템’ 은  수강자가 강의를 들을 때 강의시간 동안의 집중도를 계산하고 최종적으로 집중도 그래프를 그려주어 수강자는 그래프를 통해 자가 평가를 할 수 있고 강사는 그래프를 통해 강의 개선 피드백으로 활용할 수 있게 하는 프로젝트였습니다.</a:t>
             </a:r>
             <a:endParaRPr lang="ko-KR" altLang="en-US" sz="1600" b="1">
@@ -23482,6 +21885,42 @@
               <a:buNone/>
               <a:defRPr/>
             </a:pPr>
+            <a:endParaRPr lang="ko-KR" altLang="en-US" sz="1600" b="1">
+              <a:solidFill>
+                <a:schemeClr val="tx1"/>
+              </a:solidFill>
+              <a:latin typeface="맑은 고딕"/>
+              <a:ea typeface="맑은 고딕"/>
+            </a:endParaRPr>
+          </a:p>
+          <a:p>
+            <a:pPr marL="0" marR="0" lvl="0" indent="0" algn="l" rtl="0">
+              <a:lnSpc>
+                <a:spcPct val="100000"/>
+              </a:lnSpc>
+              <a:spcBef>
+                <a:spcPts val="0"/>
+              </a:spcBef>
+              <a:spcAft>
+                <a:spcPts val="0"/>
+              </a:spcAft>
+              <a:buClr>
+                <a:srgbClr val="000000"/>
+              </a:buClr>
+              <a:buFont typeface="Arial"/>
+              <a:buNone/>
+              <a:defRPr/>
+            </a:pPr>
+            <a:r>
+              <a:rPr xmlns:mc="http://schemas.openxmlformats.org/markup-compatibility/2006" xmlns:hp="http://schemas.haansoft.com/office/presentation/8.0" kumimoji="0" lang="ko-KR" altLang="en-US" sz="1600" b="1" i="0" u="none" strike="noStrike" kern="0" cap="none" spc="0" normalizeH="0" baseline="0" mc:Ignorable="hp" hp:hslEmbossed="0">
+                <a:solidFill>
+                  <a:srgbClr val="000000"/>
+                </a:solidFill>
+                <a:latin typeface="맑은 고딕"/>
+                <a:ea typeface="맑은 고딕"/>
+              </a:rPr>
+              <a:t>우리 조에서는 아직 코딩에 익숙하지 않고 프로젝트에 익숙하지 않은 분들이 있어 기간 안에 끝내기에는 진행 속도가 느렸던 문제가 있었습니다. </a:t>
+            </a:r>
             <a:endParaRPr lang="ko-KR" altLang="en-US" sz="1600" b="1">
               <a:solidFill>
                 <a:schemeClr val="tx1"/>
@@ -23666,7 +22105,7 @@
         </p:nvSpPr>
         <p:spPr>
           <a:xfrm>
-            <a:off x="9144000" y="4796135"/>
+            <a:off x="9144000" y="4637699"/>
             <a:ext cx="6834188" cy="5947846"/>
           </a:xfrm>
           <a:prstGeom prst="rect">
@@ -24339,7 +22778,7 @@
         <p:spPr>
           <a:xfrm>
             <a:off x="9343028" y="1987455"/>
-            <a:ext cx="6624851" cy="1553920"/>
+            <a:ext cx="6624851" cy="2039695"/>
           </a:xfrm>
           <a:prstGeom prst="rect">
             <a:avLst/>
@@ -24372,8 +22811,75 @@
                 <a:latin typeface="맑은 고딕"/>
                 <a:ea typeface="맑은 고딕"/>
               </a:rPr>
-              <a:t>우리 조에서는 아직 코딩에 익숙하지 않고 프로젝트에 익숙하지 않은 분들이 있어 기간 안에 끝내기에는 진행 속도가 느렸던 문제가 있었습니다. 이에 매일 아침 스크럼을 진행하여 각 조원들의 진행 상황을 공유하고 코드 설명 및 일의 재분배를 통해 해결해나갔으며 기간 안에 프로젝트를 마무리할 수 있었습니다.</a:t>
+              <a:t>이에 매일 아침 스크럼을 진행하여 각 조원들의 진행 상황을 공유하고 코드 설명 및 일의 재분배를 통해 해결해나갔으며 기간 안에 프로젝트를 마무리할 수 있었습니다.</a:t>
             </a:r>
+            <a:endParaRPr lang="ko-KR" altLang="en-US" sz="1600" b="1">
+              <a:solidFill>
+                <a:schemeClr val="tx1"/>
+              </a:solidFill>
+              <a:latin typeface="맑은 고딕"/>
+              <a:ea typeface="맑은 고딕"/>
+            </a:endParaRPr>
+          </a:p>
+          <a:p>
+            <a:pPr marL="0" marR="0" indent="0" algn="l" rtl="0">
+              <a:spcBef>
+                <a:spcPts val="0"/>
+              </a:spcBef>
+              <a:spcAft>
+                <a:spcPts val="0"/>
+              </a:spcAft>
+              <a:buNone/>
+              <a:defRPr/>
+            </a:pPr>
+            <a:endParaRPr lang="ko-KR" altLang="en-US" sz="1600" b="1">
+              <a:solidFill>
+                <a:schemeClr val="tx1"/>
+              </a:solidFill>
+              <a:latin typeface="맑은 고딕"/>
+              <a:ea typeface="맑은 고딕"/>
+            </a:endParaRPr>
+          </a:p>
+          <a:p>
+            <a:pPr marL="0" marR="0" indent="0" algn="l" rtl="0">
+              <a:spcBef>
+                <a:spcPts val="0"/>
+              </a:spcBef>
+              <a:spcAft>
+                <a:spcPts val="0"/>
+              </a:spcAft>
+              <a:buNone/>
+              <a:defRPr/>
+            </a:pPr>
+            <a:r>
+              <a:rPr lang="ko-KR" altLang="en-US" sz="1600" b="1">
+                <a:solidFill>
+                  <a:schemeClr val="tx1"/>
+                </a:solidFill>
+                <a:latin typeface="맑은 고딕"/>
+                <a:ea typeface="맑은 고딕"/>
+              </a:rPr>
+              <a:t>이 프로젝트를 통해서 팀원들과의 의사소통의 중요성을 느꼈으며 팀원 전체가 프로젝트의 전체적인 흐름을 숙지해야함을 느꼈습니다.</a:t>
+            </a:r>
+            <a:endParaRPr lang="ko-KR" altLang="en-US" sz="1600" b="1">
+              <a:solidFill>
+                <a:schemeClr val="tx1"/>
+              </a:solidFill>
+              <a:latin typeface="맑은 고딕"/>
+              <a:ea typeface="맑은 고딕"/>
+            </a:endParaRPr>
+          </a:p>
+          <a:p>
+            <a:pPr marL="0" marR="0" indent="0" algn="l" rtl="0">
+              <a:spcBef>
+                <a:spcPts val="0"/>
+              </a:spcBef>
+              <a:spcAft>
+                <a:spcPts val="0"/>
+              </a:spcAft>
+              <a:buNone/>
+              <a:defRPr/>
+            </a:pPr>
             <a:endParaRPr lang="ko-KR" altLang="en-US" sz="1600" b="1">
               <a:solidFill>
                 <a:schemeClr val="tx1"/>
